--- a/ekf/ekf_rev/docs/figure summary ekf.pptx
+++ b/ekf/ekf_rev/docs/figure summary ekf.pptx
@@ -6,6 +6,9 @@
   </p:sldMasterIdLst>
   <p:sldIdLst>
     <p:sldId id="256" r:id="rId2"/>
+    <p:sldId id="257" r:id="rId3"/>
+    <p:sldId id="258" r:id="rId4"/>
+    <p:sldId id="259" r:id="rId5"/>
   </p:sldIdLst>
   <p:sldSz cx="12192000" cy="6858000"/>
   <p:notesSz cx="6858000" cy="9144000"/>
@@ -104,6 +107,11 @@
       </a:defRPr>
     </a:lvl9pPr>
   </p:defaultTextStyle>
+  <p:extLst>
+    <p:ext uri="{EFAFB233-063F-42B5-8137-9DF3F51BA10A}">
+      <p15:sldGuideLst xmlns:p15="http://schemas.microsoft.com/office/powerpoint/2012/main"/>
+    </p:ext>
+  </p:extLst>
 </p:presentation>
 </file>
 
@@ -395,7 +403,7 @@
           <a:p>
             <a:fld id="{430B5F32-3F70-4D9A-9FA3-F685493D4A1A}" type="datetimeFigureOut">
               <a:rPr lang="id-ID" smtClean="0"/>
-              <a:t>14/12/2022</a:t>
+              <a:t>13/01/2023</a:t>
             </a:fld>
             <a:endParaRPr lang="id-ID"/>
           </a:p>
@@ -595,7 +603,7 @@
           <a:p>
             <a:fld id="{430B5F32-3F70-4D9A-9FA3-F685493D4A1A}" type="datetimeFigureOut">
               <a:rPr lang="id-ID" smtClean="0"/>
-              <a:t>14/12/2022</a:t>
+              <a:t>13/01/2023</a:t>
             </a:fld>
             <a:endParaRPr lang="id-ID"/>
           </a:p>
@@ -805,7 +813,7 @@
           <a:p>
             <a:fld id="{430B5F32-3F70-4D9A-9FA3-F685493D4A1A}" type="datetimeFigureOut">
               <a:rPr lang="id-ID" smtClean="0"/>
-              <a:t>14/12/2022</a:t>
+              <a:t>13/01/2023</a:t>
             </a:fld>
             <a:endParaRPr lang="id-ID"/>
           </a:p>
@@ -1005,7 +1013,7 @@
           <a:p>
             <a:fld id="{430B5F32-3F70-4D9A-9FA3-F685493D4A1A}" type="datetimeFigureOut">
               <a:rPr lang="id-ID" smtClean="0"/>
-              <a:t>14/12/2022</a:t>
+              <a:t>13/01/2023</a:t>
             </a:fld>
             <a:endParaRPr lang="id-ID"/>
           </a:p>
@@ -1281,7 +1289,7 @@
           <a:p>
             <a:fld id="{430B5F32-3F70-4D9A-9FA3-F685493D4A1A}" type="datetimeFigureOut">
               <a:rPr lang="id-ID" smtClean="0"/>
-              <a:t>14/12/2022</a:t>
+              <a:t>13/01/2023</a:t>
             </a:fld>
             <a:endParaRPr lang="id-ID"/>
           </a:p>
@@ -1549,7 +1557,7 @@
           <a:p>
             <a:fld id="{430B5F32-3F70-4D9A-9FA3-F685493D4A1A}" type="datetimeFigureOut">
               <a:rPr lang="id-ID" smtClean="0"/>
-              <a:t>14/12/2022</a:t>
+              <a:t>13/01/2023</a:t>
             </a:fld>
             <a:endParaRPr lang="id-ID"/>
           </a:p>
@@ -1964,7 +1972,7 @@
           <a:p>
             <a:fld id="{430B5F32-3F70-4D9A-9FA3-F685493D4A1A}" type="datetimeFigureOut">
               <a:rPr lang="id-ID" smtClean="0"/>
-              <a:t>14/12/2022</a:t>
+              <a:t>13/01/2023</a:t>
             </a:fld>
             <a:endParaRPr lang="id-ID"/>
           </a:p>
@@ -2106,7 +2114,7 @@
           <a:p>
             <a:fld id="{430B5F32-3F70-4D9A-9FA3-F685493D4A1A}" type="datetimeFigureOut">
               <a:rPr lang="id-ID" smtClean="0"/>
-              <a:t>14/12/2022</a:t>
+              <a:t>13/01/2023</a:t>
             </a:fld>
             <a:endParaRPr lang="id-ID"/>
           </a:p>
@@ -2219,7 +2227,7 @@
           <a:p>
             <a:fld id="{430B5F32-3F70-4D9A-9FA3-F685493D4A1A}" type="datetimeFigureOut">
               <a:rPr lang="id-ID" smtClean="0"/>
-              <a:t>14/12/2022</a:t>
+              <a:t>13/01/2023</a:t>
             </a:fld>
             <a:endParaRPr lang="id-ID"/>
           </a:p>
@@ -2532,7 +2540,7 @@
           <a:p>
             <a:fld id="{430B5F32-3F70-4D9A-9FA3-F685493D4A1A}" type="datetimeFigureOut">
               <a:rPr lang="id-ID" smtClean="0"/>
-              <a:t>14/12/2022</a:t>
+              <a:t>13/01/2023</a:t>
             </a:fld>
             <a:endParaRPr lang="id-ID"/>
           </a:p>
@@ -2821,7 +2829,7 @@
           <a:p>
             <a:fld id="{430B5F32-3F70-4D9A-9FA3-F685493D4A1A}" type="datetimeFigureOut">
               <a:rPr lang="id-ID" smtClean="0"/>
-              <a:t>14/12/2022</a:t>
+              <a:t>13/01/2023</a:t>
             </a:fld>
             <a:endParaRPr lang="id-ID"/>
           </a:p>
@@ -3064,7 +3072,7 @@
           <a:p>
             <a:fld id="{430B5F32-3F70-4D9A-9FA3-F685493D4A1A}" type="datetimeFigureOut">
               <a:rPr lang="id-ID" smtClean="0"/>
-              <a:t>14/12/2022</a:t>
+              <a:t>13/01/2023</a:t>
             </a:fld>
             <a:endParaRPr lang="id-ID"/>
           </a:p>
@@ -3589,7 +3597,7 @@
           <a:lstStyle/>
           <a:p>
             <a:pPr algn="ctr"/>
-            <a:endParaRPr lang="id-ID"/>
+            <a:endParaRPr lang="id-ID" dirty="0"/>
           </a:p>
         </p:txBody>
       </p:sp>
@@ -3645,8 +3653,8 @@
           </a:p>
         </p:txBody>
       </p:sp>
-      <mc:AlternateContent xmlns:mc="http://schemas.openxmlformats.org/markup-compatibility/2006">
-        <mc:Choice xmlns:a14="http://schemas.microsoft.com/office/drawing/2010/main" Requires="a14">
+      <mc:AlternateContent xmlns:mc="http://schemas.openxmlformats.org/markup-compatibility/2006" xmlns:a14="http://schemas.microsoft.com/office/drawing/2010/main">
+        <mc:Choice Requires="a14">
           <p:sp>
             <p:nvSpPr>
               <p:cNvPr id="8" name="TextBox 7">
@@ -3826,7 +3834,7 @@
             </p:txBody>
           </p:sp>
         </mc:Choice>
-        <mc:Fallback>
+        <mc:Fallback xmlns="">
           <p:sp>
             <p:nvSpPr>
               <p:cNvPr id="8" name="TextBox 7">
@@ -3871,8 +3879,8 @@
           </p:sp>
         </mc:Fallback>
       </mc:AlternateContent>
-      <mc:AlternateContent xmlns:mc="http://schemas.openxmlformats.org/markup-compatibility/2006">
-        <mc:Choice xmlns:a14="http://schemas.microsoft.com/office/drawing/2010/main" Requires="a14">
+      <mc:AlternateContent xmlns:mc="http://schemas.openxmlformats.org/markup-compatibility/2006" xmlns:a14="http://schemas.microsoft.com/office/drawing/2010/main">
+        <mc:Choice Requires="a14">
           <p:sp>
             <p:nvSpPr>
               <p:cNvPr id="10" name="TextBox 9">
@@ -4084,7 +4092,7 @@
             </p:txBody>
           </p:sp>
         </mc:Choice>
-        <mc:Fallback>
+        <mc:Fallback xmlns="">
           <p:sp>
             <p:nvSpPr>
               <p:cNvPr id="10" name="TextBox 9">
@@ -4249,8 +4257,8 @@
           </a:p>
         </p:txBody>
       </p:sp>
-      <mc:AlternateContent xmlns:mc="http://schemas.openxmlformats.org/markup-compatibility/2006">
-        <mc:Choice xmlns:a14="http://schemas.microsoft.com/office/drawing/2010/main" Requires="a14">
+      <mc:AlternateContent xmlns:mc="http://schemas.openxmlformats.org/markup-compatibility/2006" xmlns:a14="http://schemas.microsoft.com/office/drawing/2010/main">
+        <mc:Choice Requires="a14">
           <p:sp>
             <p:nvSpPr>
               <p:cNvPr id="17" name="TextBox 16">
@@ -4462,7 +4470,7 @@
             </p:txBody>
           </p:sp>
         </mc:Choice>
-        <mc:Fallback>
+        <mc:Fallback xmlns="">
           <p:sp>
             <p:nvSpPr>
               <p:cNvPr id="17" name="TextBox 16">
@@ -4511,6 +4519,7810 @@
     <p:extLst>
       <p:ext uri="{BB962C8B-B14F-4D97-AF65-F5344CB8AC3E}">
         <p14:creationId xmlns:p14="http://schemas.microsoft.com/office/powerpoint/2010/main" val="3707227897"/>
+      </p:ext>
+    </p:extLst>
+  </p:cSld>
+  <p:clrMapOvr>
+    <a:masterClrMapping/>
+  </p:clrMapOvr>
+</p:sld>
+</file>
+
+<file path=ppt/slides/slide2.xml><?xml version="1.0" encoding="utf-8"?>
+<p:sld xmlns:a="http://schemas.openxmlformats.org/drawingml/2006/main" xmlns:r="http://schemas.openxmlformats.org/officeDocument/2006/relationships" xmlns:p="http://schemas.openxmlformats.org/presentationml/2006/main">
+  <p:cSld>
+    <p:spTree>
+      <p:nvGrpSpPr>
+        <p:cNvPr id="1" name=""/>
+        <p:cNvGrpSpPr/>
+        <p:nvPr/>
+      </p:nvGrpSpPr>
+      <p:grpSpPr>
+        <a:xfrm>
+          <a:off x="0" y="0"/>
+          <a:ext cx="0" cy="0"/>
+          <a:chOff x="0" y="0"/>
+          <a:chExt cx="0" cy="0"/>
+        </a:xfrm>
+      </p:grpSpPr>
+      <p:grpSp>
+        <p:nvGrpSpPr>
+          <p:cNvPr id="143" name="Group 142">
+            <a:extLst>
+              <a:ext uri="{FF2B5EF4-FFF2-40B4-BE49-F238E27FC236}">
+                <a16:creationId xmlns:a16="http://schemas.microsoft.com/office/drawing/2014/main" id="{F7CF1A7C-8AAC-EBA1-E203-EB6B28A99584}"/>
+              </a:ext>
+            </a:extLst>
+          </p:cNvPr>
+          <p:cNvGrpSpPr/>
+          <p:nvPr/>
+        </p:nvGrpSpPr>
+        <p:grpSpPr>
+          <a:xfrm>
+            <a:off x="358967" y="1632512"/>
+            <a:ext cx="5252938" cy="4544461"/>
+            <a:chOff x="929338" y="1320764"/>
+            <a:chExt cx="5252938" cy="4544461"/>
+          </a:xfrm>
+        </p:grpSpPr>
+        <p:cxnSp>
+          <p:nvCxnSpPr>
+            <p:cNvPr id="4" name="Straight Arrow Connector 3">
+              <a:extLst>
+                <a:ext uri="{FF2B5EF4-FFF2-40B4-BE49-F238E27FC236}">
+                  <a16:creationId xmlns:a16="http://schemas.microsoft.com/office/drawing/2014/main" id="{49DD1B12-12C3-33AE-C01D-B114AF1C5CE0}"/>
+                </a:ext>
+              </a:extLst>
+            </p:cNvPr>
+            <p:cNvCxnSpPr/>
+            <p:nvPr/>
+          </p:nvCxnSpPr>
+          <p:spPr>
+            <a:xfrm flipV="1">
+              <a:off x="1319349" y="1699589"/>
+              <a:ext cx="0" cy="4165635"/>
+            </a:xfrm>
+            <a:prstGeom prst="straightConnector1">
+              <a:avLst/>
+            </a:prstGeom>
+            <a:ln w="57150">
+              <a:tailEnd type="triangle"/>
+            </a:ln>
+          </p:spPr>
+          <p:style>
+            <a:lnRef idx="1">
+              <a:schemeClr val="dk1"/>
+            </a:lnRef>
+            <a:fillRef idx="0">
+              <a:schemeClr val="dk1"/>
+            </a:fillRef>
+            <a:effectRef idx="0">
+              <a:schemeClr val="dk1"/>
+            </a:effectRef>
+            <a:fontRef idx="minor">
+              <a:schemeClr val="tx1"/>
+            </a:fontRef>
+          </p:style>
+        </p:cxnSp>
+        <p:cxnSp>
+          <p:nvCxnSpPr>
+            <p:cNvPr id="5" name="Straight Arrow Connector 4">
+              <a:extLst>
+                <a:ext uri="{FF2B5EF4-FFF2-40B4-BE49-F238E27FC236}">
+                  <a16:creationId xmlns:a16="http://schemas.microsoft.com/office/drawing/2014/main" id="{D97DDD69-36F3-9B56-A554-25364B77CB36}"/>
+                </a:ext>
+              </a:extLst>
+            </p:cNvPr>
+            <p:cNvCxnSpPr>
+              <a:cxnSpLocks/>
+            </p:cNvCxnSpPr>
+            <p:nvPr/>
+          </p:nvCxnSpPr>
+          <p:spPr>
+            <a:xfrm rot="5400000" flipV="1">
+              <a:off x="3402167" y="3782407"/>
+              <a:ext cx="0" cy="4165635"/>
+            </a:xfrm>
+            <a:prstGeom prst="straightConnector1">
+              <a:avLst/>
+            </a:prstGeom>
+            <a:ln w="57150">
+              <a:tailEnd type="triangle"/>
+            </a:ln>
+          </p:spPr>
+          <p:style>
+            <a:lnRef idx="1">
+              <a:schemeClr val="dk1"/>
+            </a:lnRef>
+            <a:fillRef idx="0">
+              <a:schemeClr val="dk1"/>
+            </a:fillRef>
+            <a:effectRef idx="0">
+              <a:schemeClr val="dk1"/>
+            </a:effectRef>
+            <a:fontRef idx="minor">
+              <a:schemeClr val="tx1"/>
+            </a:fontRef>
+          </p:style>
+        </p:cxnSp>
+        <p:sp>
+          <p:nvSpPr>
+            <p:cNvPr id="6" name="TextBox 5">
+              <a:extLst>
+                <a:ext uri="{FF2B5EF4-FFF2-40B4-BE49-F238E27FC236}">
+                  <a16:creationId xmlns:a16="http://schemas.microsoft.com/office/drawing/2014/main" id="{9F7536F0-4FFF-B240-FAF0-64B66F881727}"/>
+                </a:ext>
+              </a:extLst>
+            </p:cNvPr>
+            <p:cNvSpPr txBox="1"/>
+            <p:nvPr/>
+          </p:nvSpPr>
+          <p:spPr>
+            <a:xfrm>
+              <a:off x="5402254" y="5495892"/>
+              <a:ext cx="780022" cy="369332"/>
+            </a:xfrm>
+            <a:prstGeom prst="rect">
+              <a:avLst/>
+            </a:prstGeom>
+            <a:noFill/>
+          </p:spPr>
+          <p:txBody>
+            <a:bodyPr wrap="none" rtlCol="0">
+              <a:spAutoFit/>
+            </a:bodyPr>
+            <a:lstStyle/>
+            <a:p>
+              <a:r>
+                <a:rPr lang="en-US" b="1" dirty="0"/>
+                <a:t>X-east</a:t>
+              </a:r>
+              <a:endParaRPr lang="id-ID" b="1" dirty="0"/>
+            </a:p>
+          </p:txBody>
+        </p:sp>
+        <p:sp>
+          <p:nvSpPr>
+            <p:cNvPr id="7" name="TextBox 6">
+              <a:extLst>
+                <a:ext uri="{FF2B5EF4-FFF2-40B4-BE49-F238E27FC236}">
+                  <a16:creationId xmlns:a16="http://schemas.microsoft.com/office/drawing/2014/main" id="{A7D2D5AC-1006-BD64-6718-33BAEDE2BC62}"/>
+                </a:ext>
+              </a:extLst>
+            </p:cNvPr>
+            <p:cNvSpPr txBox="1"/>
+            <p:nvPr/>
+          </p:nvSpPr>
+          <p:spPr>
+            <a:xfrm>
+              <a:off x="929338" y="1320764"/>
+              <a:ext cx="907621" cy="369332"/>
+            </a:xfrm>
+            <a:prstGeom prst="rect">
+              <a:avLst/>
+            </a:prstGeom>
+            <a:noFill/>
+          </p:spPr>
+          <p:txBody>
+            <a:bodyPr wrap="none" rtlCol="0">
+              <a:spAutoFit/>
+            </a:bodyPr>
+            <a:lstStyle/>
+            <a:p>
+              <a:r>
+                <a:rPr lang="en-US" b="1" dirty="0"/>
+                <a:t>Y-north</a:t>
+              </a:r>
+              <a:endParaRPr lang="id-ID" b="1" dirty="0"/>
+            </a:p>
+          </p:txBody>
+        </p:sp>
+      </p:grpSp>
+      <p:grpSp>
+        <p:nvGrpSpPr>
+          <p:cNvPr id="144" name="Group 143">
+            <a:extLst>
+              <a:ext uri="{FF2B5EF4-FFF2-40B4-BE49-F238E27FC236}">
+                <a16:creationId xmlns:a16="http://schemas.microsoft.com/office/drawing/2014/main" id="{3DA766BA-B815-BB00-B30A-09502F16F42A}"/>
+              </a:ext>
+            </a:extLst>
+          </p:cNvPr>
+          <p:cNvGrpSpPr/>
+          <p:nvPr/>
+        </p:nvGrpSpPr>
+        <p:grpSpPr>
+          <a:xfrm>
+            <a:off x="7854155" y="1992739"/>
+            <a:ext cx="3464630" cy="3413357"/>
+            <a:chOff x="776986" y="760759"/>
+            <a:chExt cx="5181142" cy="5104466"/>
+          </a:xfrm>
+        </p:grpSpPr>
+        <p:cxnSp>
+          <p:nvCxnSpPr>
+            <p:cNvPr id="145" name="Straight Arrow Connector 144">
+              <a:extLst>
+                <a:ext uri="{FF2B5EF4-FFF2-40B4-BE49-F238E27FC236}">
+                  <a16:creationId xmlns:a16="http://schemas.microsoft.com/office/drawing/2014/main" id="{D6184BD7-EF85-8594-E69A-4A9F8FE8E9AC}"/>
+                </a:ext>
+              </a:extLst>
+            </p:cNvPr>
+            <p:cNvCxnSpPr>
+              <a:cxnSpLocks/>
+            </p:cNvCxnSpPr>
+            <p:nvPr/>
+          </p:nvCxnSpPr>
+          <p:spPr>
+            <a:xfrm flipV="1">
+              <a:off x="1319349" y="1343918"/>
+              <a:ext cx="0" cy="4521307"/>
+            </a:xfrm>
+            <a:prstGeom prst="straightConnector1">
+              <a:avLst/>
+            </a:prstGeom>
+            <a:ln w="57150">
+              <a:solidFill>
+                <a:srgbClr val="FF0000"/>
+              </a:solidFill>
+              <a:prstDash val="dash"/>
+              <a:tailEnd type="triangle"/>
+            </a:ln>
+          </p:spPr>
+          <p:style>
+            <a:lnRef idx="1">
+              <a:schemeClr val="dk1"/>
+            </a:lnRef>
+            <a:fillRef idx="0">
+              <a:schemeClr val="dk1"/>
+            </a:fillRef>
+            <a:effectRef idx="0">
+              <a:schemeClr val="dk1"/>
+            </a:effectRef>
+            <a:fontRef idx="minor">
+              <a:schemeClr val="tx1"/>
+            </a:fontRef>
+          </p:style>
+        </p:cxnSp>
+        <p:cxnSp>
+          <p:nvCxnSpPr>
+            <p:cNvPr id="146" name="Straight Arrow Connector 145">
+              <a:extLst>
+                <a:ext uri="{FF2B5EF4-FFF2-40B4-BE49-F238E27FC236}">
+                  <a16:creationId xmlns:a16="http://schemas.microsoft.com/office/drawing/2014/main" id="{D466448C-D293-E8F2-D316-7CEEEDFC05AD}"/>
+                </a:ext>
+              </a:extLst>
+            </p:cNvPr>
+            <p:cNvCxnSpPr>
+              <a:cxnSpLocks/>
+            </p:cNvCxnSpPr>
+            <p:nvPr/>
+          </p:nvCxnSpPr>
+          <p:spPr>
+            <a:xfrm rot="5400000" flipV="1">
+              <a:off x="3402167" y="3782407"/>
+              <a:ext cx="0" cy="4165635"/>
+            </a:xfrm>
+            <a:prstGeom prst="straightConnector1">
+              <a:avLst/>
+            </a:prstGeom>
+            <a:ln w="57150">
+              <a:solidFill>
+                <a:srgbClr val="FF0000"/>
+              </a:solidFill>
+              <a:prstDash val="dash"/>
+              <a:tailEnd type="triangle"/>
+            </a:ln>
+          </p:spPr>
+          <p:style>
+            <a:lnRef idx="1">
+              <a:schemeClr val="dk1"/>
+            </a:lnRef>
+            <a:fillRef idx="0">
+              <a:schemeClr val="dk1"/>
+            </a:fillRef>
+            <a:effectRef idx="0">
+              <a:schemeClr val="dk1"/>
+            </a:effectRef>
+            <a:fontRef idx="minor">
+              <a:schemeClr val="tx1"/>
+            </a:fontRef>
+          </p:style>
+        </p:cxnSp>
+        <p:sp>
+          <p:nvSpPr>
+            <p:cNvPr id="147" name="TextBox 146">
+              <a:extLst>
+                <a:ext uri="{FF2B5EF4-FFF2-40B4-BE49-F238E27FC236}">
+                  <a16:creationId xmlns:a16="http://schemas.microsoft.com/office/drawing/2014/main" id="{A6F41387-FA4A-6799-BA78-E3D06B95C51A}"/>
+                </a:ext>
+              </a:extLst>
+            </p:cNvPr>
+            <p:cNvSpPr txBox="1"/>
+            <p:nvPr/>
+          </p:nvSpPr>
+          <p:spPr>
+            <a:xfrm>
+              <a:off x="4835128" y="5177251"/>
+              <a:ext cx="1123000" cy="369331"/>
+            </a:xfrm>
+            <a:prstGeom prst="rect">
+              <a:avLst/>
+            </a:prstGeom>
+            <a:noFill/>
+          </p:spPr>
+          <p:txBody>
+            <a:bodyPr wrap="none" rtlCol="0">
+              <a:spAutoFit/>
+            </a:bodyPr>
+            <a:lstStyle/>
+            <a:p>
+              <a:r>
+                <a:rPr lang="en-US" b="1" dirty="0">
+                  <a:solidFill>
+                    <a:srgbClr val="FF0000"/>
+                  </a:solidFill>
+                </a:rPr>
+                <a:t>x-forward</a:t>
+              </a:r>
+              <a:endParaRPr lang="id-ID" b="1" dirty="0">
+                <a:solidFill>
+                  <a:srgbClr val="FF0000"/>
+                </a:solidFill>
+              </a:endParaRPr>
+            </a:p>
+          </p:txBody>
+        </p:sp>
+        <p:sp>
+          <p:nvSpPr>
+            <p:cNvPr id="148" name="TextBox 147">
+              <a:extLst>
+                <a:ext uri="{FF2B5EF4-FFF2-40B4-BE49-F238E27FC236}">
+                  <a16:creationId xmlns:a16="http://schemas.microsoft.com/office/drawing/2014/main" id="{B02505E2-DAAA-2396-1C6F-A23F00183EA6}"/>
+                </a:ext>
+              </a:extLst>
+            </p:cNvPr>
+            <p:cNvSpPr txBox="1"/>
+            <p:nvPr/>
+          </p:nvSpPr>
+          <p:spPr>
+            <a:xfrm>
+              <a:off x="776986" y="760759"/>
+              <a:ext cx="1084721" cy="369331"/>
+            </a:xfrm>
+            <a:prstGeom prst="rect">
+              <a:avLst/>
+            </a:prstGeom>
+            <a:noFill/>
+          </p:spPr>
+          <p:txBody>
+            <a:bodyPr wrap="none" rtlCol="0">
+              <a:spAutoFit/>
+            </a:bodyPr>
+            <a:lstStyle/>
+            <a:p>
+              <a:r>
+                <a:rPr lang="en-US" b="1" dirty="0">
+                  <a:solidFill>
+                    <a:srgbClr val="FF0000"/>
+                  </a:solidFill>
+                </a:rPr>
+                <a:t>y-strafing</a:t>
+              </a:r>
+              <a:endParaRPr lang="id-ID" b="1" dirty="0">
+                <a:solidFill>
+                  <a:srgbClr val="FF0000"/>
+                </a:solidFill>
+              </a:endParaRPr>
+            </a:p>
+          </p:txBody>
+        </p:sp>
+      </p:grpSp>
+      <p:cxnSp>
+        <p:nvCxnSpPr>
+          <p:cNvPr id="150" name="Straight Arrow Connector 149">
+            <a:extLst>
+              <a:ext uri="{FF2B5EF4-FFF2-40B4-BE49-F238E27FC236}">
+                <a16:creationId xmlns:a16="http://schemas.microsoft.com/office/drawing/2014/main" id="{35B54B67-ADFB-CF8B-63B8-EE3953A1AA86}"/>
+              </a:ext>
+            </a:extLst>
+          </p:cNvPr>
+          <p:cNvCxnSpPr>
+            <a:cxnSpLocks/>
+          </p:cNvCxnSpPr>
+          <p:nvPr/>
+        </p:nvCxnSpPr>
+        <p:spPr>
+          <a:xfrm flipV="1">
+            <a:off x="8216833" y="4158360"/>
+            <a:ext cx="0" cy="1215039"/>
+          </a:xfrm>
+          <a:prstGeom prst="straightConnector1">
+            <a:avLst/>
+          </a:prstGeom>
+          <a:ln w="38100">
+            <a:tailEnd type="triangle"/>
+          </a:ln>
+        </p:spPr>
+        <p:style>
+          <a:lnRef idx="1">
+            <a:schemeClr val="dk1"/>
+          </a:lnRef>
+          <a:fillRef idx="0">
+            <a:schemeClr val="dk1"/>
+          </a:fillRef>
+          <a:effectRef idx="0">
+            <a:schemeClr val="dk1"/>
+          </a:effectRef>
+          <a:fontRef idx="minor">
+            <a:schemeClr val="tx1"/>
+          </a:fontRef>
+        </p:style>
+      </p:cxnSp>
+      <p:sp>
+        <p:nvSpPr>
+          <p:cNvPr id="153" name="Oval 152">
+            <a:extLst>
+              <a:ext uri="{FF2B5EF4-FFF2-40B4-BE49-F238E27FC236}">
+                <a16:creationId xmlns:a16="http://schemas.microsoft.com/office/drawing/2014/main" id="{6C44C1DD-7AB5-6A2B-B905-26D687876A02}"/>
+              </a:ext>
+            </a:extLst>
+          </p:cNvPr>
+          <p:cNvSpPr/>
+          <p:nvPr/>
+        </p:nvSpPr>
+        <p:spPr>
+          <a:xfrm rot="8336998">
+            <a:off x="8166354" y="4107454"/>
+            <a:ext cx="100958" cy="100958"/>
+          </a:xfrm>
+          <a:prstGeom prst="ellipse">
+            <a:avLst/>
+          </a:prstGeom>
+        </p:spPr>
+        <p:style>
+          <a:lnRef idx="2">
+            <a:schemeClr val="dk1">
+              <a:shade val="50000"/>
+            </a:schemeClr>
+          </a:lnRef>
+          <a:fillRef idx="1">
+            <a:schemeClr val="dk1"/>
+          </a:fillRef>
+          <a:effectRef idx="0">
+            <a:schemeClr val="dk1"/>
+          </a:effectRef>
+          <a:fontRef idx="minor">
+            <a:schemeClr val="lt1"/>
+          </a:fontRef>
+        </p:style>
+        <p:txBody>
+          <a:bodyPr rtlCol="0" anchor="ctr"/>
+          <a:lstStyle/>
+          <a:p>
+            <a:pPr algn="ctr"/>
+            <a:endParaRPr lang="id-ID"/>
+          </a:p>
+        </p:txBody>
+      </p:sp>
+      <p:sp>
+        <p:nvSpPr>
+          <p:cNvPr id="154" name="Oval 153">
+            <a:extLst>
+              <a:ext uri="{FF2B5EF4-FFF2-40B4-BE49-F238E27FC236}">
+                <a16:creationId xmlns:a16="http://schemas.microsoft.com/office/drawing/2014/main" id="{984CFEC1-3993-85D2-217F-9221BE39645C}"/>
+              </a:ext>
+            </a:extLst>
+          </p:cNvPr>
+          <p:cNvSpPr/>
+          <p:nvPr/>
+        </p:nvSpPr>
+        <p:spPr>
+          <a:xfrm>
+            <a:off x="6984845" y="2942120"/>
+            <a:ext cx="2463975" cy="2463975"/>
+          </a:xfrm>
+          <a:prstGeom prst="ellipse">
+            <a:avLst/>
+          </a:prstGeom>
+          <a:noFill/>
+          <a:ln w="19050">
+            <a:solidFill>
+              <a:schemeClr val="tx1"/>
+            </a:solidFill>
+          </a:ln>
+        </p:spPr>
+        <p:style>
+          <a:lnRef idx="2">
+            <a:schemeClr val="accent1">
+              <a:shade val="50000"/>
+            </a:schemeClr>
+          </a:lnRef>
+          <a:fillRef idx="1">
+            <a:schemeClr val="accent1"/>
+          </a:fillRef>
+          <a:effectRef idx="0">
+            <a:schemeClr val="accent1"/>
+          </a:effectRef>
+          <a:fontRef idx="minor">
+            <a:schemeClr val="lt1"/>
+          </a:fontRef>
+        </p:style>
+        <p:txBody>
+          <a:bodyPr rtlCol="0" anchor="ctr"/>
+          <a:lstStyle/>
+          <a:p>
+            <a:pPr algn="ctr"/>
+            <a:endParaRPr lang="id-ID"/>
+          </a:p>
+        </p:txBody>
+      </p:sp>
+      <mc:AlternateContent xmlns:mc="http://schemas.openxmlformats.org/markup-compatibility/2006" xmlns:a14="http://schemas.microsoft.com/office/drawing/2010/main">
+        <mc:Choice Requires="a14">
+          <p:sp>
+            <p:nvSpPr>
+              <p:cNvPr id="156" name="TextBox 155">
+                <a:extLst>
+                  <a:ext uri="{FF2B5EF4-FFF2-40B4-BE49-F238E27FC236}">
+                    <a16:creationId xmlns:a16="http://schemas.microsoft.com/office/drawing/2014/main" id="{DF4C915C-2530-A2EF-64E8-242311F95BEA}"/>
+                  </a:ext>
+                </a:extLst>
+              </p:cNvPr>
+              <p:cNvSpPr txBox="1"/>
+              <p:nvPr/>
+            </p:nvSpPr>
+            <p:spPr>
+              <a:xfrm>
+                <a:off x="7822905" y="4624605"/>
+                <a:ext cx="360996" cy="369332"/>
+              </a:xfrm>
+              <a:prstGeom prst="rect">
+                <a:avLst/>
+              </a:prstGeom>
+              <a:noFill/>
+            </p:spPr>
+            <p:txBody>
+              <a:bodyPr wrap="none" rtlCol="0">
+                <a:spAutoFit/>
+              </a:bodyPr>
+              <a:lstStyle/>
+              <a:p>
+                <a:pPr/>
+                <a14:m>
+                  <m:oMathPara xmlns:m="http://schemas.openxmlformats.org/officeDocument/2006/math">
+                    <m:oMathParaPr>
+                      <m:jc m:val="centerGroup"/>
+                    </m:oMathParaPr>
+                    <m:oMath xmlns:m="http://schemas.openxmlformats.org/officeDocument/2006/math">
+                      <m:r>
+                        <a:rPr lang="en-US" b="1" i="1" dirty="0" smtClean="0">
+                          <a:solidFill>
+                            <a:schemeClr val="tx1"/>
+                          </a:solidFill>
+                          <a:latin typeface="Cambria Math" panose="02040503050406030204" pitchFamily="18" charset="0"/>
+                        </a:rPr>
+                        <m:t>𝒓</m:t>
+                      </m:r>
+                    </m:oMath>
+                  </m:oMathPara>
+                </a14:m>
+                <a:endParaRPr lang="id-ID" b="1" dirty="0">
+                  <a:solidFill>
+                    <a:srgbClr val="00B050"/>
+                  </a:solidFill>
+                </a:endParaRPr>
+              </a:p>
+            </p:txBody>
+          </p:sp>
+        </mc:Choice>
+        <mc:Fallback xmlns="">
+          <p:sp>
+            <p:nvSpPr>
+              <p:cNvPr id="156" name="TextBox 155">
+                <a:extLst>
+                  <a:ext uri="{FF2B5EF4-FFF2-40B4-BE49-F238E27FC236}">
+                    <a16:creationId xmlns:a16="http://schemas.microsoft.com/office/drawing/2014/main" id="{DF4C915C-2530-A2EF-64E8-242311F95BEA}"/>
+                  </a:ext>
+                </a:extLst>
+              </p:cNvPr>
+              <p:cNvSpPr txBox="1">
+                <a:spLocks noRot="1" noChangeAspect="1" noMove="1" noResize="1" noEditPoints="1" noAdjustHandles="1" noChangeArrowheads="1" noChangeShapeType="1" noTextEdit="1"/>
+              </p:cNvSpPr>
+              <p:nvPr/>
+            </p:nvSpPr>
+            <p:spPr>
+              <a:xfrm>
+                <a:off x="7822905" y="4624605"/>
+                <a:ext cx="360996" cy="369332"/>
+              </a:xfrm>
+              <a:prstGeom prst="rect">
+                <a:avLst/>
+              </a:prstGeom>
+              <a:blipFill>
+                <a:blip r:embed="rId2"/>
+                <a:stretch>
+                  <a:fillRect/>
+                </a:stretch>
+              </a:blipFill>
+            </p:spPr>
+            <p:txBody>
+              <a:bodyPr/>
+              <a:lstStyle/>
+              <a:p>
+                <a:r>
+                  <a:rPr lang="id-ID">
+                    <a:noFill/>
+                  </a:rPr>
+                  <a:t> </a:t>
+                </a:r>
+              </a:p>
+            </p:txBody>
+          </p:sp>
+        </mc:Fallback>
+      </mc:AlternateContent>
+      <p:cxnSp>
+        <p:nvCxnSpPr>
+          <p:cNvPr id="157" name="Straight Arrow Connector 156">
+            <a:extLst>
+              <a:ext uri="{FF2B5EF4-FFF2-40B4-BE49-F238E27FC236}">
+                <a16:creationId xmlns:a16="http://schemas.microsoft.com/office/drawing/2014/main" id="{6773D7C3-D932-F068-73EA-44576E2989B4}"/>
+              </a:ext>
+            </a:extLst>
+          </p:cNvPr>
+          <p:cNvCxnSpPr>
+            <a:cxnSpLocks/>
+            <a:stCxn id="154" idx="5"/>
+            <a:endCxn id="153" idx="0"/>
+          </p:cNvCxnSpPr>
+          <p:nvPr/>
+        </p:nvCxnSpPr>
+        <p:spPr>
+          <a:xfrm flipH="1" flipV="1">
+            <a:off x="8249983" y="4196001"/>
+            <a:ext cx="837996" cy="849253"/>
+          </a:xfrm>
+          <a:prstGeom prst="straightConnector1">
+            <a:avLst/>
+          </a:prstGeom>
+          <a:ln w="19050">
+            <a:solidFill>
+              <a:schemeClr val="tx1"/>
+            </a:solidFill>
+            <a:headEnd type="none" w="med" len="med"/>
+            <a:tailEnd type="none" w="med" len="med"/>
+          </a:ln>
+        </p:spPr>
+        <p:style>
+          <a:lnRef idx="1">
+            <a:schemeClr val="accent1"/>
+          </a:lnRef>
+          <a:fillRef idx="0">
+            <a:schemeClr val="accent1"/>
+          </a:fillRef>
+          <a:effectRef idx="0">
+            <a:schemeClr val="accent1"/>
+          </a:effectRef>
+          <a:fontRef idx="minor">
+            <a:schemeClr val="tx1"/>
+          </a:fontRef>
+        </p:style>
+      </p:cxnSp>
+      <p:pic>
+        <p:nvPicPr>
+          <p:cNvPr id="163" name="Picture 162">
+            <a:extLst>
+              <a:ext uri="{FF2B5EF4-FFF2-40B4-BE49-F238E27FC236}">
+                <a16:creationId xmlns:a16="http://schemas.microsoft.com/office/drawing/2014/main" id="{8355165C-CB14-098A-74BA-0C99A5317E7E}"/>
+              </a:ext>
+            </a:extLst>
+          </p:cNvPr>
+          <p:cNvPicPr>
+            <a:picLocks noChangeAspect="1"/>
+          </p:cNvPicPr>
+          <p:nvPr/>
+        </p:nvPicPr>
+        <p:blipFill rotWithShape="1">
+          <a:blip r:embed="rId3"/>
+          <a:srcRect l="60527" t="70814"/>
+          <a:stretch/>
+        </p:blipFill>
+        <p:spPr>
+          <a:xfrm>
+            <a:off x="8203914" y="4397232"/>
+            <a:ext cx="372461" cy="294417"/>
+          </a:xfrm>
+          <a:prstGeom prst="rect">
+            <a:avLst/>
+          </a:prstGeom>
+        </p:spPr>
+      </p:pic>
+      <mc:AlternateContent xmlns:mc="http://schemas.openxmlformats.org/markup-compatibility/2006" xmlns:a14="http://schemas.microsoft.com/office/drawing/2010/main">
+        <mc:Choice Requires="a14">
+          <p:sp>
+            <p:nvSpPr>
+              <p:cNvPr id="168" name="TextBox 167">
+                <a:extLst>
+                  <a:ext uri="{FF2B5EF4-FFF2-40B4-BE49-F238E27FC236}">
+                    <a16:creationId xmlns:a16="http://schemas.microsoft.com/office/drawing/2014/main" id="{F50BC13F-C537-0533-385D-04632498E970}"/>
+                  </a:ext>
+                </a:extLst>
+              </p:cNvPr>
+              <p:cNvSpPr txBox="1"/>
+              <p:nvPr/>
+            </p:nvSpPr>
+            <p:spPr>
+              <a:xfrm>
+                <a:off x="8874457" y="5079904"/>
+                <a:ext cx="631904" cy="369332"/>
+              </a:xfrm>
+              <a:prstGeom prst="rect">
+                <a:avLst/>
+              </a:prstGeom>
+              <a:noFill/>
+            </p:spPr>
+            <p:txBody>
+              <a:bodyPr wrap="none" rtlCol="0">
+                <a:spAutoFit/>
+              </a:bodyPr>
+              <a:lstStyle/>
+              <a:p>
+                <a:pPr/>
+                <a14:m>
+                  <m:oMathPara xmlns:m="http://schemas.openxmlformats.org/officeDocument/2006/math">
+                    <m:oMathParaPr>
+                      <m:jc m:val="centerGroup"/>
+                    </m:oMathParaPr>
+                    <m:oMath xmlns:m="http://schemas.openxmlformats.org/officeDocument/2006/math">
+                      <m:r>
+                        <a:rPr lang="en-US" b="1" i="1" dirty="0" smtClean="0">
+                          <a:solidFill>
+                            <a:srgbClr val="00B050"/>
+                          </a:solidFill>
+                          <a:latin typeface="Cambria Math" panose="02040503050406030204" pitchFamily="18" charset="0"/>
+                        </a:rPr>
+                        <m:t>𝑽𝒅𝒕</m:t>
+                      </m:r>
+                    </m:oMath>
+                  </m:oMathPara>
+                </a14:m>
+                <a:endParaRPr lang="id-ID" b="1" dirty="0">
+                  <a:solidFill>
+                    <a:srgbClr val="FF0000"/>
+                  </a:solidFill>
+                </a:endParaRPr>
+              </a:p>
+            </p:txBody>
+          </p:sp>
+        </mc:Choice>
+        <mc:Fallback xmlns="">
+          <p:sp>
+            <p:nvSpPr>
+              <p:cNvPr id="168" name="TextBox 167">
+                <a:extLst>
+                  <a:ext uri="{FF2B5EF4-FFF2-40B4-BE49-F238E27FC236}">
+                    <a16:creationId xmlns:a16="http://schemas.microsoft.com/office/drawing/2014/main" id="{F50BC13F-C537-0533-385D-04632498E970}"/>
+                  </a:ext>
+                </a:extLst>
+              </p:cNvPr>
+              <p:cNvSpPr txBox="1">
+                <a:spLocks noRot="1" noChangeAspect="1" noMove="1" noResize="1" noEditPoints="1" noAdjustHandles="1" noChangeArrowheads="1" noChangeShapeType="1" noTextEdit="1"/>
+              </p:cNvSpPr>
+              <p:nvPr/>
+            </p:nvSpPr>
+            <p:spPr>
+              <a:xfrm>
+                <a:off x="8874457" y="5079904"/>
+                <a:ext cx="631904" cy="369332"/>
+              </a:xfrm>
+              <a:prstGeom prst="rect">
+                <a:avLst/>
+              </a:prstGeom>
+              <a:blipFill>
+                <a:blip r:embed="rId4"/>
+                <a:stretch>
+                  <a:fillRect/>
+                </a:stretch>
+              </a:blipFill>
+            </p:spPr>
+            <p:txBody>
+              <a:bodyPr/>
+              <a:lstStyle/>
+              <a:p>
+                <a:r>
+                  <a:rPr lang="id-ID">
+                    <a:noFill/>
+                  </a:rPr>
+                  <a:t> </a:t>
+                </a:r>
+              </a:p>
+            </p:txBody>
+          </p:sp>
+        </mc:Fallback>
+      </mc:AlternateContent>
+      <mc:AlternateContent xmlns:mc="http://schemas.openxmlformats.org/markup-compatibility/2006" xmlns:a14="http://schemas.microsoft.com/office/drawing/2010/main">
+        <mc:Choice Requires="a14">
+          <p:sp>
+            <p:nvSpPr>
+              <p:cNvPr id="169" name="TextBox 168">
+                <a:extLst>
+                  <a:ext uri="{FF2B5EF4-FFF2-40B4-BE49-F238E27FC236}">
+                    <a16:creationId xmlns:a16="http://schemas.microsoft.com/office/drawing/2014/main" id="{C59F99AC-5016-383D-2FD2-84FB14B603CF}"/>
+                  </a:ext>
+                </a:extLst>
+              </p:cNvPr>
+              <p:cNvSpPr txBox="1"/>
+              <p:nvPr/>
+            </p:nvSpPr>
+            <p:spPr>
+              <a:xfrm>
+                <a:off x="8142118" y="4544440"/>
+                <a:ext cx="667169" cy="369332"/>
+              </a:xfrm>
+              <a:prstGeom prst="rect">
+                <a:avLst/>
+              </a:prstGeom>
+              <a:noFill/>
+            </p:spPr>
+            <p:txBody>
+              <a:bodyPr wrap="none" rtlCol="0">
+                <a:spAutoFit/>
+              </a:bodyPr>
+              <a:lstStyle/>
+              <a:p>
+                <a:pPr/>
+                <a14:m>
+                  <m:oMathPara xmlns:m="http://schemas.openxmlformats.org/officeDocument/2006/math">
+                    <m:oMathParaPr>
+                      <m:jc m:val="centerGroup"/>
+                    </m:oMathParaPr>
+                    <m:oMath xmlns:m="http://schemas.openxmlformats.org/officeDocument/2006/math">
+                      <m:r>
+                        <a:rPr lang="en-US" b="1" i="1" dirty="0" smtClean="0">
+                          <a:solidFill>
+                            <a:srgbClr val="00B050"/>
+                          </a:solidFill>
+                          <a:latin typeface="Cambria Math" panose="02040503050406030204" pitchFamily="18" charset="0"/>
+                          <a:ea typeface="Cambria Math" panose="02040503050406030204" pitchFamily="18" charset="0"/>
+                        </a:rPr>
+                        <m:t>𝝎</m:t>
+                      </m:r>
+                      <m:r>
+                        <a:rPr lang="en-US" b="1" i="1" dirty="0" smtClean="0">
+                          <a:solidFill>
+                            <a:srgbClr val="00B050"/>
+                          </a:solidFill>
+                          <a:latin typeface="Cambria Math" panose="02040503050406030204" pitchFamily="18" charset="0"/>
+                          <a:ea typeface="Cambria Math" panose="02040503050406030204" pitchFamily="18" charset="0"/>
+                        </a:rPr>
+                        <m:t>𝒅𝒕</m:t>
+                      </m:r>
+                    </m:oMath>
+                  </m:oMathPara>
+                </a14:m>
+                <a:endParaRPr lang="id-ID" b="1" dirty="0">
+                  <a:solidFill>
+                    <a:srgbClr val="00B050"/>
+                  </a:solidFill>
+                </a:endParaRPr>
+              </a:p>
+            </p:txBody>
+          </p:sp>
+        </mc:Choice>
+        <mc:Fallback xmlns="">
+          <p:sp>
+            <p:nvSpPr>
+              <p:cNvPr id="169" name="TextBox 168">
+                <a:extLst>
+                  <a:ext uri="{FF2B5EF4-FFF2-40B4-BE49-F238E27FC236}">
+                    <a16:creationId xmlns:a16="http://schemas.microsoft.com/office/drawing/2014/main" id="{C59F99AC-5016-383D-2FD2-84FB14B603CF}"/>
+                  </a:ext>
+                </a:extLst>
+              </p:cNvPr>
+              <p:cNvSpPr txBox="1">
+                <a:spLocks noRot="1" noChangeAspect="1" noMove="1" noResize="1" noEditPoints="1" noAdjustHandles="1" noChangeArrowheads="1" noChangeShapeType="1" noTextEdit="1"/>
+              </p:cNvSpPr>
+              <p:nvPr/>
+            </p:nvSpPr>
+            <p:spPr>
+              <a:xfrm>
+                <a:off x="8142118" y="4544440"/>
+                <a:ext cx="667169" cy="369332"/>
+              </a:xfrm>
+              <a:prstGeom prst="rect">
+                <a:avLst/>
+              </a:prstGeom>
+              <a:blipFill>
+                <a:blip r:embed="rId5"/>
+                <a:stretch>
+                  <a:fillRect/>
+                </a:stretch>
+              </a:blipFill>
+            </p:spPr>
+            <p:txBody>
+              <a:bodyPr/>
+              <a:lstStyle/>
+              <a:p>
+                <a:r>
+                  <a:rPr lang="id-ID">
+                    <a:noFill/>
+                  </a:rPr>
+                  <a:t> </a:t>
+                </a:r>
+              </a:p>
+            </p:txBody>
+          </p:sp>
+        </mc:Fallback>
+      </mc:AlternateContent>
+      <p:cxnSp>
+        <p:nvCxnSpPr>
+          <p:cNvPr id="171" name="Straight Arrow Connector 170">
+            <a:extLst>
+              <a:ext uri="{FF2B5EF4-FFF2-40B4-BE49-F238E27FC236}">
+                <a16:creationId xmlns:a16="http://schemas.microsoft.com/office/drawing/2014/main" id="{1C4D7FEC-7C25-489A-B5B1-52B156DECFC6}"/>
+              </a:ext>
+            </a:extLst>
+          </p:cNvPr>
+          <p:cNvCxnSpPr>
+            <a:cxnSpLocks/>
+          </p:cNvCxnSpPr>
+          <p:nvPr/>
+        </p:nvCxnSpPr>
+        <p:spPr>
+          <a:xfrm flipV="1">
+            <a:off x="8240584" y="5045254"/>
+            <a:ext cx="0" cy="370856"/>
+          </a:xfrm>
+          <a:prstGeom prst="straightConnector1">
+            <a:avLst/>
+          </a:prstGeom>
+          <a:ln w="38100">
+            <a:solidFill>
+              <a:srgbClr val="FFC000"/>
+            </a:solidFill>
+            <a:headEnd type="none" w="med" len="med"/>
+            <a:tailEnd type="none" w="med" len="med"/>
+          </a:ln>
+        </p:spPr>
+        <p:style>
+          <a:lnRef idx="1">
+            <a:schemeClr val="accent1"/>
+          </a:lnRef>
+          <a:fillRef idx="0">
+            <a:schemeClr val="accent1"/>
+          </a:fillRef>
+          <a:effectRef idx="0">
+            <a:schemeClr val="accent1"/>
+          </a:effectRef>
+          <a:fontRef idx="minor">
+            <a:schemeClr val="tx1"/>
+          </a:fontRef>
+        </p:style>
+      </p:cxnSp>
+      <p:pic>
+        <p:nvPicPr>
+          <p:cNvPr id="175" name="Picture 174">
+            <a:extLst>
+              <a:ext uri="{FF2B5EF4-FFF2-40B4-BE49-F238E27FC236}">
+                <a16:creationId xmlns:a16="http://schemas.microsoft.com/office/drawing/2014/main" id="{562A128B-0F5C-CC70-34EC-B2EA23F2D8CA}"/>
+              </a:ext>
+            </a:extLst>
+          </p:cNvPr>
+          <p:cNvPicPr>
+            <a:picLocks noChangeAspect="1"/>
+          </p:cNvPicPr>
+          <p:nvPr/>
+        </p:nvPicPr>
+        <p:blipFill rotWithShape="1">
+          <a:blip r:embed="rId6"/>
+          <a:srcRect l="62159" t="76294" r="-240" b="142"/>
+          <a:stretch/>
+        </p:blipFill>
+        <p:spPr>
+          <a:xfrm>
+            <a:off x="8230508" y="4935193"/>
+            <a:ext cx="852027" cy="574631"/>
+          </a:xfrm>
+          <a:prstGeom prst="rect">
+            <a:avLst/>
+          </a:prstGeom>
+        </p:spPr>
+      </p:pic>
+      <p:cxnSp>
+        <p:nvCxnSpPr>
+          <p:cNvPr id="170" name="Straight Arrow Connector 169">
+            <a:extLst>
+              <a:ext uri="{FF2B5EF4-FFF2-40B4-BE49-F238E27FC236}">
+                <a16:creationId xmlns:a16="http://schemas.microsoft.com/office/drawing/2014/main" id="{49ADB062-9750-185D-69C7-657B9DD5B91C}"/>
+              </a:ext>
+            </a:extLst>
+          </p:cNvPr>
+          <p:cNvCxnSpPr>
+            <a:cxnSpLocks/>
+          </p:cNvCxnSpPr>
+          <p:nvPr/>
+        </p:nvCxnSpPr>
+        <p:spPr>
+          <a:xfrm>
+            <a:off x="8230508" y="5045254"/>
+            <a:ext cx="857471" cy="0"/>
+          </a:xfrm>
+          <a:prstGeom prst="straightConnector1">
+            <a:avLst/>
+          </a:prstGeom>
+          <a:ln w="38100">
+            <a:solidFill>
+              <a:srgbClr val="7030A0"/>
+            </a:solidFill>
+            <a:headEnd type="none" w="med" len="med"/>
+            <a:tailEnd type="none" w="med" len="med"/>
+          </a:ln>
+        </p:spPr>
+        <p:style>
+          <a:lnRef idx="1">
+            <a:schemeClr val="accent1"/>
+          </a:lnRef>
+          <a:fillRef idx="0">
+            <a:schemeClr val="accent1"/>
+          </a:fillRef>
+          <a:effectRef idx="0">
+            <a:schemeClr val="accent1"/>
+          </a:effectRef>
+          <a:fontRef idx="minor">
+            <a:schemeClr val="tx1"/>
+          </a:fontRef>
+        </p:style>
+      </p:cxnSp>
+      <mc:AlternateContent xmlns:mc="http://schemas.openxmlformats.org/markup-compatibility/2006" xmlns:a14="http://schemas.microsoft.com/office/drawing/2010/main">
+        <mc:Choice Requires="a14">
+          <p:sp>
+            <p:nvSpPr>
+              <p:cNvPr id="178" name="TextBox 177">
+                <a:extLst>
+                  <a:ext uri="{FF2B5EF4-FFF2-40B4-BE49-F238E27FC236}">
+                    <a16:creationId xmlns:a16="http://schemas.microsoft.com/office/drawing/2014/main" id="{A7190986-4281-1E8D-11BD-0DE87ABE1CB4}"/>
+                  </a:ext>
+                </a:extLst>
+              </p:cNvPr>
+              <p:cNvSpPr txBox="1"/>
+              <p:nvPr/>
+            </p:nvSpPr>
+            <p:spPr>
+              <a:xfrm>
+                <a:off x="8629829" y="4397955"/>
+                <a:ext cx="360996" cy="369332"/>
+              </a:xfrm>
+              <a:prstGeom prst="rect">
+                <a:avLst/>
+              </a:prstGeom>
+              <a:noFill/>
+            </p:spPr>
+            <p:txBody>
+              <a:bodyPr wrap="none" rtlCol="0">
+                <a:spAutoFit/>
+              </a:bodyPr>
+              <a:lstStyle/>
+              <a:p>
+                <a:pPr/>
+                <a14:m>
+                  <m:oMathPara xmlns:m="http://schemas.openxmlformats.org/officeDocument/2006/math">
+                    <m:oMathParaPr>
+                      <m:jc m:val="centerGroup"/>
+                    </m:oMathParaPr>
+                    <m:oMath xmlns:m="http://schemas.openxmlformats.org/officeDocument/2006/math">
+                      <m:r>
+                        <a:rPr lang="en-US" b="1" i="1" dirty="0" smtClean="0">
+                          <a:solidFill>
+                            <a:schemeClr val="tx1"/>
+                          </a:solidFill>
+                          <a:latin typeface="Cambria Math" panose="02040503050406030204" pitchFamily="18" charset="0"/>
+                        </a:rPr>
+                        <m:t>𝒓</m:t>
+                      </m:r>
+                    </m:oMath>
+                  </m:oMathPara>
+                </a14:m>
+                <a:endParaRPr lang="id-ID" b="1" dirty="0">
+                  <a:solidFill>
+                    <a:srgbClr val="00B050"/>
+                  </a:solidFill>
+                </a:endParaRPr>
+              </a:p>
+            </p:txBody>
+          </p:sp>
+        </mc:Choice>
+        <mc:Fallback xmlns="">
+          <p:sp>
+            <p:nvSpPr>
+              <p:cNvPr id="178" name="TextBox 177">
+                <a:extLst>
+                  <a:ext uri="{FF2B5EF4-FFF2-40B4-BE49-F238E27FC236}">
+                    <a16:creationId xmlns:a16="http://schemas.microsoft.com/office/drawing/2014/main" id="{A7190986-4281-1E8D-11BD-0DE87ABE1CB4}"/>
+                  </a:ext>
+                </a:extLst>
+              </p:cNvPr>
+              <p:cNvSpPr txBox="1">
+                <a:spLocks noRot="1" noChangeAspect="1" noMove="1" noResize="1" noEditPoints="1" noAdjustHandles="1" noChangeArrowheads="1" noChangeShapeType="1" noTextEdit="1"/>
+              </p:cNvSpPr>
+              <p:nvPr/>
+            </p:nvSpPr>
+            <p:spPr>
+              <a:xfrm>
+                <a:off x="8629829" y="4397955"/>
+                <a:ext cx="360996" cy="369332"/>
+              </a:xfrm>
+              <a:prstGeom prst="rect">
+                <a:avLst/>
+              </a:prstGeom>
+              <a:blipFill>
+                <a:blip r:embed="rId7"/>
+                <a:stretch>
+                  <a:fillRect/>
+                </a:stretch>
+              </a:blipFill>
+            </p:spPr>
+            <p:txBody>
+              <a:bodyPr/>
+              <a:lstStyle/>
+              <a:p>
+                <a:r>
+                  <a:rPr lang="id-ID">
+                    <a:noFill/>
+                  </a:rPr>
+                  <a:t> </a:t>
+                </a:r>
+              </a:p>
+            </p:txBody>
+          </p:sp>
+        </mc:Fallback>
+      </mc:AlternateContent>
+      <p:sp>
+        <p:nvSpPr>
+          <p:cNvPr id="182" name="TextBox 181">
+            <a:extLst>
+              <a:ext uri="{FF2B5EF4-FFF2-40B4-BE49-F238E27FC236}">
+                <a16:creationId xmlns:a16="http://schemas.microsoft.com/office/drawing/2014/main" id="{6E5DD566-78EA-2DAF-72FD-0918B93932DC}"/>
+              </a:ext>
+            </a:extLst>
+          </p:cNvPr>
+          <p:cNvSpPr txBox="1"/>
+          <p:nvPr/>
+        </p:nvSpPr>
+        <p:spPr>
+          <a:xfrm>
+            <a:off x="7051957" y="3807113"/>
+            <a:ext cx="1264180" cy="369332"/>
+          </a:xfrm>
+          <a:prstGeom prst="rect">
+            <a:avLst/>
+          </a:prstGeom>
+          <a:noFill/>
+        </p:spPr>
+        <p:txBody>
+          <a:bodyPr wrap="square" rtlCol="0">
+            <a:spAutoFit/>
+          </a:bodyPr>
+          <a:lstStyle/>
+          <a:p>
+            <a:r>
+              <a:rPr lang="en-US" dirty="0"/>
+              <a:t>(ICC</a:t>
+            </a:r>
+            <a:r>
+              <a:rPr lang="en-US" baseline="-25000" dirty="0"/>
+              <a:t>X</a:t>
+            </a:r>
+            <a:r>
+              <a:rPr lang="en-US" dirty="0"/>
+              <a:t>, ICC</a:t>
+            </a:r>
+            <a:r>
+              <a:rPr lang="en-US" baseline="-25000" dirty="0"/>
+              <a:t>Y</a:t>
+            </a:r>
+            <a:r>
+              <a:rPr lang="en-US" dirty="0"/>
+              <a:t>)</a:t>
+            </a:r>
+            <a:endParaRPr lang="id-ID" dirty="0"/>
+          </a:p>
+        </p:txBody>
+      </p:sp>
+      <p:sp>
+        <p:nvSpPr>
+          <p:cNvPr id="183" name="TextBox 182">
+            <a:extLst>
+              <a:ext uri="{FF2B5EF4-FFF2-40B4-BE49-F238E27FC236}">
+                <a16:creationId xmlns:a16="http://schemas.microsoft.com/office/drawing/2014/main" id="{61290637-5842-D669-03B1-F365C6EA3F94}"/>
+              </a:ext>
+            </a:extLst>
+          </p:cNvPr>
+          <p:cNvSpPr txBox="1"/>
+          <p:nvPr/>
+        </p:nvSpPr>
+        <p:spPr>
+          <a:xfrm>
+            <a:off x="7823865" y="5398682"/>
+            <a:ext cx="951850" cy="369332"/>
+          </a:xfrm>
+          <a:prstGeom prst="rect">
+            <a:avLst/>
+          </a:prstGeom>
+          <a:noFill/>
+        </p:spPr>
+        <p:txBody>
+          <a:bodyPr wrap="square" rtlCol="0">
+            <a:spAutoFit/>
+          </a:bodyPr>
+          <a:lstStyle/>
+          <a:p>
+            <a:r>
+              <a:rPr lang="en-US" dirty="0"/>
+              <a:t>(P</a:t>
+            </a:r>
+            <a:r>
+              <a:rPr lang="en-US" baseline="-25000" dirty="0"/>
+              <a:t>X</a:t>
+            </a:r>
+            <a:r>
+              <a:rPr lang="en-US" dirty="0"/>
+              <a:t>, P</a:t>
+            </a:r>
+            <a:r>
+              <a:rPr lang="en-US" baseline="-25000" dirty="0"/>
+              <a:t>Y</a:t>
+            </a:r>
+            <a:r>
+              <a:rPr lang="en-US" dirty="0"/>
+              <a:t>)</a:t>
+            </a:r>
+            <a:endParaRPr lang="id-ID" dirty="0"/>
+          </a:p>
+        </p:txBody>
+      </p:sp>
+      <p:cxnSp>
+        <p:nvCxnSpPr>
+          <p:cNvPr id="185" name="Connector: Curved 184">
+            <a:extLst>
+              <a:ext uri="{FF2B5EF4-FFF2-40B4-BE49-F238E27FC236}">
+                <a16:creationId xmlns:a16="http://schemas.microsoft.com/office/drawing/2014/main" id="{AAD0EE24-F394-5811-4AA1-839CF2B7D693}"/>
+              </a:ext>
+            </a:extLst>
+          </p:cNvPr>
+          <p:cNvCxnSpPr>
+            <a:cxnSpLocks/>
+          </p:cNvCxnSpPr>
+          <p:nvPr/>
+        </p:nvCxnSpPr>
+        <p:spPr>
+          <a:xfrm rot="16200000" flipH="1">
+            <a:off x="8952827" y="4740826"/>
+            <a:ext cx="813547" cy="1461516"/>
+          </a:xfrm>
+          <a:prstGeom prst="curvedConnector4">
+            <a:avLst>
+              <a:gd name="adj1" fmla="val -28099"/>
+              <a:gd name="adj2" fmla="val 64574"/>
+            </a:avLst>
+          </a:prstGeom>
+          <a:ln w="19050">
+            <a:solidFill>
+              <a:schemeClr val="tx1"/>
+            </a:solidFill>
+            <a:prstDash val="dash"/>
+            <a:tailEnd type="triangle"/>
+          </a:ln>
+        </p:spPr>
+        <p:style>
+          <a:lnRef idx="1">
+            <a:schemeClr val="accent1"/>
+          </a:lnRef>
+          <a:fillRef idx="0">
+            <a:schemeClr val="accent1"/>
+          </a:fillRef>
+          <a:effectRef idx="0">
+            <a:schemeClr val="accent1"/>
+          </a:effectRef>
+          <a:fontRef idx="minor">
+            <a:schemeClr val="tx1"/>
+          </a:fontRef>
+        </p:style>
+      </p:cxnSp>
+      <p:cxnSp>
+        <p:nvCxnSpPr>
+          <p:cNvPr id="189" name="Connector: Curved 188">
+            <a:extLst>
+              <a:ext uri="{FF2B5EF4-FFF2-40B4-BE49-F238E27FC236}">
+                <a16:creationId xmlns:a16="http://schemas.microsoft.com/office/drawing/2014/main" id="{13706B54-9C43-B115-DCC5-24BB7FFADDB6}"/>
+              </a:ext>
+            </a:extLst>
+          </p:cNvPr>
+          <p:cNvCxnSpPr>
+            <a:cxnSpLocks/>
+            <a:stCxn id="175" idx="1"/>
+          </p:cNvCxnSpPr>
+          <p:nvPr/>
+        </p:nvCxnSpPr>
+        <p:spPr>
+          <a:xfrm rot="10800000" flipH="1" flipV="1">
+            <a:off x="8230508" y="5222508"/>
+            <a:ext cx="108554" cy="954463"/>
+          </a:xfrm>
+          <a:prstGeom prst="curvedConnector4">
+            <a:avLst>
+              <a:gd name="adj1" fmla="val -604292"/>
+              <a:gd name="adj2" fmla="val 99415"/>
+            </a:avLst>
+          </a:prstGeom>
+          <a:ln w="19050">
+            <a:solidFill>
+              <a:schemeClr val="tx1"/>
+            </a:solidFill>
+            <a:prstDash val="dash"/>
+            <a:tailEnd type="triangle"/>
+          </a:ln>
+        </p:spPr>
+        <p:style>
+          <a:lnRef idx="1">
+            <a:schemeClr val="accent1"/>
+          </a:lnRef>
+          <a:fillRef idx="0">
+            <a:schemeClr val="accent1"/>
+          </a:fillRef>
+          <a:effectRef idx="0">
+            <a:schemeClr val="accent1"/>
+          </a:effectRef>
+          <a:fontRef idx="minor">
+            <a:schemeClr val="tx1"/>
+          </a:fontRef>
+        </p:style>
+      </p:cxnSp>
+      <mc:AlternateContent xmlns:mc="http://schemas.openxmlformats.org/markup-compatibility/2006" xmlns:a14="http://schemas.microsoft.com/office/drawing/2010/main">
+        <mc:Choice Requires="a14">
+          <p:sp>
+            <p:nvSpPr>
+              <p:cNvPr id="201" name="TextBox 200">
+                <a:extLst>
+                  <a:ext uri="{FF2B5EF4-FFF2-40B4-BE49-F238E27FC236}">
+                    <a16:creationId xmlns:a16="http://schemas.microsoft.com/office/drawing/2014/main" id="{AD51FAE5-D9A8-9485-5B70-B797EE6224DB}"/>
+                  </a:ext>
+                </a:extLst>
+              </p:cNvPr>
+              <p:cNvSpPr txBox="1"/>
+              <p:nvPr/>
+            </p:nvSpPr>
+            <p:spPr>
+              <a:xfrm>
+                <a:off x="8291043" y="5983814"/>
+                <a:ext cx="623825" cy="369332"/>
+              </a:xfrm>
+              <a:prstGeom prst="rect">
+                <a:avLst/>
+              </a:prstGeom>
+              <a:noFill/>
+            </p:spPr>
+            <p:txBody>
+              <a:bodyPr wrap="none" rtlCol="0">
+                <a:spAutoFit/>
+              </a:bodyPr>
+              <a:lstStyle/>
+              <a:p>
+                <a:pPr/>
+                <a14:m>
+                  <m:oMathPara xmlns:m="http://schemas.openxmlformats.org/officeDocument/2006/math">
+                    <m:oMathParaPr>
+                      <m:jc m:val="centerGroup"/>
+                    </m:oMathParaPr>
+                    <m:oMath xmlns:m="http://schemas.openxmlformats.org/officeDocument/2006/math">
+                      <m:sSub>
+                        <m:sSubPr>
+                          <m:ctrlPr>
+                            <a:rPr lang="en-US" b="1" i="1" dirty="0" smtClean="0">
+                              <a:solidFill>
+                                <a:schemeClr val="accent2">
+                                  <a:lumMod val="75000"/>
+                                </a:schemeClr>
+                              </a:solidFill>
+                              <a:latin typeface="Cambria Math" panose="02040503050406030204" pitchFamily="18" charset="0"/>
+                            </a:rPr>
+                          </m:ctrlPr>
+                        </m:sSubPr>
+                        <m:e>
+                          <m:r>
+                            <a:rPr lang="en-US" b="1" i="1" dirty="0" smtClean="0">
+                              <a:solidFill>
+                                <a:schemeClr val="accent2">
+                                  <a:lumMod val="75000"/>
+                                </a:schemeClr>
+                              </a:solidFill>
+                              <a:latin typeface="Cambria Math" panose="02040503050406030204" pitchFamily="18" charset="0"/>
+                            </a:rPr>
+                            <m:t>𝑺</m:t>
+                          </m:r>
+                        </m:e>
+                        <m:sub>
+                          <m:r>
+                            <a:rPr lang="en-US" b="1" i="1" dirty="0" smtClean="0">
+                              <a:solidFill>
+                                <a:schemeClr val="accent2">
+                                  <a:lumMod val="75000"/>
+                                </a:schemeClr>
+                              </a:solidFill>
+                              <a:latin typeface="Cambria Math" panose="02040503050406030204" pitchFamily="18" charset="0"/>
+                            </a:rPr>
+                            <m:t>𝒔𝒕𝒓</m:t>
+                          </m:r>
+                        </m:sub>
+                      </m:sSub>
+                    </m:oMath>
+                  </m:oMathPara>
+                </a14:m>
+                <a:endParaRPr lang="id-ID" b="1" dirty="0">
+                  <a:solidFill>
+                    <a:srgbClr val="00B050"/>
+                  </a:solidFill>
+                </a:endParaRPr>
+              </a:p>
+            </p:txBody>
+          </p:sp>
+        </mc:Choice>
+        <mc:Fallback xmlns="">
+          <p:sp>
+            <p:nvSpPr>
+              <p:cNvPr id="201" name="TextBox 200">
+                <a:extLst>
+                  <a:ext uri="{FF2B5EF4-FFF2-40B4-BE49-F238E27FC236}">
+                    <a16:creationId xmlns:a16="http://schemas.microsoft.com/office/drawing/2014/main" id="{AD51FAE5-D9A8-9485-5B70-B797EE6224DB}"/>
+                  </a:ext>
+                </a:extLst>
+              </p:cNvPr>
+              <p:cNvSpPr txBox="1">
+                <a:spLocks noRot="1" noChangeAspect="1" noMove="1" noResize="1" noEditPoints="1" noAdjustHandles="1" noChangeArrowheads="1" noChangeShapeType="1" noTextEdit="1"/>
+              </p:cNvSpPr>
+              <p:nvPr/>
+            </p:nvSpPr>
+            <p:spPr>
+              <a:xfrm>
+                <a:off x="8291043" y="5983814"/>
+                <a:ext cx="623825" cy="369332"/>
+              </a:xfrm>
+              <a:prstGeom prst="rect">
+                <a:avLst/>
+              </a:prstGeom>
+              <a:blipFill>
+                <a:blip r:embed="rId8"/>
+                <a:stretch>
+                  <a:fillRect/>
+                </a:stretch>
+              </a:blipFill>
+            </p:spPr>
+            <p:txBody>
+              <a:bodyPr/>
+              <a:lstStyle/>
+              <a:p>
+                <a:r>
+                  <a:rPr lang="id-ID">
+                    <a:noFill/>
+                  </a:rPr>
+                  <a:t> </a:t>
+                </a:r>
+              </a:p>
+            </p:txBody>
+          </p:sp>
+        </mc:Fallback>
+      </mc:AlternateContent>
+      <mc:AlternateContent xmlns:mc="http://schemas.openxmlformats.org/markup-compatibility/2006" xmlns:a14="http://schemas.microsoft.com/office/drawing/2010/main">
+        <mc:Choice Requires="a14">
+          <p:sp>
+            <p:nvSpPr>
+              <p:cNvPr id="202" name="TextBox 201">
+                <a:extLst>
+                  <a:ext uri="{FF2B5EF4-FFF2-40B4-BE49-F238E27FC236}">
+                    <a16:creationId xmlns:a16="http://schemas.microsoft.com/office/drawing/2014/main" id="{CAE13E45-1F8C-E7B1-BAFD-1B39988EDB6F}"/>
+                  </a:ext>
+                </a:extLst>
+              </p:cNvPr>
+              <p:cNvSpPr txBox="1"/>
+              <p:nvPr/>
+            </p:nvSpPr>
+            <p:spPr>
+              <a:xfrm>
+                <a:off x="10017185" y="5701105"/>
+                <a:ext cx="715196" cy="395558"/>
+              </a:xfrm>
+              <a:prstGeom prst="rect">
+                <a:avLst/>
+              </a:prstGeom>
+              <a:noFill/>
+            </p:spPr>
+            <p:txBody>
+              <a:bodyPr wrap="none" rtlCol="0">
+                <a:spAutoFit/>
+              </a:bodyPr>
+              <a:lstStyle/>
+              <a:p>
+                <a:pPr/>
+                <a14:m>
+                  <m:oMathPara xmlns:m="http://schemas.openxmlformats.org/officeDocument/2006/math">
+                    <m:oMathParaPr>
+                      <m:jc m:val="centerGroup"/>
+                    </m:oMathParaPr>
+                    <m:oMath xmlns:m="http://schemas.openxmlformats.org/officeDocument/2006/math">
+                      <m:sSub>
+                        <m:sSubPr>
+                          <m:ctrlPr>
+                            <a:rPr lang="en-US" b="1" i="1" dirty="0" smtClean="0">
+                              <a:solidFill>
+                                <a:srgbClr val="7030A0"/>
+                              </a:solidFill>
+                              <a:latin typeface="Cambria Math" panose="02040503050406030204" pitchFamily="18" charset="0"/>
+                            </a:rPr>
+                          </m:ctrlPr>
+                        </m:sSubPr>
+                        <m:e>
+                          <m:r>
+                            <a:rPr lang="en-US" b="1" i="1" dirty="0" smtClean="0">
+                              <a:solidFill>
+                                <a:srgbClr val="7030A0"/>
+                              </a:solidFill>
+                              <a:latin typeface="Cambria Math" panose="02040503050406030204" pitchFamily="18" charset="0"/>
+                            </a:rPr>
+                            <m:t>𝑺</m:t>
+                          </m:r>
+                        </m:e>
+                        <m:sub>
+                          <m:r>
+                            <a:rPr lang="en-US" b="1" i="1" dirty="0" smtClean="0">
+                              <a:solidFill>
+                                <a:srgbClr val="7030A0"/>
+                              </a:solidFill>
+                              <a:latin typeface="Cambria Math" panose="02040503050406030204" pitchFamily="18" charset="0"/>
+                            </a:rPr>
+                            <m:t>𝒇𝒘𝒅</m:t>
+                          </m:r>
+                        </m:sub>
+                      </m:sSub>
+                    </m:oMath>
+                  </m:oMathPara>
+                </a14:m>
+                <a:endParaRPr lang="id-ID" b="1" dirty="0">
+                  <a:solidFill>
+                    <a:srgbClr val="00B050"/>
+                  </a:solidFill>
+                </a:endParaRPr>
+              </a:p>
+            </p:txBody>
+          </p:sp>
+        </mc:Choice>
+        <mc:Fallback xmlns="">
+          <p:sp>
+            <p:nvSpPr>
+              <p:cNvPr id="202" name="TextBox 201">
+                <a:extLst>
+                  <a:ext uri="{FF2B5EF4-FFF2-40B4-BE49-F238E27FC236}">
+                    <a16:creationId xmlns:a16="http://schemas.microsoft.com/office/drawing/2014/main" id="{CAE13E45-1F8C-E7B1-BAFD-1B39988EDB6F}"/>
+                  </a:ext>
+                </a:extLst>
+              </p:cNvPr>
+              <p:cNvSpPr txBox="1">
+                <a:spLocks noRot="1" noChangeAspect="1" noMove="1" noResize="1" noEditPoints="1" noAdjustHandles="1" noChangeArrowheads="1" noChangeShapeType="1" noTextEdit="1"/>
+              </p:cNvSpPr>
+              <p:nvPr/>
+            </p:nvSpPr>
+            <p:spPr>
+              <a:xfrm>
+                <a:off x="10017185" y="5701105"/>
+                <a:ext cx="715196" cy="395558"/>
+              </a:xfrm>
+              <a:prstGeom prst="rect">
+                <a:avLst/>
+              </a:prstGeom>
+              <a:blipFill>
+                <a:blip r:embed="rId9"/>
+                <a:stretch>
+                  <a:fillRect b="-10769"/>
+                </a:stretch>
+              </a:blipFill>
+            </p:spPr>
+            <p:txBody>
+              <a:bodyPr/>
+              <a:lstStyle/>
+              <a:p>
+                <a:r>
+                  <a:rPr lang="id-ID">
+                    <a:noFill/>
+                  </a:rPr>
+                  <a:t> </a:t>
+                </a:r>
+              </a:p>
+            </p:txBody>
+          </p:sp>
+        </mc:Fallback>
+      </mc:AlternateContent>
+      <p:sp>
+        <p:nvSpPr>
+          <p:cNvPr id="205" name="TextBox 204">
+            <a:extLst>
+              <a:ext uri="{FF2B5EF4-FFF2-40B4-BE49-F238E27FC236}">
+                <a16:creationId xmlns:a16="http://schemas.microsoft.com/office/drawing/2014/main" id="{FA72BF8A-9486-607A-A13C-ED2096C9B8D7}"/>
+              </a:ext>
+            </a:extLst>
+          </p:cNvPr>
+          <p:cNvSpPr txBox="1"/>
+          <p:nvPr/>
+        </p:nvSpPr>
+        <p:spPr>
+          <a:xfrm>
+            <a:off x="3527050" y="626243"/>
+            <a:ext cx="3501023" cy="646331"/>
+          </a:xfrm>
+          <a:prstGeom prst="rect">
+            <a:avLst/>
+          </a:prstGeom>
+          <a:noFill/>
+        </p:spPr>
+        <p:txBody>
+          <a:bodyPr wrap="none" rtlCol="0">
+            <a:spAutoFit/>
+          </a:bodyPr>
+          <a:lstStyle/>
+          <a:p>
+            <a:pPr algn="ctr"/>
+            <a:r>
+              <a:rPr lang="en-US" dirty="0"/>
+              <a:t>GLOBAL COORDINATE</a:t>
+            </a:r>
+            <a:br>
+              <a:rPr lang="en-US" dirty="0"/>
+            </a:br>
+            <a:r>
+              <a:rPr lang="en-US" dirty="0"/>
+              <a:t>(equivalent to latitude &amp; longitude)</a:t>
+            </a:r>
+            <a:endParaRPr lang="id-ID" dirty="0"/>
+          </a:p>
+        </p:txBody>
+      </p:sp>
+      <p:sp>
+        <p:nvSpPr>
+          <p:cNvPr id="151" name="Oval 150">
+            <a:extLst>
+              <a:ext uri="{FF2B5EF4-FFF2-40B4-BE49-F238E27FC236}">
+                <a16:creationId xmlns:a16="http://schemas.microsoft.com/office/drawing/2014/main" id="{8EC2DE3D-9D88-910D-C272-4A708180F454}"/>
+              </a:ext>
+            </a:extLst>
+          </p:cNvPr>
+          <p:cNvSpPr/>
+          <p:nvPr/>
+        </p:nvSpPr>
+        <p:spPr>
+          <a:xfrm rot="8336998">
+            <a:off x="8166354" y="5356043"/>
+            <a:ext cx="100958" cy="100958"/>
+          </a:xfrm>
+          <a:prstGeom prst="ellipse">
+            <a:avLst/>
+          </a:prstGeom>
+        </p:spPr>
+        <p:style>
+          <a:lnRef idx="2">
+            <a:schemeClr val="dk1">
+              <a:shade val="50000"/>
+            </a:schemeClr>
+          </a:lnRef>
+          <a:fillRef idx="1">
+            <a:schemeClr val="dk1"/>
+          </a:fillRef>
+          <a:effectRef idx="0">
+            <a:schemeClr val="dk1"/>
+          </a:effectRef>
+          <a:fontRef idx="minor">
+            <a:schemeClr val="lt1"/>
+          </a:fontRef>
+        </p:style>
+        <p:txBody>
+          <a:bodyPr rtlCol="0" anchor="ctr"/>
+          <a:lstStyle/>
+          <a:p>
+            <a:pPr algn="ctr"/>
+            <a:endParaRPr lang="id-ID"/>
+          </a:p>
+        </p:txBody>
+      </p:sp>
+      <p:sp>
+        <p:nvSpPr>
+          <p:cNvPr id="209" name="TextBox 208">
+            <a:extLst>
+              <a:ext uri="{FF2B5EF4-FFF2-40B4-BE49-F238E27FC236}">
+                <a16:creationId xmlns:a16="http://schemas.microsoft.com/office/drawing/2014/main" id="{4C624537-EE97-503C-849B-DEB6319BB17B}"/>
+              </a:ext>
+            </a:extLst>
+          </p:cNvPr>
+          <p:cNvSpPr txBox="1"/>
+          <p:nvPr/>
+        </p:nvSpPr>
+        <p:spPr>
+          <a:xfrm>
+            <a:off x="8870508" y="2269285"/>
+            <a:ext cx="2279085" cy="646331"/>
+          </a:xfrm>
+          <a:prstGeom prst="rect">
+            <a:avLst/>
+          </a:prstGeom>
+          <a:noFill/>
+        </p:spPr>
+        <p:txBody>
+          <a:bodyPr wrap="none" rtlCol="0">
+            <a:spAutoFit/>
+          </a:bodyPr>
+          <a:lstStyle/>
+          <a:p>
+            <a:pPr algn="ctr"/>
+            <a:r>
+              <a:rPr lang="en-US" dirty="0">
+                <a:solidFill>
+                  <a:srgbClr val="FF0000"/>
+                </a:solidFill>
+              </a:rPr>
+              <a:t>LOCAL COORDINATE</a:t>
+            </a:r>
+            <a:br>
+              <a:rPr lang="en-US" dirty="0">
+                <a:solidFill>
+                  <a:srgbClr val="FF0000"/>
+                </a:solidFill>
+              </a:rPr>
+            </a:br>
+            <a:r>
+              <a:rPr lang="en-US" dirty="0">
+                <a:solidFill>
+                  <a:srgbClr val="FF0000"/>
+                </a:solidFill>
+              </a:rPr>
+              <a:t>(arc motion approach)</a:t>
+            </a:r>
+            <a:endParaRPr lang="id-ID" dirty="0">
+              <a:solidFill>
+                <a:srgbClr val="FF0000"/>
+              </a:solidFill>
+            </a:endParaRPr>
+          </a:p>
+        </p:txBody>
+      </p:sp>
+      <p:grpSp>
+        <p:nvGrpSpPr>
+          <p:cNvPr id="214" name="Group 213">
+            <a:extLst>
+              <a:ext uri="{FF2B5EF4-FFF2-40B4-BE49-F238E27FC236}">
+                <a16:creationId xmlns:a16="http://schemas.microsoft.com/office/drawing/2014/main" id="{8E7A15B8-5245-2C34-6251-6C3F22C59A3C}"/>
+              </a:ext>
+            </a:extLst>
+          </p:cNvPr>
+          <p:cNvGrpSpPr/>
+          <p:nvPr/>
+        </p:nvGrpSpPr>
+        <p:grpSpPr>
+          <a:xfrm>
+            <a:off x="681071" y="336339"/>
+            <a:ext cx="5532663" cy="5855788"/>
+            <a:chOff x="681071" y="336339"/>
+            <a:chExt cx="5532663" cy="5855788"/>
+          </a:xfrm>
+        </p:grpSpPr>
+        <p:grpSp>
+          <p:nvGrpSpPr>
+            <p:cNvPr id="208" name="Group 207">
+              <a:extLst>
+                <a:ext uri="{FF2B5EF4-FFF2-40B4-BE49-F238E27FC236}">
+                  <a16:creationId xmlns:a16="http://schemas.microsoft.com/office/drawing/2014/main" id="{A5E10753-F9F6-9EA6-B240-40C780EE15E3}"/>
+                </a:ext>
+              </a:extLst>
+            </p:cNvPr>
+            <p:cNvGrpSpPr/>
+            <p:nvPr/>
+          </p:nvGrpSpPr>
+          <p:grpSpPr>
+            <a:xfrm>
+              <a:off x="681071" y="336339"/>
+              <a:ext cx="5532663" cy="5855788"/>
+              <a:chOff x="994594" y="350792"/>
+              <a:chExt cx="5532663" cy="5855788"/>
+            </a:xfrm>
+          </p:grpSpPr>
+          <p:grpSp>
+            <p:nvGrpSpPr>
+              <p:cNvPr id="142" name="Group 141">
+                <a:extLst>
+                  <a:ext uri="{FF2B5EF4-FFF2-40B4-BE49-F238E27FC236}">
+                    <a16:creationId xmlns:a16="http://schemas.microsoft.com/office/drawing/2014/main" id="{C4578D73-A6D7-0E3F-BF8F-6DA8284F026B}"/>
+                  </a:ext>
+                </a:extLst>
+              </p:cNvPr>
+              <p:cNvGrpSpPr/>
+              <p:nvPr/>
+            </p:nvGrpSpPr>
+            <p:grpSpPr>
+              <a:xfrm>
+                <a:off x="994594" y="350792"/>
+                <a:ext cx="5532663" cy="5855788"/>
+                <a:chOff x="2958707" y="-33844"/>
+                <a:chExt cx="5532663" cy="5855788"/>
+              </a:xfrm>
+            </p:grpSpPr>
+            <p:sp>
+              <p:nvSpPr>
+                <p:cNvPr id="96" name="TextBox 95">
+                  <a:extLst>
+                    <a:ext uri="{FF2B5EF4-FFF2-40B4-BE49-F238E27FC236}">
+                      <a16:creationId xmlns:a16="http://schemas.microsoft.com/office/drawing/2014/main" id="{090A035E-40B3-9A57-BD4C-9BB691566B91}"/>
+                    </a:ext>
+                  </a:extLst>
+                </p:cNvPr>
+                <p:cNvSpPr txBox="1"/>
+                <p:nvPr/>
+              </p:nvSpPr>
+              <p:spPr>
+                <a:xfrm>
+                  <a:off x="3720802" y="452074"/>
+                  <a:ext cx="1167884" cy="369332"/>
+                </a:xfrm>
+                <a:prstGeom prst="rect">
+                  <a:avLst/>
+                </a:prstGeom>
+                <a:noFill/>
+              </p:spPr>
+              <p:txBody>
+                <a:bodyPr wrap="none" rtlCol="0">
+                  <a:spAutoFit/>
+                </a:bodyPr>
+                <a:lstStyle/>
+                <a:p>
+                  <a:r>
+                    <a:rPr lang="en-US" b="1" dirty="0">
+                      <a:solidFill>
+                        <a:srgbClr val="FF0000"/>
+                      </a:solidFill>
+                    </a:rPr>
+                    <a:t>x_forward</a:t>
+                  </a:r>
+                  <a:endParaRPr lang="id-ID" b="1" dirty="0">
+                    <a:solidFill>
+                      <a:srgbClr val="FF0000"/>
+                    </a:solidFill>
+                  </a:endParaRPr>
+                </a:p>
+              </p:txBody>
+            </p:sp>
+            <p:sp>
+              <p:nvSpPr>
+                <p:cNvPr id="97" name="TextBox 96">
+                  <a:extLst>
+                    <a:ext uri="{FF2B5EF4-FFF2-40B4-BE49-F238E27FC236}">
+                      <a16:creationId xmlns:a16="http://schemas.microsoft.com/office/drawing/2014/main" id="{340F8C45-13E7-0584-01BA-EEA1CABD112C}"/>
+                    </a:ext>
+                  </a:extLst>
+                </p:cNvPr>
+                <p:cNvSpPr txBox="1"/>
+                <p:nvPr/>
+              </p:nvSpPr>
+              <p:spPr>
+                <a:xfrm>
+                  <a:off x="3312492" y="2440118"/>
+                  <a:ext cx="1129605" cy="369332"/>
+                </a:xfrm>
+                <a:prstGeom prst="rect">
+                  <a:avLst/>
+                </a:prstGeom>
+                <a:noFill/>
+              </p:spPr>
+              <p:txBody>
+                <a:bodyPr wrap="none" rtlCol="0">
+                  <a:spAutoFit/>
+                </a:bodyPr>
+                <a:lstStyle/>
+                <a:p>
+                  <a:r>
+                    <a:rPr lang="en-US" b="1" dirty="0">
+                      <a:solidFill>
+                        <a:srgbClr val="FF0000"/>
+                      </a:solidFill>
+                    </a:rPr>
+                    <a:t>y_strafing</a:t>
+                  </a:r>
+                  <a:endParaRPr lang="id-ID" b="1" dirty="0">
+                    <a:solidFill>
+                      <a:srgbClr val="FF0000"/>
+                    </a:solidFill>
+                  </a:endParaRPr>
+                </a:p>
+              </p:txBody>
+            </p:sp>
+            <mc:AlternateContent xmlns:mc="http://schemas.openxmlformats.org/markup-compatibility/2006" xmlns:a14="http://schemas.microsoft.com/office/drawing/2010/main">
+              <mc:Choice Requires="a14">
+                <p:sp>
+                  <p:nvSpPr>
+                    <p:cNvPr id="121" name="TextBox 120">
+                      <a:extLst>
+                        <a:ext uri="{FF2B5EF4-FFF2-40B4-BE49-F238E27FC236}">
+                          <a16:creationId xmlns:a16="http://schemas.microsoft.com/office/drawing/2014/main" id="{0D3934A2-73F0-38C3-5220-0292853D4F7D}"/>
+                        </a:ext>
+                      </a:extLst>
+                    </p:cNvPr>
+                    <p:cNvSpPr txBox="1"/>
+                    <p:nvPr/>
+                  </p:nvSpPr>
+                  <p:spPr>
+                    <a:xfrm>
+                      <a:off x="4827326" y="1416352"/>
+                      <a:ext cx="386644" cy="369332"/>
+                    </a:xfrm>
+                    <a:prstGeom prst="rect">
+                      <a:avLst/>
+                    </a:prstGeom>
+                    <a:noFill/>
+                  </p:spPr>
+                  <p:txBody>
+                    <a:bodyPr wrap="none" rtlCol="0">
+                      <a:spAutoFit/>
+                    </a:bodyPr>
+                    <a:lstStyle/>
+                    <a:p>
+                      <a:pPr/>
+                      <a14:m>
+                        <m:oMathPara xmlns:m="http://schemas.openxmlformats.org/officeDocument/2006/math">
+                          <m:oMathParaPr>
+                            <m:jc m:val="centerGroup"/>
+                          </m:oMathParaPr>
+                          <m:oMath xmlns:m="http://schemas.openxmlformats.org/officeDocument/2006/math">
+                            <m:r>
+                              <a:rPr lang="en-US" b="1" i="1" dirty="0" smtClean="0">
+                                <a:solidFill>
+                                  <a:srgbClr val="00B050"/>
+                                </a:solidFill>
+                                <a:latin typeface="Cambria Math" panose="02040503050406030204" pitchFamily="18" charset="0"/>
+                              </a:rPr>
+                              <m:t>𝑽</m:t>
+                            </m:r>
+                          </m:oMath>
+                        </m:oMathPara>
+                      </a14:m>
+                      <a:endParaRPr lang="id-ID" b="1" dirty="0">
+                        <a:solidFill>
+                          <a:srgbClr val="FF0000"/>
+                        </a:solidFill>
+                      </a:endParaRPr>
+                    </a:p>
+                  </p:txBody>
+                </p:sp>
+              </mc:Choice>
+              <mc:Fallback xmlns="">
+                <p:sp>
+                  <p:nvSpPr>
+                    <p:cNvPr id="121" name="TextBox 120">
+                      <a:extLst>
+                        <a:ext uri="{FF2B5EF4-FFF2-40B4-BE49-F238E27FC236}">
+                          <a16:creationId xmlns:a16="http://schemas.microsoft.com/office/drawing/2014/main" id="{0D3934A2-73F0-38C3-5220-0292853D4F7D}"/>
+                        </a:ext>
+                      </a:extLst>
+                    </p:cNvPr>
+                    <p:cNvSpPr txBox="1">
+                      <a:spLocks noRot="1" noChangeAspect="1" noMove="1" noResize="1" noEditPoints="1" noAdjustHandles="1" noChangeArrowheads="1" noChangeShapeType="1" noTextEdit="1"/>
+                    </p:cNvSpPr>
+                    <p:nvPr/>
+                  </p:nvSpPr>
+                  <p:spPr>
+                    <a:xfrm>
+                      <a:off x="4827326" y="1416352"/>
+                      <a:ext cx="386644" cy="369332"/>
+                    </a:xfrm>
+                    <a:prstGeom prst="rect">
+                      <a:avLst/>
+                    </a:prstGeom>
+                    <a:blipFill>
+                      <a:blip r:embed="rId10"/>
+                      <a:stretch>
+                        <a:fillRect/>
+                      </a:stretch>
+                    </a:blipFill>
+                  </p:spPr>
+                  <p:txBody>
+                    <a:bodyPr/>
+                    <a:lstStyle/>
+                    <a:p>
+                      <a:r>
+                        <a:rPr lang="id-ID">
+                          <a:noFill/>
+                        </a:rPr>
+                        <a:t> </a:t>
+                      </a:r>
+                    </a:p>
+                  </p:txBody>
+                </p:sp>
+              </mc:Fallback>
+            </mc:AlternateContent>
+            <mc:AlternateContent xmlns:mc="http://schemas.openxmlformats.org/markup-compatibility/2006" xmlns:a14="http://schemas.microsoft.com/office/drawing/2010/main">
+              <mc:Choice Requires="a14">
+                <p:sp>
+                  <p:nvSpPr>
+                    <p:cNvPr id="122" name="TextBox 121">
+                      <a:extLst>
+                        <a:ext uri="{FF2B5EF4-FFF2-40B4-BE49-F238E27FC236}">
+                          <a16:creationId xmlns:a16="http://schemas.microsoft.com/office/drawing/2014/main" id="{32C0DAD6-62CC-8116-9208-6C40FA608FFA}"/>
+                        </a:ext>
+                      </a:extLst>
+                    </p:cNvPr>
+                    <p:cNvSpPr txBox="1"/>
+                    <p:nvPr/>
+                  </p:nvSpPr>
+                  <p:spPr>
+                    <a:xfrm>
+                      <a:off x="6459652" y="971585"/>
+                      <a:ext cx="513217" cy="369332"/>
+                    </a:xfrm>
+                    <a:prstGeom prst="rect">
+                      <a:avLst/>
+                    </a:prstGeom>
+                    <a:noFill/>
+                  </p:spPr>
+                  <p:txBody>
+                    <a:bodyPr wrap="none" rtlCol="0">
+                      <a:spAutoFit/>
+                    </a:bodyPr>
+                    <a:lstStyle/>
+                    <a:p>
+                      <a:pPr/>
+                      <a14:m>
+                        <m:oMathPara xmlns:m="http://schemas.openxmlformats.org/officeDocument/2006/math">
+                          <m:oMathParaPr>
+                            <m:jc m:val="centerGroup"/>
+                          </m:oMathParaPr>
+                          <m:oMath xmlns:m="http://schemas.openxmlformats.org/officeDocument/2006/math">
+                            <m:sSub>
+                              <m:sSubPr>
+                                <m:ctrlPr>
+                                  <a:rPr lang="en-US" b="1" i="1" dirty="0" smtClean="0">
+                                    <a:solidFill>
+                                      <a:srgbClr val="00B050"/>
+                                    </a:solidFill>
+                                    <a:latin typeface="Cambria Math" panose="02040503050406030204" pitchFamily="18" charset="0"/>
+                                  </a:rPr>
+                                </m:ctrlPr>
+                              </m:sSubPr>
+                              <m:e>
+                                <m:r>
+                                  <a:rPr lang="en-US" b="1" i="1" dirty="0" smtClean="0">
+                                    <a:solidFill>
+                                      <a:srgbClr val="00B050"/>
+                                    </a:solidFill>
+                                    <a:latin typeface="Cambria Math" panose="02040503050406030204" pitchFamily="18" charset="0"/>
+                                  </a:rPr>
+                                  <m:t>𝑽</m:t>
+                                </m:r>
+                              </m:e>
+                              <m:sub>
+                                <m:r>
+                                  <a:rPr lang="en-US" b="1" i="1" dirty="0" smtClean="0">
+                                    <a:solidFill>
+                                      <a:srgbClr val="00B050"/>
+                                    </a:solidFill>
+                                    <a:latin typeface="Cambria Math" panose="02040503050406030204" pitchFamily="18" charset="0"/>
+                                  </a:rPr>
+                                  <m:t>𝑹</m:t>
+                                </m:r>
+                              </m:sub>
+                            </m:sSub>
+                          </m:oMath>
+                        </m:oMathPara>
+                      </a14:m>
+                      <a:endParaRPr lang="id-ID" b="1" dirty="0">
+                        <a:solidFill>
+                          <a:srgbClr val="FF0000"/>
+                        </a:solidFill>
+                      </a:endParaRPr>
+                    </a:p>
+                  </p:txBody>
+                </p:sp>
+              </mc:Choice>
+              <mc:Fallback xmlns="">
+                <p:sp>
+                  <p:nvSpPr>
+                    <p:cNvPr id="122" name="TextBox 121">
+                      <a:extLst>
+                        <a:ext uri="{FF2B5EF4-FFF2-40B4-BE49-F238E27FC236}">
+                          <a16:creationId xmlns:a16="http://schemas.microsoft.com/office/drawing/2014/main" id="{32C0DAD6-62CC-8116-9208-6C40FA608FFA}"/>
+                        </a:ext>
+                      </a:extLst>
+                    </p:cNvPr>
+                    <p:cNvSpPr txBox="1">
+                      <a:spLocks noRot="1" noChangeAspect="1" noMove="1" noResize="1" noEditPoints="1" noAdjustHandles="1" noChangeArrowheads="1" noChangeShapeType="1" noTextEdit="1"/>
+                    </p:cNvSpPr>
+                    <p:nvPr/>
+                  </p:nvSpPr>
+                  <p:spPr>
+                    <a:xfrm>
+                      <a:off x="6459652" y="971585"/>
+                      <a:ext cx="513217" cy="369332"/>
+                    </a:xfrm>
+                    <a:prstGeom prst="rect">
+                      <a:avLst/>
+                    </a:prstGeom>
+                    <a:blipFill>
+                      <a:blip r:embed="rId11"/>
+                      <a:stretch>
+                        <a:fillRect/>
+                      </a:stretch>
+                    </a:blipFill>
+                  </p:spPr>
+                  <p:txBody>
+                    <a:bodyPr/>
+                    <a:lstStyle/>
+                    <a:p>
+                      <a:r>
+                        <a:rPr lang="id-ID">
+                          <a:noFill/>
+                        </a:rPr>
+                        <a:t> </a:t>
+                      </a:r>
+                    </a:p>
+                  </p:txBody>
+                </p:sp>
+              </mc:Fallback>
+            </mc:AlternateContent>
+            <mc:AlternateContent xmlns:mc="http://schemas.openxmlformats.org/markup-compatibility/2006" xmlns:a14="http://schemas.microsoft.com/office/drawing/2010/main">
+              <mc:Choice Requires="a14">
+                <p:sp>
+                  <p:nvSpPr>
+                    <p:cNvPr id="123" name="TextBox 122">
+                      <a:extLst>
+                        <a:ext uri="{FF2B5EF4-FFF2-40B4-BE49-F238E27FC236}">
+                          <a16:creationId xmlns:a16="http://schemas.microsoft.com/office/drawing/2014/main" id="{3A2564AB-6422-D29B-A0EC-7A9BB8CD9E67}"/>
+                        </a:ext>
+                      </a:extLst>
+                    </p:cNvPr>
+                    <p:cNvSpPr txBox="1"/>
+                    <p:nvPr/>
+                  </p:nvSpPr>
+                  <p:spPr>
+                    <a:xfrm>
+                      <a:off x="4499221" y="2734203"/>
+                      <a:ext cx="490775" cy="369332"/>
+                    </a:xfrm>
+                    <a:prstGeom prst="rect">
+                      <a:avLst/>
+                    </a:prstGeom>
+                    <a:noFill/>
+                  </p:spPr>
+                  <p:txBody>
+                    <a:bodyPr wrap="none" rtlCol="0">
+                      <a:spAutoFit/>
+                    </a:bodyPr>
+                    <a:lstStyle/>
+                    <a:p>
+                      <a:pPr/>
+                      <a14:m>
+                        <m:oMathPara xmlns:m="http://schemas.openxmlformats.org/officeDocument/2006/math">
+                          <m:oMathParaPr>
+                            <m:jc m:val="centerGroup"/>
+                          </m:oMathParaPr>
+                          <m:oMath xmlns:m="http://schemas.openxmlformats.org/officeDocument/2006/math">
+                            <m:sSub>
+                              <m:sSubPr>
+                                <m:ctrlPr>
+                                  <a:rPr lang="en-US" b="1" i="1" dirty="0" smtClean="0">
+                                    <a:solidFill>
+                                      <a:srgbClr val="00B050"/>
+                                    </a:solidFill>
+                                    <a:latin typeface="Cambria Math" panose="02040503050406030204" pitchFamily="18" charset="0"/>
+                                  </a:rPr>
+                                </m:ctrlPr>
+                              </m:sSubPr>
+                              <m:e>
+                                <m:r>
+                                  <a:rPr lang="en-US" b="1" i="1" dirty="0" smtClean="0">
+                                    <a:solidFill>
+                                      <a:srgbClr val="00B050"/>
+                                    </a:solidFill>
+                                    <a:latin typeface="Cambria Math" panose="02040503050406030204" pitchFamily="18" charset="0"/>
+                                  </a:rPr>
+                                  <m:t>𝑽</m:t>
+                                </m:r>
+                              </m:e>
+                              <m:sub>
+                                <m:r>
+                                  <a:rPr lang="en-US" b="1" i="1" dirty="0" smtClean="0">
+                                    <a:solidFill>
+                                      <a:srgbClr val="00B050"/>
+                                    </a:solidFill>
+                                    <a:latin typeface="Cambria Math" panose="02040503050406030204" pitchFamily="18" charset="0"/>
+                                  </a:rPr>
+                                  <m:t>𝑳</m:t>
+                                </m:r>
+                              </m:sub>
+                            </m:sSub>
+                          </m:oMath>
+                        </m:oMathPara>
+                      </a14:m>
+                      <a:endParaRPr lang="id-ID" b="1" dirty="0">
+                        <a:solidFill>
+                          <a:srgbClr val="FF0000"/>
+                        </a:solidFill>
+                      </a:endParaRPr>
+                    </a:p>
+                  </p:txBody>
+                </p:sp>
+              </mc:Choice>
+              <mc:Fallback xmlns="">
+                <p:sp>
+                  <p:nvSpPr>
+                    <p:cNvPr id="123" name="TextBox 122">
+                      <a:extLst>
+                        <a:ext uri="{FF2B5EF4-FFF2-40B4-BE49-F238E27FC236}">
+                          <a16:creationId xmlns:a16="http://schemas.microsoft.com/office/drawing/2014/main" id="{3A2564AB-6422-D29B-A0EC-7A9BB8CD9E67}"/>
+                        </a:ext>
+                      </a:extLst>
+                    </p:cNvPr>
+                    <p:cNvSpPr txBox="1">
+                      <a:spLocks noRot="1" noChangeAspect="1" noMove="1" noResize="1" noEditPoints="1" noAdjustHandles="1" noChangeArrowheads="1" noChangeShapeType="1" noTextEdit="1"/>
+                    </p:cNvSpPr>
+                    <p:nvPr/>
+                  </p:nvSpPr>
+                  <p:spPr>
+                    <a:xfrm>
+                      <a:off x="4499221" y="2734203"/>
+                      <a:ext cx="490775" cy="369332"/>
+                    </a:xfrm>
+                    <a:prstGeom prst="rect">
+                      <a:avLst/>
+                    </a:prstGeom>
+                    <a:blipFill>
+                      <a:blip r:embed="rId12"/>
+                      <a:stretch>
+                        <a:fillRect/>
+                      </a:stretch>
+                    </a:blipFill>
+                  </p:spPr>
+                  <p:txBody>
+                    <a:bodyPr/>
+                    <a:lstStyle/>
+                    <a:p>
+                      <a:r>
+                        <a:rPr lang="id-ID">
+                          <a:noFill/>
+                        </a:rPr>
+                        <a:t> </a:t>
+                      </a:r>
+                    </a:p>
+                  </p:txBody>
+                </p:sp>
+              </mc:Fallback>
+            </mc:AlternateContent>
+            <mc:AlternateContent xmlns:mc="http://schemas.openxmlformats.org/markup-compatibility/2006" xmlns:a14="http://schemas.microsoft.com/office/drawing/2010/main">
+              <mc:Choice Requires="a14">
+                <p:sp>
+                  <p:nvSpPr>
+                    <p:cNvPr id="128" name="TextBox 127">
+                      <a:extLst>
+                        <a:ext uri="{FF2B5EF4-FFF2-40B4-BE49-F238E27FC236}">
+                          <a16:creationId xmlns:a16="http://schemas.microsoft.com/office/drawing/2014/main" id="{2CB4BD9E-6B8D-F0DE-8762-19FB3D22E11E}"/>
+                        </a:ext>
+                      </a:extLst>
+                    </p:cNvPr>
+                    <p:cNvSpPr txBox="1"/>
+                    <p:nvPr/>
+                  </p:nvSpPr>
+                  <p:spPr>
+                    <a:xfrm>
+                      <a:off x="3781825" y="2846497"/>
+                      <a:ext cx="360996" cy="369332"/>
+                    </a:xfrm>
+                    <a:prstGeom prst="rect">
+                      <a:avLst/>
+                    </a:prstGeom>
+                    <a:noFill/>
+                  </p:spPr>
+                  <p:txBody>
+                    <a:bodyPr wrap="none" rtlCol="0">
+                      <a:spAutoFit/>
+                    </a:bodyPr>
+                    <a:lstStyle/>
+                    <a:p>
+                      <a:pPr/>
+                      <a14:m>
+                        <m:oMathPara xmlns:m="http://schemas.openxmlformats.org/officeDocument/2006/math">
+                          <m:oMathParaPr>
+                            <m:jc m:val="centerGroup"/>
+                          </m:oMathParaPr>
+                          <m:oMath xmlns:m="http://schemas.openxmlformats.org/officeDocument/2006/math">
+                            <m:r>
+                              <a:rPr lang="en-US" b="1" i="1" dirty="0" smtClean="0">
+                                <a:solidFill>
+                                  <a:schemeClr val="tx1"/>
+                                </a:solidFill>
+                                <a:latin typeface="Cambria Math" panose="02040503050406030204" pitchFamily="18" charset="0"/>
+                              </a:rPr>
+                              <m:t>𝒓</m:t>
+                            </m:r>
+                          </m:oMath>
+                        </m:oMathPara>
+                      </a14:m>
+                      <a:endParaRPr lang="id-ID" b="1" dirty="0">
+                        <a:solidFill>
+                          <a:srgbClr val="00B050"/>
+                        </a:solidFill>
+                      </a:endParaRPr>
+                    </a:p>
+                  </p:txBody>
+                </p:sp>
+              </mc:Choice>
+              <mc:Fallback xmlns="">
+                <p:sp>
+                  <p:nvSpPr>
+                    <p:cNvPr id="128" name="TextBox 127">
+                      <a:extLst>
+                        <a:ext uri="{FF2B5EF4-FFF2-40B4-BE49-F238E27FC236}">
+                          <a16:creationId xmlns:a16="http://schemas.microsoft.com/office/drawing/2014/main" id="{2CB4BD9E-6B8D-F0DE-8762-19FB3D22E11E}"/>
+                        </a:ext>
+                      </a:extLst>
+                    </p:cNvPr>
+                    <p:cNvSpPr txBox="1">
+                      <a:spLocks noRot="1" noChangeAspect="1" noMove="1" noResize="1" noEditPoints="1" noAdjustHandles="1" noChangeArrowheads="1" noChangeShapeType="1" noTextEdit="1"/>
+                    </p:cNvSpPr>
+                    <p:nvPr/>
+                  </p:nvSpPr>
+                  <p:spPr>
+                    <a:xfrm>
+                      <a:off x="3781825" y="2846497"/>
+                      <a:ext cx="360996" cy="369332"/>
+                    </a:xfrm>
+                    <a:prstGeom prst="rect">
+                      <a:avLst/>
+                    </a:prstGeom>
+                    <a:blipFill>
+                      <a:blip r:embed="rId13"/>
+                      <a:stretch>
+                        <a:fillRect/>
+                      </a:stretch>
+                    </a:blipFill>
+                  </p:spPr>
+                  <p:txBody>
+                    <a:bodyPr/>
+                    <a:lstStyle/>
+                    <a:p>
+                      <a:r>
+                        <a:rPr lang="id-ID">
+                          <a:noFill/>
+                        </a:rPr>
+                        <a:t> </a:t>
+                      </a:r>
+                    </a:p>
+                  </p:txBody>
+                </p:sp>
+              </mc:Fallback>
+            </mc:AlternateContent>
+            <p:grpSp>
+              <p:nvGrpSpPr>
+                <p:cNvPr id="130" name="Group 129">
+                  <a:extLst>
+                    <a:ext uri="{FF2B5EF4-FFF2-40B4-BE49-F238E27FC236}">
+                      <a16:creationId xmlns:a16="http://schemas.microsoft.com/office/drawing/2014/main" id="{1FE868CA-2A9A-8FC5-81AF-7AF467E5DF50}"/>
+                    </a:ext>
+                  </a:extLst>
+                </p:cNvPr>
+                <p:cNvGrpSpPr/>
+                <p:nvPr/>
+              </p:nvGrpSpPr>
+              <p:grpSpPr>
+                <a:xfrm rot="16200000">
+                  <a:off x="5594328" y="106744"/>
+                  <a:ext cx="1652253" cy="1822951"/>
+                  <a:chOff x="1469095" y="4310743"/>
+                  <a:chExt cx="1652253" cy="1822951"/>
+                </a:xfrm>
+              </p:grpSpPr>
+              <p:cxnSp>
+                <p:nvCxnSpPr>
+                  <p:cNvPr id="131" name="Straight Arrow Connector 130">
+                    <a:extLst>
+                      <a:ext uri="{FF2B5EF4-FFF2-40B4-BE49-F238E27FC236}">
+                        <a16:creationId xmlns:a16="http://schemas.microsoft.com/office/drawing/2014/main" id="{06CC7DB5-8007-006A-9B8B-6AE5F9299C76}"/>
+                      </a:ext>
+                    </a:extLst>
+                  </p:cNvPr>
+                  <p:cNvCxnSpPr>
+                    <a:cxnSpLocks/>
+                  </p:cNvCxnSpPr>
+                  <p:nvPr/>
+                </p:nvCxnSpPr>
+                <p:spPr>
+                  <a:xfrm rot="5400000">
+                    <a:off x="557619" y="5222219"/>
+                    <a:ext cx="1822951" cy="0"/>
+                  </a:xfrm>
+                  <a:prstGeom prst="straightConnector1">
+                    <a:avLst/>
+                  </a:prstGeom>
+                  <a:ln w="38100">
+                    <a:solidFill>
+                      <a:schemeClr val="tx1"/>
+                    </a:solidFill>
+                    <a:prstDash val="sysDash"/>
+                    <a:tailEnd type="triangle"/>
+                  </a:ln>
+                </p:spPr>
+                <p:style>
+                  <a:lnRef idx="1">
+                    <a:schemeClr val="accent1"/>
+                  </a:lnRef>
+                  <a:fillRef idx="0">
+                    <a:schemeClr val="accent1"/>
+                  </a:fillRef>
+                  <a:effectRef idx="0">
+                    <a:schemeClr val="accent1"/>
+                  </a:effectRef>
+                  <a:fontRef idx="minor">
+                    <a:schemeClr val="tx1"/>
+                  </a:fontRef>
+                </p:style>
+              </p:cxnSp>
+              <p:cxnSp>
+                <p:nvCxnSpPr>
+                  <p:cNvPr id="132" name="Straight Arrow Connector 131">
+                    <a:extLst>
+                      <a:ext uri="{FF2B5EF4-FFF2-40B4-BE49-F238E27FC236}">
+                        <a16:creationId xmlns:a16="http://schemas.microsoft.com/office/drawing/2014/main" id="{15B14DA1-B706-EA63-490C-361139545444}"/>
+                      </a:ext>
+                    </a:extLst>
+                  </p:cNvPr>
+                  <p:cNvCxnSpPr>
+                    <a:cxnSpLocks/>
+                  </p:cNvCxnSpPr>
+                  <p:nvPr/>
+                </p:nvCxnSpPr>
+                <p:spPr>
+                  <a:xfrm>
+                    <a:off x="1481559" y="4328188"/>
+                    <a:ext cx="1639789" cy="0"/>
+                  </a:xfrm>
+                  <a:prstGeom prst="straightConnector1">
+                    <a:avLst/>
+                  </a:prstGeom>
+                  <a:ln w="38100">
+                    <a:solidFill>
+                      <a:schemeClr val="tx1"/>
+                    </a:solidFill>
+                    <a:prstDash val="sysDash"/>
+                    <a:tailEnd type="triangle"/>
+                  </a:ln>
+                </p:spPr>
+                <p:style>
+                  <a:lnRef idx="1">
+                    <a:schemeClr val="accent1"/>
+                  </a:lnRef>
+                  <a:fillRef idx="0">
+                    <a:schemeClr val="accent1"/>
+                  </a:fillRef>
+                  <a:effectRef idx="0">
+                    <a:schemeClr val="accent1"/>
+                  </a:effectRef>
+                  <a:fontRef idx="minor">
+                    <a:schemeClr val="tx1"/>
+                  </a:fontRef>
+                </p:style>
+              </p:cxnSp>
+            </p:grpSp>
+            <p:grpSp>
+              <p:nvGrpSpPr>
+                <p:cNvPr id="140" name="Group 139">
+                  <a:extLst>
+                    <a:ext uri="{FF2B5EF4-FFF2-40B4-BE49-F238E27FC236}">
+                      <a16:creationId xmlns:a16="http://schemas.microsoft.com/office/drawing/2014/main" id="{62CBB001-C3EF-6F72-6AD9-EAA2C0E624D9}"/>
+                    </a:ext>
+                  </a:extLst>
+                </p:cNvPr>
+                <p:cNvGrpSpPr/>
+                <p:nvPr/>
+              </p:nvGrpSpPr>
+              <p:grpSpPr>
+                <a:xfrm>
+                  <a:off x="2958707" y="692833"/>
+                  <a:ext cx="5532663" cy="5129111"/>
+                  <a:chOff x="2958707" y="692833"/>
+                  <a:chExt cx="5532663" cy="5129111"/>
+                </a:xfrm>
+              </p:grpSpPr>
+              <p:cxnSp>
+                <p:nvCxnSpPr>
+                  <p:cNvPr id="99" name="Straight Arrow Connector 98">
+                    <a:extLst>
+                      <a:ext uri="{FF2B5EF4-FFF2-40B4-BE49-F238E27FC236}">
+                        <a16:creationId xmlns:a16="http://schemas.microsoft.com/office/drawing/2014/main" id="{80BC4C29-2446-63D4-E33F-46049A9969AB}"/>
+                      </a:ext>
+                    </a:extLst>
+                  </p:cNvPr>
+                  <p:cNvCxnSpPr>
+                    <a:cxnSpLocks/>
+                  </p:cNvCxnSpPr>
+                  <p:nvPr/>
+                </p:nvCxnSpPr>
+                <p:spPr>
+                  <a:xfrm rot="8336998">
+                    <a:off x="5141581" y="692833"/>
+                    <a:ext cx="0" cy="1344930"/>
+                  </a:xfrm>
+                  <a:prstGeom prst="straightConnector1">
+                    <a:avLst/>
+                  </a:prstGeom>
+                  <a:ln w="38100">
+                    <a:solidFill>
+                      <a:srgbClr val="FF0000"/>
+                    </a:solidFill>
+                    <a:prstDash val="sysDash"/>
+                    <a:tailEnd type="triangle"/>
+                  </a:ln>
+                </p:spPr>
+                <p:style>
+                  <a:lnRef idx="1">
+                    <a:schemeClr val="accent1"/>
+                  </a:lnRef>
+                  <a:fillRef idx="0">
+                    <a:schemeClr val="accent1"/>
+                  </a:fillRef>
+                  <a:effectRef idx="0">
+                    <a:schemeClr val="accent1"/>
+                  </a:effectRef>
+                  <a:fontRef idx="minor">
+                    <a:schemeClr val="tx1"/>
+                  </a:fontRef>
+                </p:style>
+              </p:cxnSp>
+              <p:grpSp>
+                <p:nvGrpSpPr>
+                  <p:cNvPr id="100" name="Group 99">
+                    <a:extLst>
+                      <a:ext uri="{FF2B5EF4-FFF2-40B4-BE49-F238E27FC236}">
+                        <a16:creationId xmlns:a16="http://schemas.microsoft.com/office/drawing/2014/main" id="{D8C15EBC-53F2-529A-5685-5532F1430854}"/>
+                      </a:ext>
+                    </a:extLst>
+                  </p:cNvPr>
+                  <p:cNvGrpSpPr/>
+                  <p:nvPr/>
+                </p:nvGrpSpPr>
+                <p:grpSpPr>
+                  <a:xfrm rot="8336998">
+                    <a:off x="5347010" y="1396815"/>
+                    <a:ext cx="1872343" cy="2620647"/>
+                    <a:chOff x="3612641" y="1690096"/>
+                    <a:chExt cx="1872343" cy="2620647"/>
+                  </a:xfrm>
+                </p:grpSpPr>
+                <p:sp>
+                  <p:nvSpPr>
+                    <p:cNvPr id="116" name="Isosceles Triangle 115">
+                      <a:extLst>
+                        <a:ext uri="{FF2B5EF4-FFF2-40B4-BE49-F238E27FC236}">
+                          <a16:creationId xmlns:a16="http://schemas.microsoft.com/office/drawing/2014/main" id="{98444815-BCC6-D036-AB6F-85CDD0D17054}"/>
+                        </a:ext>
+                      </a:extLst>
+                    </p:cNvPr>
+                    <p:cNvSpPr/>
+                    <p:nvPr/>
+                  </p:nvSpPr>
+                  <p:spPr>
+                    <a:xfrm>
+                      <a:off x="3631474" y="1690096"/>
+                      <a:ext cx="1853510" cy="2424704"/>
+                    </a:xfrm>
+                    <a:prstGeom prst="triangle">
+                      <a:avLst/>
+                    </a:prstGeom>
+                    <a:solidFill>
+                      <a:schemeClr val="accent1">
+                        <a:alpha val="50000"/>
+                      </a:schemeClr>
+                    </a:solidFill>
+                    <a:ln>
+                      <a:noFill/>
+                    </a:ln>
+                  </p:spPr>
+                  <p:style>
+                    <a:lnRef idx="2">
+                      <a:schemeClr val="accent1">
+                        <a:shade val="50000"/>
+                      </a:schemeClr>
+                    </a:lnRef>
+                    <a:fillRef idx="1">
+                      <a:schemeClr val="accent1"/>
+                    </a:fillRef>
+                    <a:effectRef idx="0">
+                      <a:schemeClr val="accent1"/>
+                    </a:effectRef>
+                    <a:fontRef idx="minor">
+                      <a:schemeClr val="lt1"/>
+                    </a:fontRef>
+                  </p:style>
+                  <p:txBody>
+                    <a:bodyPr rtlCol="0" anchor="ctr"/>
+                    <a:lstStyle/>
+                    <a:p>
+                      <a:pPr algn="ctr"/>
+                      <a:endParaRPr lang="id-ID" dirty="0"/>
+                    </a:p>
+                  </p:txBody>
+                </p:sp>
+                <p:cxnSp>
+                  <p:nvCxnSpPr>
+                    <p:cNvPr id="117" name="Straight Connector 116">
+                      <a:extLst>
+                        <a:ext uri="{FF2B5EF4-FFF2-40B4-BE49-F238E27FC236}">
+                          <a16:creationId xmlns:a16="http://schemas.microsoft.com/office/drawing/2014/main" id="{EEA54BEB-C215-61E3-89D6-2608A02758F1}"/>
+                        </a:ext>
+                      </a:extLst>
+                    </p:cNvPr>
+                    <p:cNvCxnSpPr>
+                      <a:stCxn id="116" idx="2"/>
+                      <a:endCxn id="116" idx="4"/>
+                    </p:cNvCxnSpPr>
+                    <p:nvPr/>
+                  </p:nvCxnSpPr>
+                  <p:spPr>
+                    <a:xfrm>
+                      <a:off x="3631474" y="4114800"/>
+                      <a:ext cx="1853510" cy="0"/>
+                    </a:xfrm>
+                    <a:prstGeom prst="line">
+                      <a:avLst/>
+                    </a:prstGeom>
+                    <a:ln w="38100"/>
+                  </p:spPr>
+                  <p:style>
+                    <a:lnRef idx="1">
+                      <a:schemeClr val="accent1"/>
+                    </a:lnRef>
+                    <a:fillRef idx="0">
+                      <a:schemeClr val="accent1"/>
+                    </a:fillRef>
+                    <a:effectRef idx="0">
+                      <a:schemeClr val="accent1"/>
+                    </a:effectRef>
+                    <a:fontRef idx="minor">
+                      <a:schemeClr val="tx1"/>
+                    </a:fontRef>
+                  </p:style>
+                </p:cxnSp>
+                <p:cxnSp>
+                  <p:nvCxnSpPr>
+                    <p:cNvPr id="118" name="Straight Connector 117">
+                      <a:extLst>
+                        <a:ext uri="{FF2B5EF4-FFF2-40B4-BE49-F238E27FC236}">
+                          <a16:creationId xmlns:a16="http://schemas.microsoft.com/office/drawing/2014/main" id="{D8BD4F9E-00D1-120D-76F7-DF3FE7B9BA0A}"/>
+                        </a:ext>
+                      </a:extLst>
+                    </p:cNvPr>
+                    <p:cNvCxnSpPr>
+                      <a:cxnSpLocks/>
+                      <a:stCxn id="116" idx="3"/>
+                      <a:endCxn id="116" idx="0"/>
+                    </p:cNvCxnSpPr>
+                    <p:nvPr/>
+                  </p:nvCxnSpPr>
+                  <p:spPr>
+                    <a:xfrm flipV="1">
+                      <a:off x="4558229" y="1690096"/>
+                      <a:ext cx="0" cy="2424704"/>
+                    </a:xfrm>
+                    <a:prstGeom prst="line">
+                      <a:avLst/>
+                    </a:prstGeom>
+                    <a:ln w="38100"/>
+                  </p:spPr>
+                  <p:style>
+                    <a:lnRef idx="1">
+                      <a:schemeClr val="accent1"/>
+                    </a:lnRef>
+                    <a:fillRef idx="0">
+                      <a:schemeClr val="accent1"/>
+                    </a:fillRef>
+                    <a:effectRef idx="0">
+                      <a:schemeClr val="accent1"/>
+                    </a:effectRef>
+                    <a:fontRef idx="minor">
+                      <a:schemeClr val="tx1"/>
+                    </a:fontRef>
+                  </p:style>
+                </p:cxnSp>
+                <p:cxnSp>
+                  <p:nvCxnSpPr>
+                    <p:cNvPr id="119" name="Straight Connector 118">
+                      <a:extLst>
+                        <a:ext uri="{FF2B5EF4-FFF2-40B4-BE49-F238E27FC236}">
+                          <a16:creationId xmlns:a16="http://schemas.microsoft.com/office/drawing/2014/main" id="{395E5126-45BB-0D63-AF63-DAB5F6673F3E}"/>
+                        </a:ext>
+                      </a:extLst>
+                    </p:cNvPr>
+                    <p:cNvCxnSpPr>
+                      <a:cxnSpLocks/>
+                    </p:cNvCxnSpPr>
+                    <p:nvPr/>
+                  </p:nvCxnSpPr>
+                  <p:spPr>
+                    <a:xfrm flipV="1">
+                      <a:off x="5484984" y="3840480"/>
+                      <a:ext cx="0" cy="470263"/>
+                    </a:xfrm>
+                    <a:prstGeom prst="line">
+                      <a:avLst/>
+                    </a:prstGeom>
+                    <a:ln w="38100"/>
+                  </p:spPr>
+                  <p:style>
+                    <a:lnRef idx="1">
+                      <a:schemeClr val="accent1"/>
+                    </a:lnRef>
+                    <a:fillRef idx="0">
+                      <a:schemeClr val="accent1"/>
+                    </a:fillRef>
+                    <a:effectRef idx="0">
+                      <a:schemeClr val="accent1"/>
+                    </a:effectRef>
+                    <a:fontRef idx="minor">
+                      <a:schemeClr val="tx1"/>
+                    </a:fontRef>
+                  </p:style>
+                </p:cxnSp>
+                <p:cxnSp>
+                  <p:nvCxnSpPr>
+                    <p:cNvPr id="120" name="Straight Connector 119">
+                      <a:extLst>
+                        <a:ext uri="{FF2B5EF4-FFF2-40B4-BE49-F238E27FC236}">
+                          <a16:creationId xmlns:a16="http://schemas.microsoft.com/office/drawing/2014/main" id="{8A8613FB-7079-7980-3063-D8F3B7FE805D}"/>
+                        </a:ext>
+                      </a:extLst>
+                    </p:cNvPr>
+                    <p:cNvCxnSpPr>
+                      <a:cxnSpLocks/>
+                    </p:cNvCxnSpPr>
+                    <p:nvPr/>
+                  </p:nvCxnSpPr>
+                  <p:spPr>
+                    <a:xfrm flipV="1">
+                      <a:off x="3612641" y="3840480"/>
+                      <a:ext cx="0" cy="470263"/>
+                    </a:xfrm>
+                    <a:prstGeom prst="line">
+                      <a:avLst/>
+                    </a:prstGeom>
+                    <a:ln w="38100"/>
+                  </p:spPr>
+                  <p:style>
+                    <a:lnRef idx="1">
+                      <a:schemeClr val="accent1"/>
+                    </a:lnRef>
+                    <a:fillRef idx="0">
+                      <a:schemeClr val="accent1"/>
+                    </a:fillRef>
+                    <a:effectRef idx="0">
+                      <a:schemeClr val="accent1"/>
+                    </a:effectRef>
+                    <a:fontRef idx="minor">
+                      <a:schemeClr val="tx1"/>
+                    </a:fontRef>
+                  </p:style>
+                </p:cxnSp>
+              </p:grpSp>
+              <p:cxnSp>
+                <p:nvCxnSpPr>
+                  <p:cNvPr id="101" name="Straight Arrow Connector 100">
+                    <a:extLst>
+                      <a:ext uri="{FF2B5EF4-FFF2-40B4-BE49-F238E27FC236}">
+                        <a16:creationId xmlns:a16="http://schemas.microsoft.com/office/drawing/2014/main" id="{27054101-C7D8-2329-F7B1-D443924688D7}"/>
+                      </a:ext>
+                    </a:extLst>
+                  </p:cNvPr>
+                  <p:cNvCxnSpPr/>
+                  <p:nvPr/>
+                </p:nvCxnSpPr>
+                <p:spPr>
+                  <a:xfrm rot="8336998">
+                    <a:off x="6410082" y="935774"/>
+                    <a:ext cx="0" cy="470263"/>
+                  </a:xfrm>
+                  <a:prstGeom prst="straightConnector1">
+                    <a:avLst/>
+                  </a:prstGeom>
+                  <a:ln w="38100">
+                    <a:solidFill>
+                      <a:srgbClr val="00B050"/>
+                    </a:solidFill>
+                    <a:tailEnd type="triangle"/>
+                  </a:ln>
+                </p:spPr>
+                <p:style>
+                  <a:lnRef idx="1">
+                    <a:schemeClr val="accent1"/>
+                  </a:lnRef>
+                  <a:fillRef idx="0">
+                    <a:schemeClr val="accent1"/>
+                  </a:fillRef>
+                  <a:effectRef idx="0">
+                    <a:schemeClr val="accent1"/>
+                  </a:effectRef>
+                  <a:fontRef idx="minor">
+                    <a:schemeClr val="tx1"/>
+                  </a:fontRef>
+                </p:style>
+              </p:cxnSp>
+              <p:cxnSp>
+                <p:nvCxnSpPr>
+                  <p:cNvPr id="102" name="Straight Connector 101">
+                    <a:extLst>
+                      <a:ext uri="{FF2B5EF4-FFF2-40B4-BE49-F238E27FC236}">
+                        <a16:creationId xmlns:a16="http://schemas.microsoft.com/office/drawing/2014/main" id="{36CD4162-7051-3A32-3648-E38E51F3B085}"/>
+                      </a:ext>
+                    </a:extLst>
+                  </p:cNvPr>
+                  <p:cNvCxnSpPr>
+                    <a:cxnSpLocks/>
+                    <a:stCxn id="116" idx="3"/>
+                  </p:cNvCxnSpPr>
+                  <p:nvPr/>
+                </p:nvCxnSpPr>
+                <p:spPr>
+                  <a:xfrm rot="8336998">
+                    <a:off x="3379490" y="2683375"/>
+                    <a:ext cx="2468173" cy="0"/>
+                  </a:xfrm>
+                  <a:prstGeom prst="line">
+                    <a:avLst/>
+                  </a:prstGeom>
+                  <a:ln w="38100">
+                    <a:prstDash val="solid"/>
+                    <a:headEnd type="none" w="med" len="med"/>
+                    <a:tailEnd type="triangle" w="med" len="med"/>
+                  </a:ln>
+                </p:spPr>
+                <p:style>
+                  <a:lnRef idx="1">
+                    <a:schemeClr val="dk1"/>
+                  </a:lnRef>
+                  <a:fillRef idx="0">
+                    <a:schemeClr val="dk1"/>
+                  </a:fillRef>
+                  <a:effectRef idx="0">
+                    <a:schemeClr val="dk1"/>
+                  </a:effectRef>
+                  <a:fontRef idx="minor">
+                    <a:schemeClr val="tx1"/>
+                  </a:fontRef>
+                </p:style>
+              </p:cxnSp>
+              <p:sp>
+                <p:nvSpPr>
+                  <p:cNvPr id="103" name="Oval 102">
+                    <a:extLst>
+                      <a:ext uri="{FF2B5EF4-FFF2-40B4-BE49-F238E27FC236}">
+                        <a16:creationId xmlns:a16="http://schemas.microsoft.com/office/drawing/2014/main" id="{CDF73697-6D83-80D6-0BBF-0B0AD7A6DC69}"/>
+                      </a:ext>
+                    </a:extLst>
+                  </p:cNvPr>
+                  <p:cNvSpPr/>
+                  <p:nvPr/>
+                </p:nvSpPr>
+                <p:spPr>
+                  <a:xfrm rot="8336998">
+                    <a:off x="7086115" y="3651008"/>
+                    <a:ext cx="100958" cy="100958"/>
+                  </a:xfrm>
+                  <a:prstGeom prst="ellipse">
+                    <a:avLst/>
+                  </a:prstGeom>
+                </p:spPr>
+                <p:style>
+                  <a:lnRef idx="2">
+                    <a:schemeClr val="dk1">
+                      <a:shade val="50000"/>
+                    </a:schemeClr>
+                  </a:lnRef>
+                  <a:fillRef idx="1">
+                    <a:schemeClr val="dk1"/>
+                  </a:fillRef>
+                  <a:effectRef idx="0">
+                    <a:schemeClr val="dk1"/>
+                  </a:effectRef>
+                  <a:fontRef idx="minor">
+                    <a:schemeClr val="lt1"/>
+                  </a:fontRef>
+                </p:style>
+                <p:txBody>
+                  <a:bodyPr rtlCol="0" anchor="ctr"/>
+                  <a:lstStyle/>
+                  <a:p>
+                    <a:pPr algn="ctr"/>
+                    <a:endParaRPr lang="id-ID"/>
+                  </a:p>
+                </p:txBody>
+              </p:sp>
+              <p:sp>
+                <p:nvSpPr>
+                  <p:cNvPr id="104" name="Oval 103">
+                    <a:extLst>
+                      <a:ext uri="{FF2B5EF4-FFF2-40B4-BE49-F238E27FC236}">
+                        <a16:creationId xmlns:a16="http://schemas.microsoft.com/office/drawing/2014/main" id="{7DFD3C86-7488-B254-BC17-1B8A25B376E8}"/>
+                      </a:ext>
+                    </a:extLst>
+                  </p:cNvPr>
+                  <p:cNvSpPr/>
+                  <p:nvPr/>
+                </p:nvSpPr>
+                <p:spPr>
+                  <a:xfrm rot="8336998">
+                    <a:off x="3632429" y="3443343"/>
+                    <a:ext cx="100958" cy="100958"/>
+                  </a:xfrm>
+                  <a:prstGeom prst="ellipse">
+                    <a:avLst/>
+                  </a:prstGeom>
+                </p:spPr>
+                <p:style>
+                  <a:lnRef idx="2">
+                    <a:schemeClr val="dk1">
+                      <a:shade val="50000"/>
+                    </a:schemeClr>
+                  </a:lnRef>
+                  <a:fillRef idx="1">
+                    <a:schemeClr val="dk1"/>
+                  </a:fillRef>
+                  <a:effectRef idx="0">
+                    <a:schemeClr val="dk1"/>
+                  </a:effectRef>
+                  <a:fontRef idx="minor">
+                    <a:schemeClr val="lt1"/>
+                  </a:fontRef>
+                </p:style>
+                <p:txBody>
+                  <a:bodyPr rtlCol="0" anchor="ctr"/>
+                  <a:lstStyle/>
+                  <a:p>
+                    <a:pPr algn="ctr"/>
+                    <a:endParaRPr lang="id-ID"/>
+                  </a:p>
+                </p:txBody>
+              </p:sp>
+              <p:cxnSp>
+                <p:nvCxnSpPr>
+                  <p:cNvPr id="106" name="Straight Arrow Connector 105">
+                    <a:extLst>
+                      <a:ext uri="{FF2B5EF4-FFF2-40B4-BE49-F238E27FC236}">
+                        <a16:creationId xmlns:a16="http://schemas.microsoft.com/office/drawing/2014/main" id="{1EA96699-0373-69F7-5FA0-E68702F34B4E}"/>
+                      </a:ext>
+                    </a:extLst>
+                  </p:cNvPr>
+                  <p:cNvCxnSpPr/>
+                  <p:nvPr/>
+                </p:nvCxnSpPr>
+                <p:spPr>
+                  <a:xfrm rot="8336998">
+                    <a:off x="4245588" y="3385949"/>
+                    <a:ext cx="0" cy="2435995"/>
+                  </a:xfrm>
+                  <a:prstGeom prst="straightConnector1">
+                    <a:avLst/>
+                  </a:prstGeom>
+                  <a:ln w="19050">
+                    <a:solidFill>
+                      <a:schemeClr val="tx1"/>
+                    </a:solidFill>
+                    <a:headEnd type="arrow" w="med" len="med"/>
+                    <a:tailEnd type="arrow" w="med" len="med"/>
+                  </a:ln>
+                </p:spPr>
+                <p:style>
+                  <a:lnRef idx="1">
+                    <a:schemeClr val="accent1"/>
+                  </a:lnRef>
+                  <a:fillRef idx="0">
+                    <a:schemeClr val="accent1"/>
+                  </a:fillRef>
+                  <a:effectRef idx="0">
+                    <a:schemeClr val="accent1"/>
+                  </a:effectRef>
+                  <a:fontRef idx="minor">
+                    <a:schemeClr val="tx1"/>
+                  </a:fontRef>
+                </p:style>
+              </p:cxnSp>
+              <p:cxnSp>
+                <p:nvCxnSpPr>
+                  <p:cNvPr id="107" name="Straight Arrow Connector 106">
+                    <a:extLst>
+                      <a:ext uri="{FF2B5EF4-FFF2-40B4-BE49-F238E27FC236}">
+                        <a16:creationId xmlns:a16="http://schemas.microsoft.com/office/drawing/2014/main" id="{03D0FA6B-70CD-7335-0F6F-9F2CD6FDFC69}"/>
+                      </a:ext>
+                    </a:extLst>
+                  </p:cNvPr>
+                  <p:cNvCxnSpPr>
+                    <a:cxnSpLocks/>
+                  </p:cNvCxnSpPr>
+                  <p:nvPr/>
+                </p:nvCxnSpPr>
+                <p:spPr>
+                  <a:xfrm rot="8336998">
+                    <a:off x="6619027" y="4167851"/>
+                    <a:ext cx="1872343" cy="0"/>
+                  </a:xfrm>
+                  <a:prstGeom prst="straightConnector1">
+                    <a:avLst/>
+                  </a:prstGeom>
+                  <a:ln w="19050">
+                    <a:solidFill>
+                      <a:schemeClr val="tx1"/>
+                    </a:solidFill>
+                    <a:headEnd type="arrow" w="med" len="med"/>
+                    <a:tailEnd type="arrow" w="med" len="med"/>
+                  </a:ln>
+                </p:spPr>
+                <p:style>
+                  <a:lnRef idx="1">
+                    <a:schemeClr val="accent1"/>
+                  </a:lnRef>
+                  <a:fillRef idx="0">
+                    <a:schemeClr val="accent1"/>
+                  </a:fillRef>
+                  <a:effectRef idx="0">
+                    <a:schemeClr val="accent1"/>
+                  </a:effectRef>
+                  <a:fontRef idx="minor">
+                    <a:schemeClr val="tx1"/>
+                  </a:fontRef>
+                </p:style>
+              </p:cxnSp>
+              <p:cxnSp>
+                <p:nvCxnSpPr>
+                  <p:cNvPr id="108" name="Straight Arrow Connector 107">
+                    <a:extLst>
+                      <a:ext uri="{FF2B5EF4-FFF2-40B4-BE49-F238E27FC236}">
+                        <a16:creationId xmlns:a16="http://schemas.microsoft.com/office/drawing/2014/main" id="{E2E03B11-47D6-896F-EE04-D4DA4E6112C8}"/>
+                      </a:ext>
+                    </a:extLst>
+                  </p:cNvPr>
+                  <p:cNvCxnSpPr>
+                    <a:cxnSpLocks/>
+                    <a:stCxn id="116" idx="3"/>
+                  </p:cNvCxnSpPr>
+                  <p:nvPr/>
+                </p:nvCxnSpPr>
+                <p:spPr>
+                  <a:xfrm rot="8336998">
+                    <a:off x="5213970" y="990738"/>
+                    <a:ext cx="0" cy="1005840"/>
+                  </a:xfrm>
+                  <a:prstGeom prst="straightConnector1">
+                    <a:avLst/>
+                  </a:prstGeom>
+                  <a:ln w="38100">
+                    <a:solidFill>
+                      <a:srgbClr val="00B050"/>
+                    </a:solidFill>
+                    <a:tailEnd type="triangle"/>
+                  </a:ln>
+                </p:spPr>
+                <p:style>
+                  <a:lnRef idx="1">
+                    <a:schemeClr val="accent1"/>
+                  </a:lnRef>
+                  <a:fillRef idx="0">
+                    <a:schemeClr val="accent1"/>
+                  </a:fillRef>
+                  <a:effectRef idx="0">
+                    <a:schemeClr val="accent1"/>
+                  </a:effectRef>
+                  <a:fontRef idx="minor">
+                    <a:schemeClr val="tx1"/>
+                  </a:fontRef>
+                </p:style>
+              </p:cxnSp>
+              <p:cxnSp>
+                <p:nvCxnSpPr>
+                  <p:cNvPr id="109" name="Straight Arrow Connector 108">
+                    <a:extLst>
+                      <a:ext uri="{FF2B5EF4-FFF2-40B4-BE49-F238E27FC236}">
+                        <a16:creationId xmlns:a16="http://schemas.microsoft.com/office/drawing/2014/main" id="{BCE9358F-FCDE-62CF-C3D4-38E6A88BCE5B}"/>
+                      </a:ext>
+                    </a:extLst>
+                  </p:cNvPr>
+                  <p:cNvCxnSpPr>
+                    <a:cxnSpLocks/>
+                  </p:cNvCxnSpPr>
+                  <p:nvPr/>
+                </p:nvCxnSpPr>
+                <p:spPr>
+                  <a:xfrm rot="8336998">
+                    <a:off x="5901891" y="2111198"/>
+                    <a:ext cx="0" cy="3167244"/>
+                  </a:xfrm>
+                  <a:prstGeom prst="straightConnector1">
+                    <a:avLst/>
+                  </a:prstGeom>
+                  <a:ln w="19050">
+                    <a:solidFill>
+                      <a:schemeClr val="tx1"/>
+                    </a:solidFill>
+                    <a:headEnd type="none" w="med" len="med"/>
+                    <a:tailEnd type="none" w="med" len="med"/>
+                  </a:ln>
+                </p:spPr>
+                <p:style>
+                  <a:lnRef idx="1">
+                    <a:schemeClr val="accent1"/>
+                  </a:lnRef>
+                  <a:fillRef idx="0">
+                    <a:schemeClr val="accent1"/>
+                  </a:fillRef>
+                  <a:effectRef idx="0">
+                    <a:schemeClr val="accent1"/>
+                  </a:effectRef>
+                  <a:fontRef idx="minor">
+                    <a:schemeClr val="tx1"/>
+                  </a:fontRef>
+                </p:style>
+              </p:cxnSp>
+              <p:cxnSp>
+                <p:nvCxnSpPr>
+                  <p:cNvPr id="110" name="Straight Arrow Connector 109">
+                    <a:extLst>
+                      <a:ext uri="{FF2B5EF4-FFF2-40B4-BE49-F238E27FC236}">
+                        <a16:creationId xmlns:a16="http://schemas.microsoft.com/office/drawing/2014/main" id="{218A634D-D53C-B398-9E2C-04DF8AD137D3}"/>
+                      </a:ext>
+                    </a:extLst>
+                  </p:cNvPr>
+                  <p:cNvCxnSpPr>
+                    <a:cxnSpLocks/>
+                  </p:cNvCxnSpPr>
+                  <p:nvPr/>
+                </p:nvCxnSpPr>
+                <p:spPr>
+                  <a:xfrm rot="8336998">
+                    <a:off x="7313962" y="881537"/>
+                    <a:ext cx="0" cy="3167244"/>
+                  </a:xfrm>
+                  <a:prstGeom prst="straightConnector1">
+                    <a:avLst/>
+                  </a:prstGeom>
+                  <a:ln w="19050">
+                    <a:solidFill>
+                      <a:schemeClr val="tx1"/>
+                    </a:solidFill>
+                    <a:headEnd type="none" w="med" len="med"/>
+                    <a:tailEnd type="none" w="med" len="med"/>
+                  </a:ln>
+                </p:spPr>
+                <p:style>
+                  <a:lnRef idx="1">
+                    <a:schemeClr val="accent1"/>
+                  </a:lnRef>
+                  <a:fillRef idx="0">
+                    <a:schemeClr val="accent1"/>
+                  </a:fillRef>
+                  <a:effectRef idx="0">
+                    <a:schemeClr val="accent1"/>
+                  </a:effectRef>
+                  <a:fontRef idx="minor">
+                    <a:schemeClr val="tx1"/>
+                  </a:fontRef>
+                </p:style>
+              </p:cxnSp>
+              <p:cxnSp>
+                <p:nvCxnSpPr>
+                  <p:cNvPr id="111" name="Straight Arrow Connector 110">
+                    <a:extLst>
+                      <a:ext uri="{FF2B5EF4-FFF2-40B4-BE49-F238E27FC236}">
+                        <a16:creationId xmlns:a16="http://schemas.microsoft.com/office/drawing/2014/main" id="{2E9F0CB4-CF0E-E22F-9BFC-951CE84259FA}"/>
+                      </a:ext>
+                    </a:extLst>
+                  </p:cNvPr>
+                  <p:cNvCxnSpPr>
+                    <a:cxnSpLocks/>
+                  </p:cNvCxnSpPr>
+                  <p:nvPr/>
+                </p:nvCxnSpPr>
+                <p:spPr>
+                  <a:xfrm rot="8336998">
+                    <a:off x="4588190" y="4640877"/>
+                    <a:ext cx="2939324" cy="0"/>
+                  </a:xfrm>
+                  <a:prstGeom prst="straightConnector1">
+                    <a:avLst/>
+                  </a:prstGeom>
+                  <a:ln w="19050">
+                    <a:solidFill>
+                      <a:schemeClr val="tx1"/>
+                    </a:solidFill>
+                    <a:headEnd type="none" w="med" len="med"/>
+                    <a:tailEnd type="none" w="med" len="med"/>
+                  </a:ln>
+                </p:spPr>
+                <p:style>
+                  <a:lnRef idx="1">
+                    <a:schemeClr val="accent1"/>
+                  </a:lnRef>
+                  <a:fillRef idx="0">
+                    <a:schemeClr val="accent1"/>
+                  </a:fillRef>
+                  <a:effectRef idx="0">
+                    <a:schemeClr val="accent1"/>
+                  </a:effectRef>
+                  <a:fontRef idx="minor">
+                    <a:schemeClr val="tx1"/>
+                  </a:fontRef>
+                </p:style>
+              </p:cxnSp>
+              <p:cxnSp>
+                <p:nvCxnSpPr>
+                  <p:cNvPr id="112" name="Straight Arrow Connector 111">
+                    <a:extLst>
+                      <a:ext uri="{FF2B5EF4-FFF2-40B4-BE49-F238E27FC236}">
+                        <a16:creationId xmlns:a16="http://schemas.microsoft.com/office/drawing/2014/main" id="{3D39642A-5E60-15B4-DAC2-12B37DDC5025}"/>
+                      </a:ext>
+                    </a:extLst>
+                  </p:cNvPr>
+                  <p:cNvCxnSpPr>
+                    <a:cxnSpLocks/>
+                  </p:cNvCxnSpPr>
+                  <p:nvPr/>
+                </p:nvCxnSpPr>
+                <p:spPr>
+                  <a:xfrm rot="8336998">
+                    <a:off x="2958707" y="2829410"/>
+                    <a:ext cx="2939324" cy="0"/>
+                  </a:xfrm>
+                  <a:prstGeom prst="straightConnector1">
+                    <a:avLst/>
+                  </a:prstGeom>
+                  <a:ln w="19050">
+                    <a:solidFill>
+                      <a:schemeClr val="tx1"/>
+                    </a:solidFill>
+                    <a:headEnd type="none" w="med" len="med"/>
+                    <a:tailEnd type="none" w="med" len="med"/>
+                  </a:ln>
+                </p:spPr>
+                <p:style>
+                  <a:lnRef idx="1">
+                    <a:schemeClr val="accent1"/>
+                  </a:lnRef>
+                  <a:fillRef idx="0">
+                    <a:schemeClr val="accent1"/>
+                  </a:fillRef>
+                  <a:effectRef idx="0">
+                    <a:schemeClr val="accent1"/>
+                  </a:effectRef>
+                  <a:fontRef idx="minor">
+                    <a:schemeClr val="tx1"/>
+                  </a:fontRef>
+                </p:style>
+              </p:cxnSp>
+              <p:cxnSp>
+                <p:nvCxnSpPr>
+                  <p:cNvPr id="113" name="Straight Arrow Connector 112">
+                    <a:extLst>
+                      <a:ext uri="{FF2B5EF4-FFF2-40B4-BE49-F238E27FC236}">
+                        <a16:creationId xmlns:a16="http://schemas.microsoft.com/office/drawing/2014/main" id="{CDFF1E39-9D5C-61E8-31E6-6C8F5522AB4B}"/>
+                      </a:ext>
+                    </a:extLst>
+                  </p:cNvPr>
+                  <p:cNvCxnSpPr>
+                    <a:cxnSpLocks/>
+                  </p:cNvCxnSpPr>
+                  <p:nvPr/>
+                </p:nvCxnSpPr>
+                <p:spPr>
+                  <a:xfrm rot="8336998">
+                    <a:off x="4101618" y="2380039"/>
+                    <a:ext cx="1639789" cy="0"/>
+                  </a:xfrm>
+                  <a:prstGeom prst="straightConnector1">
+                    <a:avLst/>
+                  </a:prstGeom>
+                  <a:ln w="38100">
+                    <a:solidFill>
+                      <a:srgbClr val="FF0000"/>
+                    </a:solidFill>
+                    <a:prstDash val="sysDash"/>
+                    <a:tailEnd type="triangle"/>
+                  </a:ln>
+                </p:spPr>
+                <p:style>
+                  <a:lnRef idx="1">
+                    <a:schemeClr val="accent1"/>
+                  </a:lnRef>
+                  <a:fillRef idx="0">
+                    <a:schemeClr val="accent1"/>
+                  </a:fillRef>
+                  <a:effectRef idx="0">
+                    <a:schemeClr val="accent1"/>
+                  </a:effectRef>
+                  <a:fontRef idx="minor">
+                    <a:schemeClr val="tx1"/>
+                  </a:fontRef>
+                </p:style>
+              </p:cxnSp>
+              <p:cxnSp>
+                <p:nvCxnSpPr>
+                  <p:cNvPr id="114" name="Straight Arrow Connector 113">
+                    <a:extLst>
+                      <a:ext uri="{FF2B5EF4-FFF2-40B4-BE49-F238E27FC236}">
+                        <a16:creationId xmlns:a16="http://schemas.microsoft.com/office/drawing/2014/main" id="{B9E428E4-4D27-3940-EDA1-AB552FC27C57}"/>
+                      </a:ext>
+                    </a:extLst>
+                  </p:cNvPr>
+                  <p:cNvCxnSpPr/>
+                  <p:nvPr/>
+                </p:nvCxnSpPr>
+                <p:spPr>
+                  <a:xfrm rot="8336998">
+                    <a:off x="4732098" y="2396997"/>
+                    <a:ext cx="0" cy="470263"/>
+                  </a:xfrm>
+                  <a:prstGeom prst="straightConnector1">
+                    <a:avLst/>
+                  </a:prstGeom>
+                  <a:ln w="38100">
+                    <a:solidFill>
+                      <a:srgbClr val="00B050"/>
+                    </a:solidFill>
+                    <a:tailEnd type="triangle"/>
+                  </a:ln>
+                </p:spPr>
+                <p:style>
+                  <a:lnRef idx="1">
+                    <a:schemeClr val="accent1"/>
+                  </a:lnRef>
+                  <a:fillRef idx="0">
+                    <a:schemeClr val="accent1"/>
+                  </a:fillRef>
+                  <a:effectRef idx="0">
+                    <a:schemeClr val="accent1"/>
+                  </a:effectRef>
+                  <a:fontRef idx="minor">
+                    <a:schemeClr val="tx1"/>
+                  </a:fontRef>
+                </p:style>
+              </p:cxnSp>
+              <p:sp>
+                <p:nvSpPr>
+                  <p:cNvPr id="115" name="Oval 114">
+                    <a:extLst>
+                      <a:ext uri="{FF2B5EF4-FFF2-40B4-BE49-F238E27FC236}">
+                        <a16:creationId xmlns:a16="http://schemas.microsoft.com/office/drawing/2014/main" id="{9AD27D18-C620-7EF4-949E-30CC46727DD3}"/>
+                      </a:ext>
+                    </a:extLst>
+                  </p:cNvPr>
+                  <p:cNvSpPr/>
+                  <p:nvPr/>
+                </p:nvSpPr>
+                <p:spPr>
+                  <a:xfrm rot="8336998">
+                    <a:off x="5489291" y="1811376"/>
+                    <a:ext cx="100958" cy="100958"/>
+                  </a:xfrm>
+                  <a:prstGeom prst="ellipse">
+                    <a:avLst/>
+                  </a:prstGeom>
+                </p:spPr>
+                <p:style>
+                  <a:lnRef idx="2">
+                    <a:schemeClr val="dk1">
+                      <a:shade val="50000"/>
+                    </a:schemeClr>
+                  </a:lnRef>
+                  <a:fillRef idx="1">
+                    <a:schemeClr val="dk1"/>
+                  </a:fillRef>
+                  <a:effectRef idx="0">
+                    <a:schemeClr val="dk1"/>
+                  </a:effectRef>
+                  <a:fontRef idx="minor">
+                    <a:schemeClr val="lt1"/>
+                  </a:fontRef>
+                </p:style>
+                <p:txBody>
+                  <a:bodyPr rtlCol="0" anchor="ctr"/>
+                  <a:lstStyle/>
+                  <a:p>
+                    <a:pPr algn="ctr"/>
+                    <a:endParaRPr lang="id-ID"/>
+                  </a:p>
+                </p:txBody>
+              </p:sp>
+              <p:sp>
+                <p:nvSpPr>
+                  <p:cNvPr id="136" name="Arrow: Curved Up 135">
+                    <a:extLst>
+                      <a:ext uri="{FF2B5EF4-FFF2-40B4-BE49-F238E27FC236}">
+                        <a16:creationId xmlns:a16="http://schemas.microsoft.com/office/drawing/2014/main" id="{E7CA4735-E92A-CBBD-F131-1E4E64C34C4B}"/>
+                      </a:ext>
+                    </a:extLst>
+                  </p:cNvPr>
+                  <p:cNvSpPr/>
+                  <p:nvPr/>
+                </p:nvSpPr>
+                <p:spPr>
+                  <a:xfrm rot="12644460">
+                    <a:off x="5348188" y="1329658"/>
+                    <a:ext cx="759583" cy="322053"/>
+                  </a:xfrm>
+                  <a:prstGeom prst="curvedUpArrow">
+                    <a:avLst>
+                      <a:gd name="adj1" fmla="val 5240"/>
+                      <a:gd name="adj2" fmla="val 23048"/>
+                      <a:gd name="adj3" fmla="val 23306"/>
+                    </a:avLst>
+                  </a:prstGeom>
+                  <a:solidFill>
+                    <a:srgbClr val="00B050"/>
+                  </a:solidFill>
+                  <a:ln>
+                    <a:solidFill>
+                      <a:srgbClr val="00B050"/>
+                    </a:solidFill>
+                  </a:ln>
+                </p:spPr>
+                <p:style>
+                  <a:lnRef idx="2">
+                    <a:schemeClr val="accent1">
+                      <a:shade val="50000"/>
+                    </a:schemeClr>
+                  </a:lnRef>
+                  <a:fillRef idx="1">
+                    <a:schemeClr val="accent1"/>
+                  </a:fillRef>
+                  <a:effectRef idx="0">
+                    <a:schemeClr val="accent1"/>
+                  </a:effectRef>
+                  <a:fontRef idx="minor">
+                    <a:schemeClr val="lt1"/>
+                  </a:fontRef>
+                </p:style>
+                <p:txBody>
+                  <a:bodyPr rtlCol="0" anchor="ctr"/>
+                  <a:lstStyle/>
+                  <a:p>
+                    <a:pPr algn="ctr"/>
+                    <a:endParaRPr lang="id-ID">
+                      <a:solidFill>
+                        <a:srgbClr val="00B050"/>
+                      </a:solidFill>
+                    </a:endParaRPr>
+                  </a:p>
+                </p:txBody>
+              </p:sp>
+            </p:grpSp>
+            <mc:AlternateContent xmlns:mc="http://schemas.openxmlformats.org/markup-compatibility/2006" xmlns:a14="http://schemas.microsoft.com/office/drawing/2010/main">
+              <mc:Choice Requires="a14">
+                <p:sp>
+                  <p:nvSpPr>
+                    <p:cNvPr id="137" name="TextBox 136">
+                      <a:extLst>
+                        <a:ext uri="{FF2B5EF4-FFF2-40B4-BE49-F238E27FC236}">
+                          <a16:creationId xmlns:a16="http://schemas.microsoft.com/office/drawing/2014/main" id="{9F898FF2-8245-1022-2C60-577B6ABC3837}"/>
+                        </a:ext>
+                      </a:extLst>
+                    </p:cNvPr>
+                    <p:cNvSpPr txBox="1"/>
+                    <p:nvPr/>
+                  </p:nvSpPr>
+                  <p:spPr>
+                    <a:xfrm>
+                      <a:off x="5628325" y="1017708"/>
+                      <a:ext cx="381836" cy="369332"/>
+                    </a:xfrm>
+                    <a:prstGeom prst="rect">
+                      <a:avLst/>
+                    </a:prstGeom>
+                    <a:noFill/>
+                  </p:spPr>
+                  <p:txBody>
+                    <a:bodyPr wrap="none" rtlCol="0">
+                      <a:spAutoFit/>
+                    </a:bodyPr>
+                    <a:lstStyle/>
+                    <a:p>
+                      <a:pPr/>
+                      <a14:m>
+                        <m:oMathPara xmlns:m="http://schemas.openxmlformats.org/officeDocument/2006/math">
+                          <m:oMathParaPr>
+                            <m:jc m:val="centerGroup"/>
+                          </m:oMathParaPr>
+                          <m:oMath xmlns:m="http://schemas.openxmlformats.org/officeDocument/2006/math">
+                            <m:r>
+                              <a:rPr lang="id-ID" b="1" i="1" smtClean="0">
+                                <a:solidFill>
+                                  <a:srgbClr val="00B050"/>
+                                </a:solidFill>
+                                <a:latin typeface="Cambria Math" panose="02040503050406030204" pitchFamily="18" charset="0"/>
+                                <a:ea typeface="Cambria Math" panose="02040503050406030204" pitchFamily="18" charset="0"/>
+                              </a:rPr>
+                              <m:t>𝜽</m:t>
+                            </m:r>
+                          </m:oMath>
+                        </m:oMathPara>
+                      </a14:m>
+                      <a:endParaRPr lang="id-ID" b="1" dirty="0">
+                        <a:solidFill>
+                          <a:srgbClr val="00B050"/>
+                        </a:solidFill>
+                      </a:endParaRPr>
+                    </a:p>
+                  </p:txBody>
+                </p:sp>
+              </mc:Choice>
+              <mc:Fallback xmlns="">
+                <p:sp>
+                  <p:nvSpPr>
+                    <p:cNvPr id="137" name="TextBox 136">
+                      <a:extLst>
+                        <a:ext uri="{FF2B5EF4-FFF2-40B4-BE49-F238E27FC236}">
+                          <a16:creationId xmlns:a16="http://schemas.microsoft.com/office/drawing/2014/main" id="{9F898FF2-8245-1022-2C60-577B6ABC3837}"/>
+                        </a:ext>
+                      </a:extLst>
+                    </p:cNvPr>
+                    <p:cNvSpPr txBox="1">
+                      <a:spLocks noRot="1" noChangeAspect="1" noMove="1" noResize="1" noEditPoints="1" noAdjustHandles="1" noChangeArrowheads="1" noChangeShapeType="1" noTextEdit="1"/>
+                    </p:cNvSpPr>
+                    <p:nvPr/>
+                  </p:nvSpPr>
+                  <p:spPr>
+                    <a:xfrm>
+                      <a:off x="5628325" y="1017708"/>
+                      <a:ext cx="381836" cy="369332"/>
+                    </a:xfrm>
+                    <a:prstGeom prst="rect">
+                      <a:avLst/>
+                    </a:prstGeom>
+                    <a:blipFill>
+                      <a:blip r:embed="rId14"/>
+                      <a:stretch>
+                        <a:fillRect/>
+                      </a:stretch>
+                    </a:blipFill>
+                  </p:spPr>
+                  <p:txBody>
+                    <a:bodyPr/>
+                    <a:lstStyle/>
+                    <a:p>
+                      <a:r>
+                        <a:rPr lang="id-ID">
+                          <a:noFill/>
+                        </a:rPr>
+                        <a:t> </a:t>
+                      </a:r>
+                    </a:p>
+                  </p:txBody>
+                </p:sp>
+              </mc:Fallback>
+            </mc:AlternateContent>
+            <p:sp>
+              <p:nvSpPr>
+                <p:cNvPr id="138" name="TextBox 137">
+                  <a:extLst>
+                    <a:ext uri="{FF2B5EF4-FFF2-40B4-BE49-F238E27FC236}">
+                      <a16:creationId xmlns:a16="http://schemas.microsoft.com/office/drawing/2014/main" id="{E701681B-6530-59F8-06C1-3DC6A094D0F3}"/>
+                    </a:ext>
+                  </a:extLst>
+                </p:cNvPr>
+                <p:cNvSpPr txBox="1"/>
+                <p:nvPr/>
+              </p:nvSpPr>
+              <p:spPr>
+                <a:xfrm>
+                  <a:off x="5482096" y="-33844"/>
+                  <a:ext cx="907621" cy="369332"/>
+                </a:xfrm>
+                <a:prstGeom prst="rect">
+                  <a:avLst/>
+                </a:prstGeom>
+                <a:noFill/>
+              </p:spPr>
+              <p:txBody>
+                <a:bodyPr wrap="none" rtlCol="0">
+                  <a:spAutoFit/>
+                </a:bodyPr>
+                <a:lstStyle/>
+                <a:p>
+                  <a:r>
+                    <a:rPr lang="en-US" b="1" dirty="0"/>
+                    <a:t>Y-north</a:t>
+                  </a:r>
+                  <a:endParaRPr lang="id-ID" b="1" dirty="0"/>
+                </a:p>
+              </p:txBody>
+            </p:sp>
+            <p:sp>
+              <p:nvSpPr>
+                <p:cNvPr id="139" name="TextBox 138">
+                  <a:extLst>
+                    <a:ext uri="{FF2B5EF4-FFF2-40B4-BE49-F238E27FC236}">
+                      <a16:creationId xmlns:a16="http://schemas.microsoft.com/office/drawing/2014/main" id="{0110CD49-CF70-2674-F975-2668EF5F88C2}"/>
+                    </a:ext>
+                  </a:extLst>
+                </p:cNvPr>
+                <p:cNvSpPr txBox="1"/>
+                <p:nvPr/>
+              </p:nvSpPr>
+              <p:spPr>
+                <a:xfrm>
+                  <a:off x="7086797" y="1462551"/>
+                  <a:ext cx="780022" cy="369332"/>
+                </a:xfrm>
+                <a:prstGeom prst="rect">
+                  <a:avLst/>
+                </a:prstGeom>
+                <a:noFill/>
+              </p:spPr>
+              <p:txBody>
+                <a:bodyPr wrap="none" rtlCol="0">
+                  <a:spAutoFit/>
+                </a:bodyPr>
+                <a:lstStyle/>
+                <a:p>
+                  <a:r>
+                    <a:rPr lang="en-US" b="1" dirty="0"/>
+                    <a:t>X-east</a:t>
+                  </a:r>
+                  <a:endParaRPr lang="id-ID" b="1" dirty="0"/>
+                </a:p>
+              </p:txBody>
+            </p:sp>
+          </p:grpSp>
+          <p:sp>
+            <p:nvSpPr>
+              <p:cNvPr id="179" name="TextBox 178">
+                <a:extLst>
+                  <a:ext uri="{FF2B5EF4-FFF2-40B4-BE49-F238E27FC236}">
+                    <a16:creationId xmlns:a16="http://schemas.microsoft.com/office/drawing/2014/main" id="{35280C35-7B7F-593A-E551-CB79C849B6AB}"/>
+                  </a:ext>
+                </a:extLst>
+              </p:cNvPr>
+              <p:cNvSpPr txBox="1"/>
+              <p:nvPr/>
+            </p:nvSpPr>
+            <p:spPr>
+              <a:xfrm>
+                <a:off x="1647575" y="3864383"/>
+                <a:ext cx="1264180" cy="369332"/>
+              </a:xfrm>
+              <a:prstGeom prst="rect">
+                <a:avLst/>
+              </a:prstGeom>
+              <a:noFill/>
+            </p:spPr>
+            <p:txBody>
+              <a:bodyPr wrap="square" rtlCol="0">
+                <a:spAutoFit/>
+              </a:bodyPr>
+              <a:lstStyle/>
+              <a:p>
+                <a:r>
+                  <a:rPr lang="en-US" dirty="0"/>
+                  <a:t>(ICC</a:t>
+                </a:r>
+                <a:r>
+                  <a:rPr lang="en-US" baseline="-25000" dirty="0"/>
+                  <a:t>X</a:t>
+                </a:r>
+                <a:r>
+                  <a:rPr lang="en-US" dirty="0"/>
+                  <a:t>, ICC</a:t>
+                </a:r>
+                <a:r>
+                  <a:rPr lang="en-US" baseline="-25000" dirty="0"/>
+                  <a:t>Y</a:t>
+                </a:r>
+                <a:r>
+                  <a:rPr lang="en-US" dirty="0"/>
+                  <a:t>)</a:t>
+                </a:r>
+                <a:endParaRPr lang="id-ID" dirty="0"/>
+              </a:p>
+            </p:txBody>
+          </p:sp>
+          <p:sp>
+            <p:nvSpPr>
+              <p:cNvPr id="180" name="TextBox 179">
+                <a:extLst>
+                  <a:ext uri="{FF2B5EF4-FFF2-40B4-BE49-F238E27FC236}">
+                    <a16:creationId xmlns:a16="http://schemas.microsoft.com/office/drawing/2014/main" id="{298CA5FD-0F3B-3B45-9DCB-5306DA149131}"/>
+                  </a:ext>
+                </a:extLst>
+              </p:cNvPr>
+              <p:cNvSpPr txBox="1"/>
+              <p:nvPr/>
+            </p:nvSpPr>
+            <p:spPr>
+              <a:xfrm>
+                <a:off x="2635835" y="2030951"/>
+                <a:ext cx="951850" cy="369332"/>
+              </a:xfrm>
+              <a:prstGeom prst="rect">
+                <a:avLst/>
+              </a:prstGeom>
+              <a:noFill/>
+            </p:spPr>
+            <p:txBody>
+              <a:bodyPr wrap="square" rtlCol="0">
+                <a:spAutoFit/>
+              </a:bodyPr>
+              <a:lstStyle/>
+              <a:p>
+                <a:r>
+                  <a:rPr lang="en-US" dirty="0"/>
+                  <a:t>(P</a:t>
+                </a:r>
+                <a:r>
+                  <a:rPr lang="en-US" baseline="-25000" dirty="0"/>
+                  <a:t>X</a:t>
+                </a:r>
+                <a:r>
+                  <a:rPr lang="en-US" dirty="0"/>
+                  <a:t>, P</a:t>
+                </a:r>
+                <a:r>
+                  <a:rPr lang="en-US" baseline="-25000" dirty="0"/>
+                  <a:t>Y</a:t>
+                </a:r>
+                <a:r>
+                  <a:rPr lang="en-US" dirty="0"/>
+                  <a:t>)</a:t>
+                </a:r>
+                <a:endParaRPr lang="id-ID" dirty="0"/>
+              </a:p>
+            </p:txBody>
+          </p:sp>
+          <p:sp>
+            <p:nvSpPr>
+              <p:cNvPr id="181" name="TextBox 180">
+                <a:extLst>
+                  <a:ext uri="{FF2B5EF4-FFF2-40B4-BE49-F238E27FC236}">
+                    <a16:creationId xmlns:a16="http://schemas.microsoft.com/office/drawing/2014/main" id="{97DE82BA-C401-4910-F62A-1F2DA9CBE9CD}"/>
+                  </a:ext>
+                </a:extLst>
+              </p:cNvPr>
+              <p:cNvSpPr txBox="1"/>
+              <p:nvPr/>
+            </p:nvSpPr>
+            <p:spPr>
+              <a:xfrm>
+                <a:off x="4907469" y="3629275"/>
+                <a:ext cx="1435996" cy="369332"/>
+              </a:xfrm>
+              <a:prstGeom prst="rect">
+                <a:avLst/>
+              </a:prstGeom>
+              <a:noFill/>
+            </p:spPr>
+            <p:txBody>
+              <a:bodyPr wrap="square" rtlCol="0">
+                <a:spAutoFit/>
+              </a:bodyPr>
+              <a:lstStyle/>
+              <a:p>
+                <a:r>
+                  <a:rPr lang="en-US" dirty="0"/>
+                  <a:t>(GPS</a:t>
+                </a:r>
+                <a:r>
+                  <a:rPr lang="en-US" baseline="-25000" dirty="0"/>
+                  <a:t>X</a:t>
+                </a:r>
+                <a:r>
+                  <a:rPr lang="en-US" dirty="0"/>
+                  <a:t>, GPS</a:t>
+                </a:r>
+                <a:r>
+                  <a:rPr lang="en-US" baseline="-25000" dirty="0"/>
+                  <a:t>Y</a:t>
+                </a:r>
+                <a:r>
+                  <a:rPr lang="en-US" dirty="0"/>
+                  <a:t>)</a:t>
+                </a:r>
+                <a:endParaRPr lang="id-ID" dirty="0"/>
+              </a:p>
+            </p:txBody>
+          </p:sp>
+          <p:sp>
+            <p:nvSpPr>
+              <p:cNvPr id="206" name="TextBox 205">
+                <a:extLst>
+                  <a:ext uri="{FF2B5EF4-FFF2-40B4-BE49-F238E27FC236}">
+                    <a16:creationId xmlns:a16="http://schemas.microsoft.com/office/drawing/2014/main" id="{3362C185-15EA-20F9-0DA5-5E87DD7F7BDA}"/>
+                  </a:ext>
+                </a:extLst>
+              </p:cNvPr>
+              <p:cNvSpPr txBox="1"/>
+              <p:nvPr/>
+            </p:nvSpPr>
+            <p:spPr>
+              <a:xfrm>
+                <a:off x="1883771" y="4809271"/>
+                <a:ext cx="562797" cy="369332"/>
+              </a:xfrm>
+              <a:prstGeom prst="rect">
+                <a:avLst/>
+              </a:prstGeom>
+              <a:noFill/>
+            </p:spPr>
+            <p:txBody>
+              <a:bodyPr wrap="square" rtlCol="0">
+                <a:spAutoFit/>
+              </a:bodyPr>
+              <a:lstStyle/>
+              <a:p>
+                <a:r>
+                  <a:rPr lang="en-US" dirty="0"/>
+                  <a:t>L1</a:t>
+                </a:r>
+                <a:endParaRPr lang="id-ID" dirty="0"/>
+              </a:p>
+            </p:txBody>
+          </p:sp>
+          <p:sp>
+            <p:nvSpPr>
+              <p:cNvPr id="207" name="TextBox 206">
+                <a:extLst>
+                  <a:ext uri="{FF2B5EF4-FFF2-40B4-BE49-F238E27FC236}">
+                    <a16:creationId xmlns:a16="http://schemas.microsoft.com/office/drawing/2014/main" id="{DA576F52-166D-453E-08C9-F7F32EFEDC76}"/>
+                  </a:ext>
+                </a:extLst>
+              </p:cNvPr>
+              <p:cNvSpPr txBox="1"/>
+              <p:nvPr/>
+            </p:nvSpPr>
+            <p:spPr>
+              <a:xfrm>
+                <a:off x="5420730" y="4557782"/>
+                <a:ext cx="562797" cy="369332"/>
+              </a:xfrm>
+              <a:prstGeom prst="rect">
+                <a:avLst/>
+              </a:prstGeom>
+              <a:noFill/>
+            </p:spPr>
+            <p:txBody>
+              <a:bodyPr wrap="square" rtlCol="0">
+                <a:spAutoFit/>
+              </a:bodyPr>
+              <a:lstStyle/>
+              <a:p>
+                <a:r>
+                  <a:rPr lang="en-US" dirty="0"/>
+                  <a:t>L2</a:t>
+                </a:r>
+                <a:endParaRPr lang="id-ID" dirty="0"/>
+              </a:p>
+            </p:txBody>
+          </p:sp>
+        </p:grpSp>
+        <p:sp>
+          <p:nvSpPr>
+            <p:cNvPr id="210" name="Arrow: Curved Up 209">
+              <a:extLst>
+                <a:ext uri="{FF2B5EF4-FFF2-40B4-BE49-F238E27FC236}">
+                  <a16:creationId xmlns:a16="http://schemas.microsoft.com/office/drawing/2014/main" id="{C38F8880-8919-87F2-4936-FFD0A97AC4B0}"/>
+                </a:ext>
+              </a:extLst>
+            </p:cNvPr>
+            <p:cNvSpPr/>
+            <p:nvPr/>
+          </p:nvSpPr>
+          <p:spPr>
+            <a:xfrm rot="11564338">
+              <a:off x="1130135" y="3559418"/>
+              <a:ext cx="759583" cy="322053"/>
+            </a:xfrm>
+            <a:prstGeom prst="curvedUpArrow">
+              <a:avLst>
+                <a:gd name="adj1" fmla="val 5240"/>
+                <a:gd name="adj2" fmla="val 23048"/>
+                <a:gd name="adj3" fmla="val 23306"/>
+              </a:avLst>
+            </a:prstGeom>
+            <a:solidFill>
+              <a:srgbClr val="00B050"/>
+            </a:solidFill>
+            <a:ln>
+              <a:solidFill>
+                <a:srgbClr val="00B050"/>
+              </a:solidFill>
+            </a:ln>
+          </p:spPr>
+          <p:style>
+            <a:lnRef idx="2">
+              <a:schemeClr val="accent1">
+                <a:shade val="50000"/>
+              </a:schemeClr>
+            </a:lnRef>
+            <a:fillRef idx="1">
+              <a:schemeClr val="accent1"/>
+            </a:fillRef>
+            <a:effectRef idx="0">
+              <a:schemeClr val="accent1"/>
+            </a:effectRef>
+            <a:fontRef idx="minor">
+              <a:schemeClr val="lt1"/>
+            </a:fontRef>
+          </p:style>
+          <p:txBody>
+            <a:bodyPr rtlCol="0" anchor="ctr"/>
+            <a:lstStyle/>
+            <a:p>
+              <a:pPr algn="ctr"/>
+              <a:endParaRPr lang="id-ID">
+                <a:solidFill>
+                  <a:srgbClr val="00B050"/>
+                </a:solidFill>
+              </a:endParaRPr>
+            </a:p>
+          </p:txBody>
+        </p:sp>
+        <mc:AlternateContent xmlns:mc="http://schemas.openxmlformats.org/markup-compatibility/2006" xmlns:a14="http://schemas.microsoft.com/office/drawing/2010/main">
+          <mc:Choice Requires="a14">
+            <p:sp>
+              <p:nvSpPr>
+                <p:cNvPr id="213" name="TextBox 212">
+                  <a:extLst>
+                    <a:ext uri="{FF2B5EF4-FFF2-40B4-BE49-F238E27FC236}">
+                      <a16:creationId xmlns:a16="http://schemas.microsoft.com/office/drawing/2014/main" id="{C98DC3C8-FEC7-2E3F-F346-4B5851789106}"/>
+                    </a:ext>
+                  </a:extLst>
+                </p:cNvPr>
+                <p:cNvSpPr txBox="1"/>
+                <p:nvPr/>
+              </p:nvSpPr>
+              <p:spPr>
+                <a:xfrm>
+                  <a:off x="1084887" y="3243938"/>
+                  <a:ext cx="421910" cy="369332"/>
+                </a:xfrm>
+                <a:prstGeom prst="rect">
+                  <a:avLst/>
+                </a:prstGeom>
+                <a:noFill/>
+              </p:spPr>
+              <p:txBody>
+                <a:bodyPr wrap="none" rtlCol="0">
+                  <a:spAutoFit/>
+                </a:bodyPr>
+                <a:lstStyle/>
+                <a:p>
+                  <a:pPr/>
+                  <a14:m>
+                    <m:oMathPara xmlns:m="http://schemas.openxmlformats.org/officeDocument/2006/math">
+                      <m:oMathParaPr>
+                        <m:jc m:val="centerGroup"/>
+                      </m:oMathParaPr>
+                      <m:oMath xmlns:m="http://schemas.openxmlformats.org/officeDocument/2006/math">
+                        <m:r>
+                          <a:rPr lang="en-US" b="1" i="1" dirty="0" smtClean="0">
+                            <a:solidFill>
+                              <a:srgbClr val="00B050"/>
+                            </a:solidFill>
+                            <a:latin typeface="Cambria Math" panose="02040503050406030204" pitchFamily="18" charset="0"/>
+                            <a:ea typeface="Cambria Math" panose="02040503050406030204" pitchFamily="18" charset="0"/>
+                          </a:rPr>
+                          <m:t>𝝎</m:t>
+                        </m:r>
+                      </m:oMath>
+                    </m:oMathPara>
+                  </a14:m>
+                  <a:endParaRPr lang="id-ID" b="1" dirty="0">
+                    <a:solidFill>
+                      <a:srgbClr val="00B050"/>
+                    </a:solidFill>
+                  </a:endParaRPr>
+                </a:p>
+              </p:txBody>
+            </p:sp>
+          </mc:Choice>
+          <mc:Fallback xmlns="">
+            <p:sp>
+              <p:nvSpPr>
+                <p:cNvPr id="213" name="TextBox 212">
+                  <a:extLst>
+                    <a:ext uri="{FF2B5EF4-FFF2-40B4-BE49-F238E27FC236}">
+                      <a16:creationId xmlns:a16="http://schemas.microsoft.com/office/drawing/2014/main" id="{C98DC3C8-FEC7-2E3F-F346-4B5851789106}"/>
+                    </a:ext>
+                  </a:extLst>
+                </p:cNvPr>
+                <p:cNvSpPr txBox="1">
+                  <a:spLocks noRot="1" noChangeAspect="1" noMove="1" noResize="1" noEditPoints="1" noAdjustHandles="1" noChangeArrowheads="1" noChangeShapeType="1" noTextEdit="1"/>
+                </p:cNvSpPr>
+                <p:nvPr/>
+              </p:nvSpPr>
+              <p:spPr>
+                <a:xfrm>
+                  <a:off x="1084887" y="3243938"/>
+                  <a:ext cx="421910" cy="369332"/>
+                </a:xfrm>
+                <a:prstGeom prst="rect">
+                  <a:avLst/>
+                </a:prstGeom>
+                <a:blipFill>
+                  <a:blip r:embed="rId15"/>
+                  <a:stretch>
+                    <a:fillRect/>
+                  </a:stretch>
+                </a:blipFill>
+              </p:spPr>
+              <p:txBody>
+                <a:bodyPr/>
+                <a:lstStyle/>
+                <a:p>
+                  <a:r>
+                    <a:rPr lang="id-ID">
+                      <a:noFill/>
+                    </a:rPr>
+                    <a:t> </a:t>
+                  </a:r>
+                </a:p>
+              </p:txBody>
+            </p:sp>
+          </mc:Fallback>
+        </mc:AlternateContent>
+      </p:grpSp>
+    </p:spTree>
+    <p:extLst>
+      <p:ext uri="{BB962C8B-B14F-4D97-AF65-F5344CB8AC3E}">
+        <p14:creationId xmlns:p14="http://schemas.microsoft.com/office/powerpoint/2010/main" val="1655736426"/>
+      </p:ext>
+    </p:extLst>
+  </p:cSld>
+  <p:clrMapOvr>
+    <a:masterClrMapping/>
+  </p:clrMapOvr>
+</p:sld>
+</file>
+
+<file path=ppt/slides/slide3.xml><?xml version="1.0" encoding="utf-8"?>
+<p:sld xmlns:a="http://schemas.openxmlformats.org/drawingml/2006/main" xmlns:r="http://schemas.openxmlformats.org/officeDocument/2006/relationships" xmlns:p="http://schemas.openxmlformats.org/presentationml/2006/main">
+  <p:cSld>
+    <p:spTree>
+      <p:nvGrpSpPr>
+        <p:cNvPr id="1" name=""/>
+        <p:cNvGrpSpPr/>
+        <p:nvPr/>
+      </p:nvGrpSpPr>
+      <p:grpSpPr>
+        <a:xfrm>
+          <a:off x="0" y="0"/>
+          <a:ext cx="0" cy="0"/>
+          <a:chOff x="0" y="0"/>
+          <a:chExt cx="0" cy="0"/>
+        </a:xfrm>
+      </p:grpSpPr>
+      <p:grpSp>
+        <p:nvGrpSpPr>
+          <p:cNvPr id="40" name="Group 39">
+            <a:extLst>
+              <a:ext uri="{FF2B5EF4-FFF2-40B4-BE49-F238E27FC236}">
+                <a16:creationId xmlns:a16="http://schemas.microsoft.com/office/drawing/2014/main" id="{6682F8AC-63ED-F07E-C89C-4869CCFC908E}"/>
+              </a:ext>
+            </a:extLst>
+          </p:cNvPr>
+          <p:cNvGrpSpPr/>
+          <p:nvPr/>
+        </p:nvGrpSpPr>
+        <p:grpSpPr>
+          <a:xfrm>
+            <a:off x="3444240" y="922351"/>
+            <a:ext cx="4053313" cy="4512174"/>
+            <a:chOff x="3444240" y="922351"/>
+            <a:chExt cx="4053313" cy="4512174"/>
+          </a:xfrm>
+        </p:grpSpPr>
+        <p:cxnSp>
+          <p:nvCxnSpPr>
+            <p:cNvPr id="9" name="Straight Arrow Connector 8">
+              <a:extLst>
+                <a:ext uri="{FF2B5EF4-FFF2-40B4-BE49-F238E27FC236}">
+                  <a16:creationId xmlns:a16="http://schemas.microsoft.com/office/drawing/2014/main" id="{A0D15A91-F0CD-F50E-6F51-E6D59845A741}"/>
+                </a:ext>
+              </a:extLst>
+            </p:cNvPr>
+            <p:cNvCxnSpPr>
+              <a:cxnSpLocks/>
+            </p:cNvCxnSpPr>
+            <p:nvPr/>
+          </p:nvCxnSpPr>
+          <p:spPr>
+            <a:xfrm>
+              <a:off x="4528524" y="4089595"/>
+              <a:ext cx="0" cy="1344930"/>
+            </a:xfrm>
+            <a:prstGeom prst="straightConnector1">
+              <a:avLst/>
+            </a:prstGeom>
+            <a:ln w="38100">
+              <a:solidFill>
+                <a:srgbClr val="FF0000"/>
+              </a:solidFill>
+              <a:prstDash val="sysDash"/>
+              <a:tailEnd type="triangle"/>
+            </a:ln>
+          </p:spPr>
+          <p:style>
+            <a:lnRef idx="1">
+              <a:schemeClr val="accent1"/>
+            </a:lnRef>
+            <a:fillRef idx="0">
+              <a:schemeClr val="accent1"/>
+            </a:fillRef>
+            <a:effectRef idx="0">
+              <a:schemeClr val="accent1"/>
+            </a:effectRef>
+            <a:fontRef idx="minor">
+              <a:schemeClr val="tx1"/>
+            </a:fontRef>
+          </p:style>
+        </p:cxnSp>
+        <p:grpSp>
+          <p:nvGrpSpPr>
+            <p:cNvPr id="22" name="Group 21">
+              <a:extLst>
+                <a:ext uri="{FF2B5EF4-FFF2-40B4-BE49-F238E27FC236}">
+                  <a16:creationId xmlns:a16="http://schemas.microsoft.com/office/drawing/2014/main" id="{05C4B079-5024-DFDD-A699-18BC7CF268C0}"/>
+                </a:ext>
+              </a:extLst>
+            </p:cNvPr>
+            <p:cNvGrpSpPr/>
+            <p:nvPr/>
+          </p:nvGrpSpPr>
+          <p:grpSpPr>
+            <a:xfrm>
+              <a:off x="3612641" y="1690096"/>
+              <a:ext cx="1872343" cy="2620647"/>
+              <a:chOff x="3612641" y="1690096"/>
+              <a:chExt cx="1872343" cy="2620647"/>
+            </a:xfrm>
+          </p:grpSpPr>
+          <p:sp>
+            <p:nvSpPr>
+              <p:cNvPr id="30" name="Isosceles Triangle 29">
+                <a:extLst>
+                  <a:ext uri="{FF2B5EF4-FFF2-40B4-BE49-F238E27FC236}">
+                    <a16:creationId xmlns:a16="http://schemas.microsoft.com/office/drawing/2014/main" id="{D7C8257B-43A8-5A25-6DBB-9CA53B19993B}"/>
+                  </a:ext>
+                </a:extLst>
+              </p:cNvPr>
+              <p:cNvSpPr/>
+              <p:nvPr/>
+            </p:nvSpPr>
+            <p:spPr>
+              <a:xfrm>
+                <a:off x="3631474" y="1690096"/>
+                <a:ext cx="1853510" cy="2424704"/>
+              </a:xfrm>
+              <a:prstGeom prst="triangle">
+                <a:avLst/>
+              </a:prstGeom>
+              <a:solidFill>
+                <a:schemeClr val="accent1">
+                  <a:alpha val="50000"/>
+                </a:schemeClr>
+              </a:solidFill>
+              <a:ln>
+                <a:noFill/>
+              </a:ln>
+            </p:spPr>
+            <p:style>
+              <a:lnRef idx="2">
+                <a:schemeClr val="accent1">
+                  <a:shade val="50000"/>
+                </a:schemeClr>
+              </a:lnRef>
+              <a:fillRef idx="1">
+                <a:schemeClr val="accent1"/>
+              </a:fillRef>
+              <a:effectRef idx="0">
+                <a:schemeClr val="accent1"/>
+              </a:effectRef>
+              <a:fontRef idx="minor">
+                <a:schemeClr val="lt1"/>
+              </a:fontRef>
+            </p:style>
+            <p:txBody>
+              <a:bodyPr rtlCol="0" anchor="ctr"/>
+              <a:lstStyle/>
+              <a:p>
+                <a:pPr algn="ctr"/>
+                <a:endParaRPr lang="id-ID" dirty="0"/>
+              </a:p>
+            </p:txBody>
+          </p:sp>
+          <p:cxnSp>
+            <p:nvCxnSpPr>
+              <p:cNvPr id="31" name="Straight Connector 30">
+                <a:extLst>
+                  <a:ext uri="{FF2B5EF4-FFF2-40B4-BE49-F238E27FC236}">
+                    <a16:creationId xmlns:a16="http://schemas.microsoft.com/office/drawing/2014/main" id="{48D9DC77-BAC5-4F3C-775B-EEC04BB7A420}"/>
+                  </a:ext>
+                </a:extLst>
+              </p:cNvPr>
+              <p:cNvCxnSpPr>
+                <a:stCxn id="30" idx="2"/>
+                <a:endCxn id="30" idx="4"/>
+              </p:cNvCxnSpPr>
+              <p:nvPr/>
+            </p:nvCxnSpPr>
+            <p:spPr>
+              <a:xfrm>
+                <a:off x="3631474" y="4114800"/>
+                <a:ext cx="1853510" cy="0"/>
+              </a:xfrm>
+              <a:prstGeom prst="line">
+                <a:avLst/>
+              </a:prstGeom>
+              <a:ln w="38100"/>
+            </p:spPr>
+            <p:style>
+              <a:lnRef idx="1">
+                <a:schemeClr val="accent1"/>
+              </a:lnRef>
+              <a:fillRef idx="0">
+                <a:schemeClr val="accent1"/>
+              </a:fillRef>
+              <a:effectRef idx="0">
+                <a:schemeClr val="accent1"/>
+              </a:effectRef>
+              <a:fontRef idx="minor">
+                <a:schemeClr val="tx1"/>
+              </a:fontRef>
+            </p:style>
+          </p:cxnSp>
+          <p:cxnSp>
+            <p:nvCxnSpPr>
+              <p:cNvPr id="32" name="Straight Connector 31">
+                <a:extLst>
+                  <a:ext uri="{FF2B5EF4-FFF2-40B4-BE49-F238E27FC236}">
+                    <a16:creationId xmlns:a16="http://schemas.microsoft.com/office/drawing/2014/main" id="{25716619-4F63-C3CC-ECB3-C061FE27F8CD}"/>
+                  </a:ext>
+                </a:extLst>
+              </p:cNvPr>
+              <p:cNvCxnSpPr>
+                <a:cxnSpLocks/>
+                <a:stCxn id="30" idx="3"/>
+                <a:endCxn id="30" idx="0"/>
+              </p:cNvCxnSpPr>
+              <p:nvPr/>
+            </p:nvCxnSpPr>
+            <p:spPr>
+              <a:xfrm flipV="1">
+                <a:off x="4558229" y="1690096"/>
+                <a:ext cx="0" cy="2424704"/>
+              </a:xfrm>
+              <a:prstGeom prst="line">
+                <a:avLst/>
+              </a:prstGeom>
+              <a:ln w="38100"/>
+            </p:spPr>
+            <p:style>
+              <a:lnRef idx="1">
+                <a:schemeClr val="accent1"/>
+              </a:lnRef>
+              <a:fillRef idx="0">
+                <a:schemeClr val="accent1"/>
+              </a:fillRef>
+              <a:effectRef idx="0">
+                <a:schemeClr val="accent1"/>
+              </a:effectRef>
+              <a:fontRef idx="minor">
+                <a:schemeClr val="tx1"/>
+              </a:fontRef>
+            </p:style>
+          </p:cxnSp>
+          <p:cxnSp>
+            <p:nvCxnSpPr>
+              <p:cNvPr id="33" name="Straight Connector 32">
+                <a:extLst>
+                  <a:ext uri="{FF2B5EF4-FFF2-40B4-BE49-F238E27FC236}">
+                    <a16:creationId xmlns:a16="http://schemas.microsoft.com/office/drawing/2014/main" id="{C97A1466-0618-E2F7-A58E-C2615D826460}"/>
+                  </a:ext>
+                </a:extLst>
+              </p:cNvPr>
+              <p:cNvCxnSpPr>
+                <a:cxnSpLocks/>
+              </p:cNvCxnSpPr>
+              <p:nvPr/>
+            </p:nvCxnSpPr>
+            <p:spPr>
+              <a:xfrm flipV="1">
+                <a:off x="5484984" y="3840480"/>
+                <a:ext cx="0" cy="470263"/>
+              </a:xfrm>
+              <a:prstGeom prst="line">
+                <a:avLst/>
+              </a:prstGeom>
+              <a:ln w="38100"/>
+            </p:spPr>
+            <p:style>
+              <a:lnRef idx="1">
+                <a:schemeClr val="accent1"/>
+              </a:lnRef>
+              <a:fillRef idx="0">
+                <a:schemeClr val="accent1"/>
+              </a:fillRef>
+              <a:effectRef idx="0">
+                <a:schemeClr val="accent1"/>
+              </a:effectRef>
+              <a:fontRef idx="minor">
+                <a:schemeClr val="tx1"/>
+              </a:fontRef>
+            </p:style>
+          </p:cxnSp>
+          <p:cxnSp>
+            <p:nvCxnSpPr>
+              <p:cNvPr id="34" name="Straight Connector 33">
+                <a:extLst>
+                  <a:ext uri="{FF2B5EF4-FFF2-40B4-BE49-F238E27FC236}">
+                    <a16:creationId xmlns:a16="http://schemas.microsoft.com/office/drawing/2014/main" id="{1EF49BB5-7E31-E5A0-89FE-C20D85050567}"/>
+                  </a:ext>
+                </a:extLst>
+              </p:cNvPr>
+              <p:cNvCxnSpPr>
+                <a:cxnSpLocks/>
+              </p:cNvCxnSpPr>
+              <p:nvPr/>
+            </p:nvCxnSpPr>
+            <p:spPr>
+              <a:xfrm flipV="1">
+                <a:off x="3612641" y="3840480"/>
+                <a:ext cx="0" cy="470263"/>
+              </a:xfrm>
+              <a:prstGeom prst="line">
+                <a:avLst/>
+              </a:prstGeom>
+              <a:ln w="38100"/>
+            </p:spPr>
+            <p:style>
+              <a:lnRef idx="1">
+                <a:schemeClr val="accent1"/>
+              </a:lnRef>
+              <a:fillRef idx="0">
+                <a:schemeClr val="accent1"/>
+              </a:fillRef>
+              <a:effectRef idx="0">
+                <a:schemeClr val="accent1"/>
+              </a:effectRef>
+              <a:fontRef idx="minor">
+                <a:schemeClr val="tx1"/>
+              </a:fontRef>
+            </p:style>
+          </p:cxnSp>
+        </p:grpSp>
+        <p:cxnSp>
+          <p:nvCxnSpPr>
+            <p:cNvPr id="24" name="Straight Arrow Connector 23">
+              <a:extLst>
+                <a:ext uri="{FF2B5EF4-FFF2-40B4-BE49-F238E27FC236}">
+                  <a16:creationId xmlns:a16="http://schemas.microsoft.com/office/drawing/2014/main" id="{BB85C1B2-4174-CDB9-60F1-B6E04E5D114F}"/>
+                </a:ext>
+              </a:extLst>
+            </p:cNvPr>
+            <p:cNvCxnSpPr/>
+            <p:nvPr/>
+          </p:nvCxnSpPr>
+          <p:spPr>
+            <a:xfrm>
+              <a:off x="3444240" y="3840480"/>
+              <a:ext cx="0" cy="470263"/>
+            </a:xfrm>
+            <a:prstGeom prst="straightConnector1">
+              <a:avLst/>
+            </a:prstGeom>
+            <a:ln w="38100">
+              <a:solidFill>
+                <a:srgbClr val="00B050"/>
+              </a:solidFill>
+              <a:tailEnd type="triangle"/>
+            </a:ln>
+          </p:spPr>
+          <p:style>
+            <a:lnRef idx="1">
+              <a:schemeClr val="accent1"/>
+            </a:lnRef>
+            <a:fillRef idx="0">
+              <a:schemeClr val="accent1"/>
+            </a:fillRef>
+            <a:effectRef idx="0">
+              <a:schemeClr val="accent1"/>
+            </a:effectRef>
+            <a:fontRef idx="minor">
+              <a:schemeClr val="tx1"/>
+            </a:fontRef>
+          </p:style>
+        </p:cxnSp>
+        <p:cxnSp>
+          <p:nvCxnSpPr>
+            <p:cNvPr id="26" name="Straight Connector 25">
+              <a:extLst>
+                <a:ext uri="{FF2B5EF4-FFF2-40B4-BE49-F238E27FC236}">
+                  <a16:creationId xmlns:a16="http://schemas.microsoft.com/office/drawing/2014/main" id="{9EAF41DC-ED29-C8B2-3810-3463E12D7937}"/>
+                </a:ext>
+              </a:extLst>
+            </p:cNvPr>
+            <p:cNvCxnSpPr>
+              <a:cxnSpLocks/>
+              <a:stCxn id="30" idx="3"/>
+            </p:cNvCxnSpPr>
+            <p:nvPr/>
+          </p:nvCxnSpPr>
+          <p:spPr>
+            <a:xfrm>
+              <a:off x="4558229" y="4114800"/>
+              <a:ext cx="2468173" cy="0"/>
+            </a:xfrm>
+            <a:prstGeom prst="line">
+              <a:avLst/>
+            </a:prstGeom>
+            <a:ln w="38100">
+              <a:prstDash val="solid"/>
+              <a:headEnd type="none" w="med" len="med"/>
+              <a:tailEnd type="triangle" w="med" len="med"/>
+            </a:ln>
+          </p:spPr>
+          <p:style>
+            <a:lnRef idx="1">
+              <a:schemeClr val="dk1"/>
+            </a:lnRef>
+            <a:fillRef idx="0">
+              <a:schemeClr val="dk1"/>
+            </a:fillRef>
+            <a:effectRef idx="0">
+              <a:schemeClr val="dk1"/>
+            </a:effectRef>
+            <a:fontRef idx="minor">
+              <a:schemeClr val="tx1"/>
+            </a:fontRef>
+          </p:style>
+        </p:cxnSp>
+        <p:sp>
+          <p:nvSpPr>
+            <p:cNvPr id="27" name="Oval 26">
+              <a:extLst>
+                <a:ext uri="{FF2B5EF4-FFF2-40B4-BE49-F238E27FC236}">
+                  <a16:creationId xmlns:a16="http://schemas.microsoft.com/office/drawing/2014/main" id="{8E5639BF-9658-73F0-A164-4D6E2C92C576}"/>
+                </a:ext>
+              </a:extLst>
+            </p:cNvPr>
+            <p:cNvSpPr/>
+            <p:nvPr/>
+          </p:nvSpPr>
+          <p:spPr>
+            <a:xfrm>
+              <a:off x="4507750" y="1639616"/>
+              <a:ext cx="100958" cy="100958"/>
+            </a:xfrm>
+            <a:prstGeom prst="ellipse">
+              <a:avLst/>
+            </a:prstGeom>
+          </p:spPr>
+          <p:style>
+            <a:lnRef idx="2">
+              <a:schemeClr val="dk1">
+                <a:shade val="50000"/>
+              </a:schemeClr>
+            </a:lnRef>
+            <a:fillRef idx="1">
+              <a:schemeClr val="dk1"/>
+            </a:fillRef>
+            <a:effectRef idx="0">
+              <a:schemeClr val="dk1"/>
+            </a:effectRef>
+            <a:fontRef idx="minor">
+              <a:schemeClr val="lt1"/>
+            </a:fontRef>
+          </p:style>
+          <p:txBody>
+            <a:bodyPr rtlCol="0" anchor="ctr"/>
+            <a:lstStyle/>
+            <a:p>
+              <a:pPr algn="ctr"/>
+              <a:endParaRPr lang="id-ID"/>
+            </a:p>
+          </p:txBody>
+        </p:sp>
+        <p:sp>
+          <p:nvSpPr>
+            <p:cNvPr id="29" name="Oval 28">
+              <a:extLst>
+                <a:ext uri="{FF2B5EF4-FFF2-40B4-BE49-F238E27FC236}">
+                  <a16:creationId xmlns:a16="http://schemas.microsoft.com/office/drawing/2014/main" id="{FE80CF07-351A-FFA8-24BD-6FCECEF8036A}"/>
+                </a:ext>
+              </a:extLst>
+            </p:cNvPr>
+            <p:cNvSpPr/>
+            <p:nvPr/>
+          </p:nvSpPr>
+          <p:spPr>
+            <a:xfrm>
+              <a:off x="6975923" y="4064321"/>
+              <a:ext cx="100958" cy="100958"/>
+            </a:xfrm>
+            <a:prstGeom prst="ellipse">
+              <a:avLst/>
+            </a:prstGeom>
+          </p:spPr>
+          <p:style>
+            <a:lnRef idx="2">
+              <a:schemeClr val="dk1">
+                <a:shade val="50000"/>
+              </a:schemeClr>
+            </a:lnRef>
+            <a:fillRef idx="1">
+              <a:schemeClr val="dk1"/>
+            </a:fillRef>
+            <a:effectRef idx="0">
+              <a:schemeClr val="dk1"/>
+            </a:effectRef>
+            <a:fontRef idx="minor">
+              <a:schemeClr val="lt1"/>
+            </a:fontRef>
+          </p:style>
+          <p:txBody>
+            <a:bodyPr rtlCol="0" anchor="ctr"/>
+            <a:lstStyle/>
+            <a:p>
+              <a:pPr algn="ctr"/>
+              <a:endParaRPr lang="id-ID"/>
+            </a:p>
+          </p:txBody>
+        </p:sp>
+        <p:sp>
+          <p:nvSpPr>
+            <p:cNvPr id="11" name="Arrow: Curved Up 10">
+              <a:extLst>
+                <a:ext uri="{FF2B5EF4-FFF2-40B4-BE49-F238E27FC236}">
+                  <a16:creationId xmlns:a16="http://schemas.microsoft.com/office/drawing/2014/main" id="{D01D5C1A-677B-E6DD-5030-41A2D8F2C48C}"/>
+                </a:ext>
+              </a:extLst>
+            </p:cNvPr>
+            <p:cNvSpPr/>
+            <p:nvPr/>
+          </p:nvSpPr>
+          <p:spPr>
+            <a:xfrm rot="3790008">
+              <a:off x="6657313" y="3961543"/>
+              <a:ext cx="662710" cy="409727"/>
+            </a:xfrm>
+            <a:prstGeom prst="curvedUpArrow">
+              <a:avLst>
+                <a:gd name="adj1" fmla="val 5240"/>
+                <a:gd name="adj2" fmla="val 16047"/>
+                <a:gd name="adj3" fmla="val 23306"/>
+              </a:avLst>
+            </a:prstGeom>
+            <a:solidFill>
+              <a:srgbClr val="00B050"/>
+            </a:solidFill>
+            <a:ln>
+              <a:solidFill>
+                <a:srgbClr val="00B050"/>
+              </a:solidFill>
+            </a:ln>
+          </p:spPr>
+          <p:style>
+            <a:lnRef idx="2">
+              <a:schemeClr val="accent1">
+                <a:shade val="50000"/>
+              </a:schemeClr>
+            </a:lnRef>
+            <a:fillRef idx="1">
+              <a:schemeClr val="accent1"/>
+            </a:fillRef>
+            <a:effectRef idx="0">
+              <a:schemeClr val="accent1"/>
+            </a:effectRef>
+            <a:fontRef idx="minor">
+              <a:schemeClr val="lt1"/>
+            </a:fontRef>
+          </p:style>
+          <p:txBody>
+            <a:bodyPr rtlCol="0" anchor="ctr"/>
+            <a:lstStyle/>
+            <a:p>
+              <a:pPr algn="ctr"/>
+              <a:endParaRPr lang="id-ID">
+                <a:solidFill>
+                  <a:schemeClr val="tx1"/>
+                </a:solidFill>
+              </a:endParaRPr>
+            </a:p>
+          </p:txBody>
+        </p:sp>
+        <p:cxnSp>
+          <p:nvCxnSpPr>
+            <p:cNvPr id="13" name="Straight Arrow Connector 12">
+              <a:extLst>
+                <a:ext uri="{FF2B5EF4-FFF2-40B4-BE49-F238E27FC236}">
+                  <a16:creationId xmlns:a16="http://schemas.microsoft.com/office/drawing/2014/main" id="{B24B33AA-75A9-97DB-ADA9-09B29048DE99}"/>
+                </a:ext>
+              </a:extLst>
+            </p:cNvPr>
+            <p:cNvCxnSpPr/>
+            <p:nvPr/>
+          </p:nvCxnSpPr>
+          <p:spPr>
+            <a:xfrm>
+              <a:off x="7331103" y="1690095"/>
+              <a:ext cx="0" cy="2435995"/>
+            </a:xfrm>
+            <a:prstGeom prst="straightConnector1">
+              <a:avLst/>
+            </a:prstGeom>
+            <a:ln w="19050">
+              <a:solidFill>
+                <a:schemeClr val="tx1"/>
+              </a:solidFill>
+              <a:headEnd type="arrow" w="med" len="med"/>
+              <a:tailEnd type="arrow" w="med" len="med"/>
+            </a:ln>
+          </p:spPr>
+          <p:style>
+            <a:lnRef idx="1">
+              <a:schemeClr val="accent1"/>
+            </a:lnRef>
+            <a:fillRef idx="0">
+              <a:schemeClr val="accent1"/>
+            </a:fillRef>
+            <a:effectRef idx="0">
+              <a:schemeClr val="accent1"/>
+            </a:effectRef>
+            <a:fontRef idx="minor">
+              <a:schemeClr val="tx1"/>
+            </a:fontRef>
+          </p:style>
+        </p:cxnSp>
+        <p:cxnSp>
+          <p:nvCxnSpPr>
+            <p:cNvPr id="14" name="Straight Arrow Connector 13">
+              <a:extLst>
+                <a:ext uri="{FF2B5EF4-FFF2-40B4-BE49-F238E27FC236}">
+                  <a16:creationId xmlns:a16="http://schemas.microsoft.com/office/drawing/2014/main" id="{FAEFD068-E53F-580A-6D38-B058CFF7FFFE}"/>
+                </a:ext>
+              </a:extLst>
+            </p:cNvPr>
+            <p:cNvCxnSpPr>
+              <a:cxnSpLocks/>
+            </p:cNvCxnSpPr>
+            <p:nvPr/>
+          </p:nvCxnSpPr>
+          <p:spPr>
+            <a:xfrm>
+              <a:off x="3612641" y="1063487"/>
+              <a:ext cx="1872343" cy="0"/>
+            </a:xfrm>
+            <a:prstGeom prst="straightConnector1">
+              <a:avLst/>
+            </a:prstGeom>
+            <a:ln w="19050">
+              <a:solidFill>
+                <a:schemeClr val="tx1"/>
+              </a:solidFill>
+              <a:headEnd type="arrow" w="med" len="med"/>
+              <a:tailEnd type="arrow" w="med" len="med"/>
+            </a:ln>
+          </p:spPr>
+          <p:style>
+            <a:lnRef idx="1">
+              <a:schemeClr val="accent1"/>
+            </a:lnRef>
+            <a:fillRef idx="0">
+              <a:schemeClr val="accent1"/>
+            </a:fillRef>
+            <a:effectRef idx="0">
+              <a:schemeClr val="accent1"/>
+            </a:effectRef>
+            <a:fontRef idx="minor">
+              <a:schemeClr val="tx1"/>
+            </a:fontRef>
+          </p:style>
+        </p:cxnSp>
+        <p:cxnSp>
+          <p:nvCxnSpPr>
+            <p:cNvPr id="25" name="Straight Arrow Connector 24">
+              <a:extLst>
+                <a:ext uri="{FF2B5EF4-FFF2-40B4-BE49-F238E27FC236}">
+                  <a16:creationId xmlns:a16="http://schemas.microsoft.com/office/drawing/2014/main" id="{C0431D82-63AB-2698-8D5E-4211030C9188}"/>
+                </a:ext>
+              </a:extLst>
+            </p:cNvPr>
+            <p:cNvCxnSpPr>
+              <a:cxnSpLocks/>
+              <a:stCxn id="30" idx="3"/>
+            </p:cNvCxnSpPr>
+            <p:nvPr/>
+          </p:nvCxnSpPr>
+          <p:spPr>
+            <a:xfrm>
+              <a:off x="4558229" y="4114800"/>
+              <a:ext cx="0" cy="1005840"/>
+            </a:xfrm>
+            <a:prstGeom prst="straightConnector1">
+              <a:avLst/>
+            </a:prstGeom>
+            <a:ln w="38100">
+              <a:solidFill>
+                <a:srgbClr val="00B050"/>
+              </a:solidFill>
+              <a:tailEnd type="triangle"/>
+            </a:ln>
+          </p:spPr>
+          <p:style>
+            <a:lnRef idx="1">
+              <a:schemeClr val="accent1"/>
+            </a:lnRef>
+            <a:fillRef idx="0">
+              <a:schemeClr val="accent1"/>
+            </a:fillRef>
+            <a:effectRef idx="0">
+              <a:schemeClr val="accent1"/>
+            </a:effectRef>
+            <a:fontRef idx="minor">
+              <a:schemeClr val="tx1"/>
+            </a:fontRef>
+          </p:style>
+        </p:cxnSp>
+        <p:cxnSp>
+          <p:nvCxnSpPr>
+            <p:cNvPr id="18" name="Straight Arrow Connector 17">
+              <a:extLst>
+                <a:ext uri="{FF2B5EF4-FFF2-40B4-BE49-F238E27FC236}">
+                  <a16:creationId xmlns:a16="http://schemas.microsoft.com/office/drawing/2014/main" id="{30DC2343-3CA6-F68D-5C24-6DD95A581576}"/>
+                </a:ext>
+              </a:extLst>
+            </p:cNvPr>
+            <p:cNvCxnSpPr>
+              <a:cxnSpLocks/>
+            </p:cNvCxnSpPr>
+            <p:nvPr/>
+          </p:nvCxnSpPr>
+          <p:spPr>
+            <a:xfrm>
+              <a:off x="5484984" y="922351"/>
+              <a:ext cx="0" cy="3167244"/>
+            </a:xfrm>
+            <a:prstGeom prst="straightConnector1">
+              <a:avLst/>
+            </a:prstGeom>
+            <a:ln w="19050">
+              <a:solidFill>
+                <a:schemeClr val="tx1"/>
+              </a:solidFill>
+              <a:headEnd type="none" w="med" len="med"/>
+              <a:tailEnd type="none" w="med" len="med"/>
+            </a:ln>
+          </p:spPr>
+          <p:style>
+            <a:lnRef idx="1">
+              <a:schemeClr val="accent1"/>
+            </a:lnRef>
+            <a:fillRef idx="0">
+              <a:schemeClr val="accent1"/>
+            </a:fillRef>
+            <a:effectRef idx="0">
+              <a:schemeClr val="accent1"/>
+            </a:effectRef>
+            <a:fontRef idx="minor">
+              <a:schemeClr val="tx1"/>
+            </a:fontRef>
+          </p:style>
+        </p:cxnSp>
+        <p:cxnSp>
+          <p:nvCxnSpPr>
+            <p:cNvPr id="19" name="Straight Arrow Connector 18">
+              <a:extLst>
+                <a:ext uri="{FF2B5EF4-FFF2-40B4-BE49-F238E27FC236}">
+                  <a16:creationId xmlns:a16="http://schemas.microsoft.com/office/drawing/2014/main" id="{ECEF75A6-EF7C-3998-EFE4-3C3DF915CC08}"/>
+                </a:ext>
+              </a:extLst>
+            </p:cNvPr>
+            <p:cNvCxnSpPr>
+              <a:cxnSpLocks/>
+            </p:cNvCxnSpPr>
+            <p:nvPr/>
+          </p:nvCxnSpPr>
+          <p:spPr>
+            <a:xfrm>
+              <a:off x="3612550" y="922351"/>
+              <a:ext cx="0" cy="3167244"/>
+            </a:xfrm>
+            <a:prstGeom prst="straightConnector1">
+              <a:avLst/>
+            </a:prstGeom>
+            <a:ln w="19050">
+              <a:solidFill>
+                <a:schemeClr val="tx1"/>
+              </a:solidFill>
+              <a:headEnd type="none" w="med" len="med"/>
+              <a:tailEnd type="none" w="med" len="med"/>
+            </a:ln>
+          </p:spPr>
+          <p:style>
+            <a:lnRef idx="1">
+              <a:schemeClr val="accent1"/>
+            </a:lnRef>
+            <a:fillRef idx="0">
+              <a:schemeClr val="accent1"/>
+            </a:fillRef>
+            <a:effectRef idx="0">
+              <a:schemeClr val="accent1"/>
+            </a:effectRef>
+            <a:fontRef idx="minor">
+              <a:schemeClr val="tx1"/>
+            </a:fontRef>
+          </p:style>
+        </p:cxnSp>
+        <p:cxnSp>
+          <p:nvCxnSpPr>
+            <p:cNvPr id="20" name="Straight Arrow Connector 19">
+              <a:extLst>
+                <a:ext uri="{FF2B5EF4-FFF2-40B4-BE49-F238E27FC236}">
+                  <a16:creationId xmlns:a16="http://schemas.microsoft.com/office/drawing/2014/main" id="{DC0DF626-B99E-DE2F-FA41-45970F14E4B4}"/>
+                </a:ext>
+              </a:extLst>
+            </p:cNvPr>
+            <p:cNvCxnSpPr>
+              <a:cxnSpLocks/>
+            </p:cNvCxnSpPr>
+            <p:nvPr/>
+          </p:nvCxnSpPr>
+          <p:spPr>
+            <a:xfrm>
+              <a:off x="4518999" y="1690095"/>
+              <a:ext cx="2939324" cy="0"/>
+            </a:xfrm>
+            <a:prstGeom prst="straightConnector1">
+              <a:avLst/>
+            </a:prstGeom>
+            <a:ln w="19050">
+              <a:solidFill>
+                <a:schemeClr val="tx1"/>
+              </a:solidFill>
+              <a:headEnd type="none" w="med" len="med"/>
+              <a:tailEnd type="none" w="med" len="med"/>
+            </a:ln>
+          </p:spPr>
+          <p:style>
+            <a:lnRef idx="1">
+              <a:schemeClr val="accent1"/>
+            </a:lnRef>
+            <a:fillRef idx="0">
+              <a:schemeClr val="accent1"/>
+            </a:fillRef>
+            <a:effectRef idx="0">
+              <a:schemeClr val="accent1"/>
+            </a:effectRef>
+            <a:fontRef idx="minor">
+              <a:schemeClr val="tx1"/>
+            </a:fontRef>
+          </p:style>
+        </p:cxnSp>
+        <p:cxnSp>
+          <p:nvCxnSpPr>
+            <p:cNvPr id="21" name="Straight Arrow Connector 20">
+              <a:extLst>
+                <a:ext uri="{FF2B5EF4-FFF2-40B4-BE49-F238E27FC236}">
+                  <a16:creationId xmlns:a16="http://schemas.microsoft.com/office/drawing/2014/main" id="{A212A266-9674-02A7-CCEA-B2C9FFA61D36}"/>
+                </a:ext>
+              </a:extLst>
+            </p:cNvPr>
+            <p:cNvCxnSpPr>
+              <a:cxnSpLocks/>
+            </p:cNvCxnSpPr>
+            <p:nvPr/>
+          </p:nvCxnSpPr>
+          <p:spPr>
+            <a:xfrm>
+              <a:off x="4558229" y="4126299"/>
+              <a:ext cx="2939324" cy="0"/>
+            </a:xfrm>
+            <a:prstGeom prst="straightConnector1">
+              <a:avLst/>
+            </a:prstGeom>
+            <a:ln w="19050">
+              <a:solidFill>
+                <a:schemeClr val="tx1"/>
+              </a:solidFill>
+              <a:headEnd type="none" w="med" len="med"/>
+              <a:tailEnd type="none" w="med" len="med"/>
+            </a:ln>
+          </p:spPr>
+          <p:style>
+            <a:lnRef idx="1">
+              <a:schemeClr val="accent1"/>
+            </a:lnRef>
+            <a:fillRef idx="0">
+              <a:schemeClr val="accent1"/>
+            </a:fillRef>
+            <a:effectRef idx="0">
+              <a:schemeClr val="accent1"/>
+            </a:effectRef>
+            <a:fontRef idx="minor">
+              <a:schemeClr val="tx1"/>
+            </a:fontRef>
+          </p:style>
+        </p:cxnSp>
+        <p:cxnSp>
+          <p:nvCxnSpPr>
+            <p:cNvPr id="12" name="Straight Arrow Connector 11">
+              <a:extLst>
+                <a:ext uri="{FF2B5EF4-FFF2-40B4-BE49-F238E27FC236}">
+                  <a16:creationId xmlns:a16="http://schemas.microsoft.com/office/drawing/2014/main" id="{53586BA1-F1AA-A6D2-4D82-8E6517042FDC}"/>
+                </a:ext>
+              </a:extLst>
+            </p:cNvPr>
+            <p:cNvCxnSpPr>
+              <a:cxnSpLocks/>
+            </p:cNvCxnSpPr>
+            <p:nvPr/>
+          </p:nvCxnSpPr>
+          <p:spPr>
+            <a:xfrm>
+              <a:off x="4540989" y="4141330"/>
+              <a:ext cx="1639789" cy="0"/>
+            </a:xfrm>
+            <a:prstGeom prst="straightConnector1">
+              <a:avLst/>
+            </a:prstGeom>
+            <a:ln w="38100">
+              <a:solidFill>
+                <a:srgbClr val="FF0000"/>
+              </a:solidFill>
+              <a:prstDash val="sysDash"/>
+              <a:tailEnd type="triangle"/>
+            </a:ln>
+          </p:spPr>
+          <p:style>
+            <a:lnRef idx="1">
+              <a:schemeClr val="accent1"/>
+            </a:lnRef>
+            <a:fillRef idx="0">
+              <a:schemeClr val="accent1"/>
+            </a:fillRef>
+            <a:effectRef idx="0">
+              <a:schemeClr val="accent1"/>
+            </a:effectRef>
+            <a:fontRef idx="minor">
+              <a:schemeClr val="tx1"/>
+            </a:fontRef>
+          </p:style>
+        </p:cxnSp>
+        <p:cxnSp>
+          <p:nvCxnSpPr>
+            <p:cNvPr id="23" name="Straight Arrow Connector 22">
+              <a:extLst>
+                <a:ext uri="{FF2B5EF4-FFF2-40B4-BE49-F238E27FC236}">
+                  <a16:creationId xmlns:a16="http://schemas.microsoft.com/office/drawing/2014/main" id="{708B44B2-C5A4-9183-E0CE-0617FCD5A3F6}"/>
+                </a:ext>
+              </a:extLst>
+            </p:cNvPr>
+            <p:cNvCxnSpPr/>
+            <p:nvPr/>
+          </p:nvCxnSpPr>
+          <p:spPr>
+            <a:xfrm>
+              <a:off x="5669279" y="3840480"/>
+              <a:ext cx="0" cy="470263"/>
+            </a:xfrm>
+            <a:prstGeom prst="straightConnector1">
+              <a:avLst/>
+            </a:prstGeom>
+            <a:ln w="38100">
+              <a:solidFill>
+                <a:srgbClr val="00B050"/>
+              </a:solidFill>
+              <a:tailEnd type="triangle"/>
+            </a:ln>
+          </p:spPr>
+          <p:style>
+            <a:lnRef idx="1">
+              <a:schemeClr val="accent1"/>
+            </a:lnRef>
+            <a:fillRef idx="0">
+              <a:schemeClr val="accent1"/>
+            </a:fillRef>
+            <a:effectRef idx="0">
+              <a:schemeClr val="accent1"/>
+            </a:effectRef>
+            <a:fontRef idx="minor">
+              <a:schemeClr val="tx1"/>
+            </a:fontRef>
+          </p:style>
+        </p:cxnSp>
+        <p:sp>
+          <p:nvSpPr>
+            <p:cNvPr id="28" name="Oval 27">
+              <a:extLst>
+                <a:ext uri="{FF2B5EF4-FFF2-40B4-BE49-F238E27FC236}">
+                  <a16:creationId xmlns:a16="http://schemas.microsoft.com/office/drawing/2014/main" id="{BE65C74B-2402-5442-D360-24AF4FECA84A}"/>
+                </a:ext>
+              </a:extLst>
+            </p:cNvPr>
+            <p:cNvSpPr/>
+            <p:nvPr/>
+          </p:nvSpPr>
+          <p:spPr>
+            <a:xfrm>
+              <a:off x="4503853" y="4075611"/>
+              <a:ext cx="100958" cy="100958"/>
+            </a:xfrm>
+            <a:prstGeom prst="ellipse">
+              <a:avLst/>
+            </a:prstGeom>
+          </p:spPr>
+          <p:style>
+            <a:lnRef idx="2">
+              <a:schemeClr val="dk1">
+                <a:shade val="50000"/>
+              </a:schemeClr>
+            </a:lnRef>
+            <a:fillRef idx="1">
+              <a:schemeClr val="dk1"/>
+            </a:fillRef>
+            <a:effectRef idx="0">
+              <a:schemeClr val="dk1"/>
+            </a:effectRef>
+            <a:fontRef idx="minor">
+              <a:schemeClr val="lt1"/>
+            </a:fontRef>
+          </p:style>
+          <p:txBody>
+            <a:bodyPr rtlCol="0" anchor="ctr"/>
+            <a:lstStyle/>
+            <a:p>
+              <a:pPr algn="ctr"/>
+              <a:endParaRPr lang="id-ID"/>
+            </a:p>
+          </p:txBody>
+        </p:sp>
+      </p:grpSp>
+      <p:grpSp>
+        <p:nvGrpSpPr>
+          <p:cNvPr id="43" name="Group 42">
+            <a:extLst>
+              <a:ext uri="{FF2B5EF4-FFF2-40B4-BE49-F238E27FC236}">
+                <a16:creationId xmlns:a16="http://schemas.microsoft.com/office/drawing/2014/main" id="{3ABD7CAE-D932-A02D-2A53-05FD45A4E187}"/>
+              </a:ext>
+            </a:extLst>
+          </p:cNvPr>
+          <p:cNvGrpSpPr/>
+          <p:nvPr/>
+        </p:nvGrpSpPr>
+        <p:grpSpPr>
+          <a:xfrm>
+            <a:off x="1469094" y="4310743"/>
+            <a:ext cx="1652254" cy="1344930"/>
+            <a:chOff x="1469094" y="4310743"/>
+            <a:chExt cx="1652254" cy="1344930"/>
+          </a:xfrm>
+        </p:grpSpPr>
+        <p:cxnSp>
+          <p:nvCxnSpPr>
+            <p:cNvPr id="41" name="Straight Arrow Connector 40">
+              <a:extLst>
+                <a:ext uri="{FF2B5EF4-FFF2-40B4-BE49-F238E27FC236}">
+                  <a16:creationId xmlns:a16="http://schemas.microsoft.com/office/drawing/2014/main" id="{54AE0EA5-F811-0C92-FDD4-013FC6762349}"/>
+                </a:ext>
+              </a:extLst>
+            </p:cNvPr>
+            <p:cNvCxnSpPr>
+              <a:cxnSpLocks/>
+            </p:cNvCxnSpPr>
+            <p:nvPr/>
+          </p:nvCxnSpPr>
+          <p:spPr>
+            <a:xfrm>
+              <a:off x="1469094" y="4310743"/>
+              <a:ext cx="0" cy="1344930"/>
+            </a:xfrm>
+            <a:prstGeom prst="straightConnector1">
+              <a:avLst/>
+            </a:prstGeom>
+            <a:ln w="38100">
+              <a:solidFill>
+                <a:schemeClr val="tx1"/>
+              </a:solidFill>
+              <a:prstDash val="sysDash"/>
+              <a:tailEnd type="triangle"/>
+            </a:ln>
+          </p:spPr>
+          <p:style>
+            <a:lnRef idx="1">
+              <a:schemeClr val="accent1"/>
+            </a:lnRef>
+            <a:fillRef idx="0">
+              <a:schemeClr val="accent1"/>
+            </a:fillRef>
+            <a:effectRef idx="0">
+              <a:schemeClr val="accent1"/>
+            </a:effectRef>
+            <a:fontRef idx="minor">
+              <a:schemeClr val="tx1"/>
+            </a:fontRef>
+          </p:style>
+        </p:cxnSp>
+        <p:cxnSp>
+          <p:nvCxnSpPr>
+            <p:cNvPr id="42" name="Straight Arrow Connector 41">
+              <a:extLst>
+                <a:ext uri="{FF2B5EF4-FFF2-40B4-BE49-F238E27FC236}">
+                  <a16:creationId xmlns:a16="http://schemas.microsoft.com/office/drawing/2014/main" id="{2ED73663-C890-9882-0BC7-77D4531E593C}"/>
+                </a:ext>
+              </a:extLst>
+            </p:cNvPr>
+            <p:cNvCxnSpPr>
+              <a:cxnSpLocks/>
+            </p:cNvCxnSpPr>
+            <p:nvPr/>
+          </p:nvCxnSpPr>
+          <p:spPr>
+            <a:xfrm>
+              <a:off x="1481559" y="4328188"/>
+              <a:ext cx="1639789" cy="0"/>
+            </a:xfrm>
+            <a:prstGeom prst="straightConnector1">
+              <a:avLst/>
+            </a:prstGeom>
+            <a:ln w="38100">
+              <a:solidFill>
+                <a:schemeClr val="tx1"/>
+              </a:solidFill>
+              <a:prstDash val="sysDash"/>
+              <a:tailEnd type="triangle"/>
+            </a:ln>
+          </p:spPr>
+          <p:style>
+            <a:lnRef idx="1">
+              <a:schemeClr val="accent1"/>
+            </a:lnRef>
+            <a:fillRef idx="0">
+              <a:schemeClr val="accent1"/>
+            </a:fillRef>
+            <a:effectRef idx="0">
+              <a:schemeClr val="accent1"/>
+            </a:effectRef>
+            <a:fontRef idx="minor">
+              <a:schemeClr val="tx1"/>
+            </a:fontRef>
+          </p:style>
+        </p:cxnSp>
+      </p:grpSp>
+      <p:sp>
+        <p:nvSpPr>
+          <p:cNvPr id="44" name="Arrow: Curved Up 43">
+            <a:extLst>
+              <a:ext uri="{FF2B5EF4-FFF2-40B4-BE49-F238E27FC236}">
+                <a16:creationId xmlns:a16="http://schemas.microsoft.com/office/drawing/2014/main" id="{DF2FA0CD-F731-D5E6-B951-8C6721FAF9E2}"/>
+              </a:ext>
+            </a:extLst>
+          </p:cNvPr>
+          <p:cNvSpPr/>
+          <p:nvPr/>
+        </p:nvSpPr>
+        <p:spPr>
+          <a:xfrm rot="2931427">
+            <a:off x="8242032" y="2981500"/>
+            <a:ext cx="2675579" cy="1365175"/>
+          </a:xfrm>
+          <a:prstGeom prst="curvedUpArrow">
+            <a:avLst>
+              <a:gd name="adj1" fmla="val 927"/>
+              <a:gd name="adj2" fmla="val 5172"/>
+              <a:gd name="adj3" fmla="val 4744"/>
+            </a:avLst>
+          </a:prstGeom>
+          <a:solidFill>
+            <a:srgbClr val="00B050"/>
+          </a:solidFill>
+          <a:ln>
+            <a:solidFill>
+              <a:srgbClr val="00B050"/>
+            </a:solidFill>
+          </a:ln>
+        </p:spPr>
+        <p:style>
+          <a:lnRef idx="2">
+            <a:schemeClr val="accent1">
+              <a:shade val="50000"/>
+            </a:schemeClr>
+          </a:lnRef>
+          <a:fillRef idx="1">
+            <a:schemeClr val="accent1"/>
+          </a:fillRef>
+          <a:effectRef idx="0">
+            <a:schemeClr val="accent1"/>
+          </a:effectRef>
+          <a:fontRef idx="minor">
+            <a:schemeClr val="lt1"/>
+          </a:fontRef>
+        </p:style>
+        <p:txBody>
+          <a:bodyPr rtlCol="0" anchor="ctr"/>
+          <a:lstStyle/>
+          <a:p>
+            <a:pPr algn="ctr"/>
+            <a:endParaRPr lang="id-ID">
+              <a:solidFill>
+                <a:srgbClr val="00B050"/>
+              </a:solidFill>
+            </a:endParaRPr>
+          </a:p>
+        </p:txBody>
+      </p:sp>
+      <p:sp>
+        <p:nvSpPr>
+          <p:cNvPr id="2" name="Oval 1">
+            <a:extLst>
+              <a:ext uri="{FF2B5EF4-FFF2-40B4-BE49-F238E27FC236}">
+                <a16:creationId xmlns:a16="http://schemas.microsoft.com/office/drawing/2014/main" id="{AC3766EF-6C56-1231-9F82-F0CC10295DD3}"/>
+              </a:ext>
+            </a:extLst>
+          </p:cNvPr>
+          <p:cNvSpPr/>
+          <p:nvPr/>
+        </p:nvSpPr>
+        <p:spPr>
+          <a:xfrm>
+            <a:off x="1294739" y="-1321879"/>
+            <a:ext cx="11765653" cy="11765653"/>
+          </a:xfrm>
+          <a:prstGeom prst="ellipse">
+            <a:avLst/>
+          </a:prstGeom>
+          <a:noFill/>
+          <a:ln w="3175">
+            <a:solidFill>
+              <a:schemeClr val="tx1"/>
+            </a:solidFill>
+          </a:ln>
+        </p:spPr>
+        <p:style>
+          <a:lnRef idx="2">
+            <a:schemeClr val="accent1">
+              <a:shade val="50000"/>
+            </a:schemeClr>
+          </a:lnRef>
+          <a:fillRef idx="1">
+            <a:schemeClr val="accent1"/>
+          </a:fillRef>
+          <a:effectRef idx="0">
+            <a:schemeClr val="accent1"/>
+          </a:effectRef>
+          <a:fontRef idx="minor">
+            <a:schemeClr val="lt1"/>
+          </a:fontRef>
+        </p:style>
+        <p:txBody>
+          <a:bodyPr rtlCol="0" anchor="ctr"/>
+          <a:lstStyle/>
+          <a:p>
+            <a:pPr algn="ctr"/>
+            <a:endParaRPr lang="id-ID"/>
+          </a:p>
+        </p:txBody>
+      </p:sp>
+      <p:sp>
+        <p:nvSpPr>
+          <p:cNvPr id="3" name="Arrow: Curved Up 2">
+            <a:extLst>
+              <a:ext uri="{FF2B5EF4-FFF2-40B4-BE49-F238E27FC236}">
+                <a16:creationId xmlns:a16="http://schemas.microsoft.com/office/drawing/2014/main" id="{B2CF6B1B-D340-52AA-2AFC-8C861DD6CD6D}"/>
+              </a:ext>
+            </a:extLst>
+          </p:cNvPr>
+          <p:cNvSpPr/>
+          <p:nvPr/>
+        </p:nvSpPr>
+        <p:spPr>
+          <a:xfrm rot="15537157">
+            <a:off x="8136532" y="1556743"/>
+            <a:ext cx="603886" cy="302124"/>
+          </a:xfrm>
+          <a:prstGeom prst="curvedUpArrow">
+            <a:avLst>
+              <a:gd name="adj1" fmla="val 5240"/>
+              <a:gd name="adj2" fmla="val 23048"/>
+              <a:gd name="adj3" fmla="val 23306"/>
+            </a:avLst>
+          </a:prstGeom>
+          <a:solidFill>
+            <a:srgbClr val="00B050"/>
+          </a:solidFill>
+          <a:ln>
+            <a:solidFill>
+              <a:srgbClr val="00B050"/>
+            </a:solidFill>
+          </a:ln>
+        </p:spPr>
+        <p:style>
+          <a:lnRef idx="2">
+            <a:schemeClr val="accent1">
+              <a:shade val="50000"/>
+            </a:schemeClr>
+          </a:lnRef>
+          <a:fillRef idx="1">
+            <a:schemeClr val="accent1"/>
+          </a:fillRef>
+          <a:effectRef idx="0">
+            <a:schemeClr val="accent1"/>
+          </a:effectRef>
+          <a:fontRef idx="minor">
+            <a:schemeClr val="lt1"/>
+          </a:fontRef>
+        </p:style>
+        <p:txBody>
+          <a:bodyPr rtlCol="0" anchor="ctr"/>
+          <a:lstStyle/>
+          <a:p>
+            <a:pPr algn="ctr"/>
+            <a:endParaRPr lang="id-ID">
+              <a:solidFill>
+                <a:srgbClr val="00B050"/>
+              </a:solidFill>
+            </a:endParaRPr>
+          </a:p>
+        </p:txBody>
+      </p:sp>
+      <p:sp>
+        <p:nvSpPr>
+          <p:cNvPr id="4" name="Arrow: Curved Up 3">
+            <a:extLst>
+              <a:ext uri="{FF2B5EF4-FFF2-40B4-BE49-F238E27FC236}">
+                <a16:creationId xmlns:a16="http://schemas.microsoft.com/office/drawing/2014/main" id="{2F52BEA1-7A70-6FA4-78BF-BDB00E3E8DEC}"/>
+              </a:ext>
+            </a:extLst>
+          </p:cNvPr>
+          <p:cNvSpPr/>
+          <p:nvPr/>
+        </p:nvSpPr>
+        <p:spPr>
+          <a:xfrm rot="17065787">
+            <a:off x="8271759" y="2352920"/>
+            <a:ext cx="603886" cy="302124"/>
+          </a:xfrm>
+          <a:prstGeom prst="curvedUpArrow">
+            <a:avLst>
+              <a:gd name="adj1" fmla="val 5240"/>
+              <a:gd name="adj2" fmla="val 23048"/>
+              <a:gd name="adj3" fmla="val 23306"/>
+            </a:avLst>
+          </a:prstGeom>
+          <a:solidFill>
+            <a:srgbClr val="FF0000"/>
+          </a:solidFill>
+          <a:ln>
+            <a:solidFill>
+              <a:srgbClr val="FF0000"/>
+            </a:solidFill>
+          </a:ln>
+        </p:spPr>
+        <p:style>
+          <a:lnRef idx="2">
+            <a:schemeClr val="accent1">
+              <a:shade val="50000"/>
+            </a:schemeClr>
+          </a:lnRef>
+          <a:fillRef idx="1">
+            <a:schemeClr val="accent1"/>
+          </a:fillRef>
+          <a:effectRef idx="0">
+            <a:schemeClr val="accent1"/>
+          </a:effectRef>
+          <a:fontRef idx="minor">
+            <a:schemeClr val="lt1"/>
+          </a:fontRef>
+        </p:style>
+        <p:txBody>
+          <a:bodyPr rtlCol="0" anchor="ctr"/>
+          <a:lstStyle/>
+          <a:p>
+            <a:pPr algn="ctr"/>
+            <a:endParaRPr lang="id-ID">
+              <a:solidFill>
+                <a:srgbClr val="00B050"/>
+              </a:solidFill>
+            </a:endParaRPr>
+          </a:p>
+        </p:txBody>
+      </p:sp>
+      <p:sp>
+        <p:nvSpPr>
+          <p:cNvPr id="5" name="Arrow: Curved Up 4">
+            <a:extLst>
+              <a:ext uri="{FF2B5EF4-FFF2-40B4-BE49-F238E27FC236}">
+                <a16:creationId xmlns:a16="http://schemas.microsoft.com/office/drawing/2014/main" id="{0FCAFCC7-21B8-581D-6C2D-0F7B01B2ADC9}"/>
+              </a:ext>
+            </a:extLst>
+          </p:cNvPr>
+          <p:cNvSpPr/>
+          <p:nvPr/>
+        </p:nvSpPr>
+        <p:spPr>
+          <a:xfrm rot="18587254">
+            <a:off x="8183992" y="3152493"/>
+            <a:ext cx="603886" cy="302124"/>
+          </a:xfrm>
+          <a:prstGeom prst="curvedUpArrow">
+            <a:avLst>
+              <a:gd name="adj1" fmla="val 5240"/>
+              <a:gd name="adj2" fmla="val 23048"/>
+              <a:gd name="adj3" fmla="val 23306"/>
+            </a:avLst>
+          </a:prstGeom>
+          <a:solidFill>
+            <a:schemeClr val="accent1"/>
+          </a:solidFill>
+          <a:ln>
+            <a:solidFill>
+              <a:schemeClr val="accent1"/>
+            </a:solidFill>
+          </a:ln>
+        </p:spPr>
+        <p:style>
+          <a:lnRef idx="2">
+            <a:schemeClr val="accent1">
+              <a:shade val="50000"/>
+            </a:schemeClr>
+          </a:lnRef>
+          <a:fillRef idx="1">
+            <a:schemeClr val="accent1"/>
+          </a:fillRef>
+          <a:effectRef idx="0">
+            <a:schemeClr val="accent1"/>
+          </a:effectRef>
+          <a:fontRef idx="minor">
+            <a:schemeClr val="lt1"/>
+          </a:fontRef>
+        </p:style>
+        <p:txBody>
+          <a:bodyPr rtlCol="0" anchor="ctr"/>
+          <a:lstStyle/>
+          <a:p>
+            <a:pPr algn="ctr"/>
+            <a:endParaRPr lang="id-ID">
+              <a:solidFill>
+                <a:srgbClr val="00B050"/>
+              </a:solidFill>
+            </a:endParaRPr>
+          </a:p>
+        </p:txBody>
+      </p:sp>
+    </p:spTree>
+    <p:extLst>
+      <p:ext uri="{BB962C8B-B14F-4D97-AF65-F5344CB8AC3E}">
+        <p14:creationId xmlns:p14="http://schemas.microsoft.com/office/powerpoint/2010/main" val="2427805598"/>
+      </p:ext>
+    </p:extLst>
+  </p:cSld>
+  <p:clrMapOvr>
+    <a:masterClrMapping/>
+  </p:clrMapOvr>
+</p:sld>
+</file>
+
+<file path=ppt/slides/slide4.xml><?xml version="1.0" encoding="utf-8"?>
+<p:sld xmlns:a="http://schemas.openxmlformats.org/drawingml/2006/main" xmlns:r="http://schemas.openxmlformats.org/officeDocument/2006/relationships" xmlns:p="http://schemas.openxmlformats.org/presentationml/2006/main">
+  <p:cSld>
+    <p:spTree>
+      <p:nvGrpSpPr>
+        <p:cNvPr id="1" name=""/>
+        <p:cNvGrpSpPr/>
+        <p:nvPr/>
+      </p:nvGrpSpPr>
+      <p:grpSpPr>
+        <a:xfrm>
+          <a:off x="0" y="0"/>
+          <a:ext cx="0" cy="0"/>
+          <a:chOff x="0" y="0"/>
+          <a:chExt cx="0" cy="0"/>
+        </a:xfrm>
+      </p:grpSpPr>
+      <p:grpSp>
+        <p:nvGrpSpPr>
+          <p:cNvPr id="25" name="Group 24">
+            <a:extLst>
+              <a:ext uri="{FF2B5EF4-FFF2-40B4-BE49-F238E27FC236}">
+                <a16:creationId xmlns:a16="http://schemas.microsoft.com/office/drawing/2014/main" id="{EDF1A929-8A93-378E-E0C1-D89A4903839C}"/>
+              </a:ext>
+            </a:extLst>
+          </p:cNvPr>
+          <p:cNvGrpSpPr/>
+          <p:nvPr/>
+        </p:nvGrpSpPr>
+        <p:grpSpPr>
+          <a:xfrm>
+            <a:off x="358967" y="1632512"/>
+            <a:ext cx="5252938" cy="4544461"/>
+            <a:chOff x="929338" y="1320764"/>
+            <a:chExt cx="5252938" cy="4544461"/>
+          </a:xfrm>
+        </p:grpSpPr>
+        <p:cxnSp>
+          <p:nvCxnSpPr>
+            <p:cNvPr id="26" name="Straight Arrow Connector 25">
+              <a:extLst>
+                <a:ext uri="{FF2B5EF4-FFF2-40B4-BE49-F238E27FC236}">
+                  <a16:creationId xmlns:a16="http://schemas.microsoft.com/office/drawing/2014/main" id="{C6BA325A-9F5F-AB5B-5819-A5B098AA83F0}"/>
+                </a:ext>
+              </a:extLst>
+            </p:cNvPr>
+            <p:cNvCxnSpPr/>
+            <p:nvPr/>
+          </p:nvCxnSpPr>
+          <p:spPr>
+            <a:xfrm flipV="1">
+              <a:off x="1319349" y="1699589"/>
+              <a:ext cx="0" cy="4165635"/>
+            </a:xfrm>
+            <a:prstGeom prst="straightConnector1">
+              <a:avLst/>
+            </a:prstGeom>
+            <a:ln w="57150">
+              <a:tailEnd type="triangle"/>
+            </a:ln>
+          </p:spPr>
+          <p:style>
+            <a:lnRef idx="1">
+              <a:schemeClr val="dk1"/>
+            </a:lnRef>
+            <a:fillRef idx="0">
+              <a:schemeClr val="dk1"/>
+            </a:fillRef>
+            <a:effectRef idx="0">
+              <a:schemeClr val="dk1"/>
+            </a:effectRef>
+            <a:fontRef idx="minor">
+              <a:schemeClr val="tx1"/>
+            </a:fontRef>
+          </p:style>
+        </p:cxnSp>
+        <p:cxnSp>
+          <p:nvCxnSpPr>
+            <p:cNvPr id="27" name="Straight Arrow Connector 26">
+              <a:extLst>
+                <a:ext uri="{FF2B5EF4-FFF2-40B4-BE49-F238E27FC236}">
+                  <a16:creationId xmlns:a16="http://schemas.microsoft.com/office/drawing/2014/main" id="{C9F07EC2-256D-0736-8014-80827123C3A3}"/>
+                </a:ext>
+              </a:extLst>
+            </p:cNvPr>
+            <p:cNvCxnSpPr>
+              <a:cxnSpLocks/>
+            </p:cNvCxnSpPr>
+            <p:nvPr/>
+          </p:nvCxnSpPr>
+          <p:spPr>
+            <a:xfrm rot="5400000" flipV="1">
+              <a:off x="3402167" y="3782407"/>
+              <a:ext cx="0" cy="4165635"/>
+            </a:xfrm>
+            <a:prstGeom prst="straightConnector1">
+              <a:avLst/>
+            </a:prstGeom>
+            <a:ln w="57150">
+              <a:tailEnd type="triangle"/>
+            </a:ln>
+          </p:spPr>
+          <p:style>
+            <a:lnRef idx="1">
+              <a:schemeClr val="dk1"/>
+            </a:lnRef>
+            <a:fillRef idx="0">
+              <a:schemeClr val="dk1"/>
+            </a:fillRef>
+            <a:effectRef idx="0">
+              <a:schemeClr val="dk1"/>
+            </a:effectRef>
+            <a:fontRef idx="minor">
+              <a:schemeClr val="tx1"/>
+            </a:fontRef>
+          </p:style>
+        </p:cxnSp>
+        <p:sp>
+          <p:nvSpPr>
+            <p:cNvPr id="28" name="TextBox 27">
+              <a:extLst>
+                <a:ext uri="{FF2B5EF4-FFF2-40B4-BE49-F238E27FC236}">
+                  <a16:creationId xmlns:a16="http://schemas.microsoft.com/office/drawing/2014/main" id="{9B588452-0648-D052-3834-67C44D790604}"/>
+                </a:ext>
+              </a:extLst>
+            </p:cNvPr>
+            <p:cNvSpPr txBox="1"/>
+            <p:nvPr/>
+          </p:nvSpPr>
+          <p:spPr>
+            <a:xfrm>
+              <a:off x="5402254" y="5495892"/>
+              <a:ext cx="780022" cy="369332"/>
+            </a:xfrm>
+            <a:prstGeom prst="rect">
+              <a:avLst/>
+            </a:prstGeom>
+            <a:noFill/>
+          </p:spPr>
+          <p:txBody>
+            <a:bodyPr wrap="none" rtlCol="0">
+              <a:spAutoFit/>
+            </a:bodyPr>
+            <a:lstStyle/>
+            <a:p>
+              <a:r>
+                <a:rPr lang="en-US" b="1" dirty="0"/>
+                <a:t>X-east</a:t>
+              </a:r>
+              <a:endParaRPr lang="id-ID" b="1" dirty="0"/>
+            </a:p>
+          </p:txBody>
+        </p:sp>
+        <p:sp>
+          <p:nvSpPr>
+            <p:cNvPr id="29" name="TextBox 28">
+              <a:extLst>
+                <a:ext uri="{FF2B5EF4-FFF2-40B4-BE49-F238E27FC236}">
+                  <a16:creationId xmlns:a16="http://schemas.microsoft.com/office/drawing/2014/main" id="{EA3338FC-6D00-21D9-BEC3-A16EE86E5AAA}"/>
+                </a:ext>
+              </a:extLst>
+            </p:cNvPr>
+            <p:cNvSpPr txBox="1"/>
+            <p:nvPr/>
+          </p:nvSpPr>
+          <p:spPr>
+            <a:xfrm>
+              <a:off x="929338" y="1320764"/>
+              <a:ext cx="907621" cy="369332"/>
+            </a:xfrm>
+            <a:prstGeom prst="rect">
+              <a:avLst/>
+            </a:prstGeom>
+            <a:noFill/>
+          </p:spPr>
+          <p:txBody>
+            <a:bodyPr wrap="none" rtlCol="0">
+              <a:spAutoFit/>
+            </a:bodyPr>
+            <a:lstStyle/>
+            <a:p>
+              <a:r>
+                <a:rPr lang="en-US" b="1" dirty="0"/>
+                <a:t>Y-north</a:t>
+              </a:r>
+              <a:endParaRPr lang="id-ID" b="1" dirty="0"/>
+            </a:p>
+          </p:txBody>
+        </p:sp>
+      </p:grpSp>
+      <p:grpSp>
+        <p:nvGrpSpPr>
+          <p:cNvPr id="106" name="Group 105">
+            <a:extLst>
+              <a:ext uri="{FF2B5EF4-FFF2-40B4-BE49-F238E27FC236}">
+                <a16:creationId xmlns:a16="http://schemas.microsoft.com/office/drawing/2014/main" id="{03652377-0117-FA4C-C35A-227A53BC930D}"/>
+              </a:ext>
+            </a:extLst>
+          </p:cNvPr>
+          <p:cNvGrpSpPr/>
+          <p:nvPr/>
+        </p:nvGrpSpPr>
+        <p:grpSpPr>
+          <a:xfrm rot="20123461" flipH="1">
+            <a:off x="1385905" y="1710318"/>
+            <a:ext cx="3046600" cy="3897461"/>
+            <a:chOff x="1525398" y="2001844"/>
+            <a:chExt cx="3046600" cy="3897461"/>
+          </a:xfrm>
+        </p:grpSpPr>
+        <p:pic>
+          <p:nvPicPr>
+            <p:cNvPr id="43" name="Picture 42">
+              <a:extLst>
+                <a:ext uri="{FF2B5EF4-FFF2-40B4-BE49-F238E27FC236}">
+                  <a16:creationId xmlns:a16="http://schemas.microsoft.com/office/drawing/2014/main" id="{664DB7C4-E8EE-6C20-A60B-A83B693166E4}"/>
+                </a:ext>
+              </a:extLst>
+            </p:cNvPr>
+            <p:cNvPicPr>
+              <a:picLocks noChangeAspect="1"/>
+            </p:cNvPicPr>
+            <p:nvPr/>
+          </p:nvPicPr>
+          <p:blipFill rotWithShape="1">
+            <a:blip r:embed="rId2"/>
+            <a:srcRect t="52395" r="62979" b="-1"/>
+            <a:stretch/>
+          </p:blipFill>
+          <p:spPr>
+            <a:xfrm>
+              <a:off x="1541139" y="2001844"/>
+              <a:ext cx="3030859" cy="3897461"/>
+            </a:xfrm>
+            <a:prstGeom prst="rect">
+              <a:avLst/>
+            </a:prstGeom>
+          </p:spPr>
+        </p:pic>
+        <p:grpSp>
+          <p:nvGrpSpPr>
+            <p:cNvPr id="44" name="Group 43">
+              <a:extLst>
+                <a:ext uri="{FF2B5EF4-FFF2-40B4-BE49-F238E27FC236}">
+                  <a16:creationId xmlns:a16="http://schemas.microsoft.com/office/drawing/2014/main" id="{BEA14FA2-7EFA-EE87-BE68-7072AED95D3D}"/>
+                </a:ext>
+              </a:extLst>
+            </p:cNvPr>
+            <p:cNvGrpSpPr/>
+            <p:nvPr/>
+          </p:nvGrpSpPr>
+          <p:grpSpPr>
+            <a:xfrm rot="7200000">
+              <a:off x="3726347" y="5230034"/>
+              <a:ext cx="277076" cy="515135"/>
+              <a:chOff x="3612641" y="1639616"/>
+              <a:chExt cx="1872343" cy="3481024"/>
+            </a:xfrm>
+          </p:grpSpPr>
+          <p:grpSp>
+            <p:nvGrpSpPr>
+              <p:cNvPr id="45" name="Group 44">
+                <a:extLst>
+                  <a:ext uri="{FF2B5EF4-FFF2-40B4-BE49-F238E27FC236}">
+                    <a16:creationId xmlns:a16="http://schemas.microsoft.com/office/drawing/2014/main" id="{D0F5221D-3F78-3C2F-7EE3-5618F62C4061}"/>
+                  </a:ext>
+                </a:extLst>
+              </p:cNvPr>
+              <p:cNvGrpSpPr/>
+              <p:nvPr/>
+            </p:nvGrpSpPr>
+            <p:grpSpPr>
+              <a:xfrm>
+                <a:off x="3612641" y="1690096"/>
+                <a:ext cx="1872343" cy="2620647"/>
+                <a:chOff x="3612641" y="1690096"/>
+                <a:chExt cx="1872343" cy="2620647"/>
+              </a:xfrm>
+            </p:grpSpPr>
+            <p:sp>
+              <p:nvSpPr>
+                <p:cNvPr id="49" name="Isosceles Triangle 48">
+                  <a:extLst>
+                    <a:ext uri="{FF2B5EF4-FFF2-40B4-BE49-F238E27FC236}">
+                      <a16:creationId xmlns:a16="http://schemas.microsoft.com/office/drawing/2014/main" id="{061361AC-7E90-913A-2D1F-97ACFCF5B355}"/>
+                    </a:ext>
+                  </a:extLst>
+                </p:cNvPr>
+                <p:cNvSpPr/>
+                <p:nvPr/>
+              </p:nvSpPr>
+              <p:spPr>
+                <a:xfrm>
+                  <a:off x="3631474" y="1690096"/>
+                  <a:ext cx="1853510" cy="2424704"/>
+                </a:xfrm>
+                <a:prstGeom prst="triangle">
+                  <a:avLst/>
+                </a:prstGeom>
+                <a:solidFill>
+                  <a:schemeClr val="accent1">
+                    <a:alpha val="50000"/>
+                  </a:schemeClr>
+                </a:solidFill>
+                <a:ln>
+                  <a:noFill/>
+                </a:ln>
+              </p:spPr>
+              <p:style>
+                <a:lnRef idx="2">
+                  <a:schemeClr val="accent1">
+                    <a:shade val="50000"/>
+                  </a:schemeClr>
+                </a:lnRef>
+                <a:fillRef idx="1">
+                  <a:schemeClr val="accent1"/>
+                </a:fillRef>
+                <a:effectRef idx="0">
+                  <a:schemeClr val="accent1"/>
+                </a:effectRef>
+                <a:fontRef idx="minor">
+                  <a:schemeClr val="lt1"/>
+                </a:fontRef>
+              </p:style>
+              <p:txBody>
+                <a:bodyPr rtlCol="0" anchor="ctr"/>
+                <a:lstStyle/>
+                <a:p>
+                  <a:pPr algn="ctr"/>
+                  <a:endParaRPr lang="id-ID" dirty="0"/>
+                </a:p>
+              </p:txBody>
+            </p:sp>
+            <p:cxnSp>
+              <p:nvCxnSpPr>
+                <p:cNvPr id="50" name="Straight Connector 49">
+                  <a:extLst>
+                    <a:ext uri="{FF2B5EF4-FFF2-40B4-BE49-F238E27FC236}">
+                      <a16:creationId xmlns:a16="http://schemas.microsoft.com/office/drawing/2014/main" id="{EA993FCC-4491-1A47-27B2-932D0F974E80}"/>
+                    </a:ext>
+                  </a:extLst>
+                </p:cNvPr>
+                <p:cNvCxnSpPr>
+                  <a:stCxn id="49" idx="2"/>
+                  <a:endCxn id="49" idx="4"/>
+                </p:cNvCxnSpPr>
+                <p:nvPr/>
+              </p:nvCxnSpPr>
+              <p:spPr>
+                <a:xfrm>
+                  <a:off x="3631474" y="4114800"/>
+                  <a:ext cx="1853510" cy="0"/>
+                </a:xfrm>
+                <a:prstGeom prst="line">
+                  <a:avLst/>
+                </a:prstGeom>
+                <a:ln w="38100"/>
+              </p:spPr>
+              <p:style>
+                <a:lnRef idx="1">
+                  <a:schemeClr val="accent1"/>
+                </a:lnRef>
+                <a:fillRef idx="0">
+                  <a:schemeClr val="accent1"/>
+                </a:fillRef>
+                <a:effectRef idx="0">
+                  <a:schemeClr val="accent1"/>
+                </a:effectRef>
+                <a:fontRef idx="minor">
+                  <a:schemeClr val="tx1"/>
+                </a:fontRef>
+              </p:style>
+            </p:cxnSp>
+            <p:cxnSp>
+              <p:nvCxnSpPr>
+                <p:cNvPr id="51" name="Straight Connector 50">
+                  <a:extLst>
+                    <a:ext uri="{FF2B5EF4-FFF2-40B4-BE49-F238E27FC236}">
+                      <a16:creationId xmlns:a16="http://schemas.microsoft.com/office/drawing/2014/main" id="{31FA611C-6AA0-BD97-A1FF-BAD9B1B0C53F}"/>
+                    </a:ext>
+                  </a:extLst>
+                </p:cNvPr>
+                <p:cNvCxnSpPr>
+                  <a:cxnSpLocks/>
+                  <a:stCxn id="49" idx="3"/>
+                  <a:endCxn id="49" idx="0"/>
+                </p:cNvCxnSpPr>
+                <p:nvPr/>
+              </p:nvCxnSpPr>
+              <p:spPr>
+                <a:xfrm flipV="1">
+                  <a:off x="4558229" y="1690096"/>
+                  <a:ext cx="0" cy="2424704"/>
+                </a:xfrm>
+                <a:prstGeom prst="line">
+                  <a:avLst/>
+                </a:prstGeom>
+                <a:ln w="38100"/>
+              </p:spPr>
+              <p:style>
+                <a:lnRef idx="1">
+                  <a:schemeClr val="accent1"/>
+                </a:lnRef>
+                <a:fillRef idx="0">
+                  <a:schemeClr val="accent1"/>
+                </a:fillRef>
+                <a:effectRef idx="0">
+                  <a:schemeClr val="accent1"/>
+                </a:effectRef>
+                <a:fontRef idx="minor">
+                  <a:schemeClr val="tx1"/>
+                </a:fontRef>
+              </p:style>
+            </p:cxnSp>
+            <p:cxnSp>
+              <p:nvCxnSpPr>
+                <p:cNvPr id="52" name="Straight Connector 51">
+                  <a:extLst>
+                    <a:ext uri="{FF2B5EF4-FFF2-40B4-BE49-F238E27FC236}">
+                      <a16:creationId xmlns:a16="http://schemas.microsoft.com/office/drawing/2014/main" id="{71BFFDED-63E6-D68F-2531-B253E0EABEC3}"/>
+                    </a:ext>
+                  </a:extLst>
+                </p:cNvPr>
+                <p:cNvCxnSpPr>
+                  <a:cxnSpLocks/>
+                </p:cNvCxnSpPr>
+                <p:nvPr/>
+              </p:nvCxnSpPr>
+              <p:spPr>
+                <a:xfrm flipV="1">
+                  <a:off x="5484984" y="3840480"/>
+                  <a:ext cx="0" cy="470263"/>
+                </a:xfrm>
+                <a:prstGeom prst="line">
+                  <a:avLst/>
+                </a:prstGeom>
+                <a:ln w="38100"/>
+              </p:spPr>
+              <p:style>
+                <a:lnRef idx="1">
+                  <a:schemeClr val="accent1"/>
+                </a:lnRef>
+                <a:fillRef idx="0">
+                  <a:schemeClr val="accent1"/>
+                </a:fillRef>
+                <a:effectRef idx="0">
+                  <a:schemeClr val="accent1"/>
+                </a:effectRef>
+                <a:fontRef idx="minor">
+                  <a:schemeClr val="tx1"/>
+                </a:fontRef>
+              </p:style>
+            </p:cxnSp>
+            <p:cxnSp>
+              <p:nvCxnSpPr>
+                <p:cNvPr id="53" name="Straight Connector 52">
+                  <a:extLst>
+                    <a:ext uri="{FF2B5EF4-FFF2-40B4-BE49-F238E27FC236}">
+                      <a16:creationId xmlns:a16="http://schemas.microsoft.com/office/drawing/2014/main" id="{CEC14951-2185-76DA-C8D8-9C1E89AA7A3B}"/>
+                    </a:ext>
+                  </a:extLst>
+                </p:cNvPr>
+                <p:cNvCxnSpPr>
+                  <a:cxnSpLocks/>
+                </p:cNvCxnSpPr>
+                <p:nvPr/>
+              </p:nvCxnSpPr>
+              <p:spPr>
+                <a:xfrm flipV="1">
+                  <a:off x="3612641" y="3840480"/>
+                  <a:ext cx="0" cy="470263"/>
+                </a:xfrm>
+                <a:prstGeom prst="line">
+                  <a:avLst/>
+                </a:prstGeom>
+                <a:ln w="38100"/>
+              </p:spPr>
+              <p:style>
+                <a:lnRef idx="1">
+                  <a:schemeClr val="accent1"/>
+                </a:lnRef>
+                <a:fillRef idx="0">
+                  <a:schemeClr val="accent1"/>
+                </a:fillRef>
+                <a:effectRef idx="0">
+                  <a:schemeClr val="accent1"/>
+                </a:effectRef>
+                <a:fontRef idx="minor">
+                  <a:schemeClr val="tx1"/>
+                </a:fontRef>
+              </p:style>
+            </p:cxnSp>
+          </p:grpSp>
+          <p:sp>
+            <p:nvSpPr>
+              <p:cNvPr id="46" name="Oval 45">
+                <a:extLst>
+                  <a:ext uri="{FF2B5EF4-FFF2-40B4-BE49-F238E27FC236}">
+                    <a16:creationId xmlns:a16="http://schemas.microsoft.com/office/drawing/2014/main" id="{BAD3E0CE-49BA-1F69-2F5C-202479BD410C}"/>
+                  </a:ext>
+                </a:extLst>
+              </p:cNvPr>
+              <p:cNvSpPr/>
+              <p:nvPr/>
+            </p:nvSpPr>
+            <p:spPr>
+              <a:xfrm>
+                <a:off x="4507750" y="1639616"/>
+                <a:ext cx="100958" cy="100958"/>
+              </a:xfrm>
+              <a:prstGeom prst="ellipse">
+                <a:avLst/>
+              </a:prstGeom>
+            </p:spPr>
+            <p:style>
+              <a:lnRef idx="2">
+                <a:schemeClr val="dk1">
+                  <a:shade val="50000"/>
+                </a:schemeClr>
+              </a:lnRef>
+              <a:fillRef idx="1">
+                <a:schemeClr val="dk1"/>
+              </a:fillRef>
+              <a:effectRef idx="0">
+                <a:schemeClr val="dk1"/>
+              </a:effectRef>
+              <a:fontRef idx="minor">
+                <a:schemeClr val="lt1"/>
+              </a:fontRef>
+            </p:style>
+            <p:txBody>
+              <a:bodyPr rtlCol="0" anchor="ctr"/>
+              <a:lstStyle/>
+              <a:p>
+                <a:pPr algn="ctr"/>
+                <a:endParaRPr lang="id-ID"/>
+              </a:p>
+            </p:txBody>
+          </p:sp>
+          <p:cxnSp>
+            <p:nvCxnSpPr>
+              <p:cNvPr id="47" name="Straight Arrow Connector 46">
+                <a:extLst>
+                  <a:ext uri="{FF2B5EF4-FFF2-40B4-BE49-F238E27FC236}">
+                    <a16:creationId xmlns:a16="http://schemas.microsoft.com/office/drawing/2014/main" id="{1AA483E5-CEAA-FDA2-F9E4-FB2FE2A49AF4}"/>
+                  </a:ext>
+                </a:extLst>
+              </p:cNvPr>
+              <p:cNvCxnSpPr>
+                <a:cxnSpLocks/>
+                <a:stCxn id="49" idx="3"/>
+              </p:cNvCxnSpPr>
+              <p:nvPr/>
+            </p:nvCxnSpPr>
+            <p:spPr>
+              <a:xfrm>
+                <a:off x="4558229" y="4114800"/>
+                <a:ext cx="0" cy="1005840"/>
+              </a:xfrm>
+              <a:prstGeom prst="straightConnector1">
+                <a:avLst/>
+              </a:prstGeom>
+              <a:ln w="38100">
+                <a:solidFill>
+                  <a:srgbClr val="00B050"/>
+                </a:solidFill>
+                <a:tailEnd type="triangle"/>
+              </a:ln>
+            </p:spPr>
+            <p:style>
+              <a:lnRef idx="1">
+                <a:schemeClr val="accent1"/>
+              </a:lnRef>
+              <a:fillRef idx="0">
+                <a:schemeClr val="accent1"/>
+              </a:fillRef>
+              <a:effectRef idx="0">
+                <a:schemeClr val="accent1"/>
+              </a:effectRef>
+              <a:fontRef idx="minor">
+                <a:schemeClr val="tx1"/>
+              </a:fontRef>
+            </p:style>
+          </p:cxnSp>
+          <p:sp>
+            <p:nvSpPr>
+              <p:cNvPr id="48" name="Oval 47">
+                <a:extLst>
+                  <a:ext uri="{FF2B5EF4-FFF2-40B4-BE49-F238E27FC236}">
+                    <a16:creationId xmlns:a16="http://schemas.microsoft.com/office/drawing/2014/main" id="{61801D49-3F1E-1723-6C5C-07EF3C26C72B}"/>
+                  </a:ext>
+                </a:extLst>
+              </p:cNvPr>
+              <p:cNvSpPr/>
+              <p:nvPr/>
+            </p:nvSpPr>
+            <p:spPr>
+              <a:xfrm>
+                <a:off x="4503853" y="4075611"/>
+                <a:ext cx="100958" cy="100958"/>
+              </a:xfrm>
+              <a:prstGeom prst="ellipse">
+                <a:avLst/>
+              </a:prstGeom>
+            </p:spPr>
+            <p:style>
+              <a:lnRef idx="2">
+                <a:schemeClr val="dk1">
+                  <a:shade val="50000"/>
+                </a:schemeClr>
+              </a:lnRef>
+              <a:fillRef idx="1">
+                <a:schemeClr val="dk1"/>
+              </a:fillRef>
+              <a:effectRef idx="0">
+                <a:schemeClr val="dk1"/>
+              </a:effectRef>
+              <a:fontRef idx="minor">
+                <a:schemeClr val="lt1"/>
+              </a:fontRef>
+            </p:style>
+            <p:txBody>
+              <a:bodyPr rtlCol="0" anchor="ctr"/>
+              <a:lstStyle/>
+              <a:p>
+                <a:pPr algn="ctr"/>
+                <a:endParaRPr lang="id-ID"/>
+              </a:p>
+            </p:txBody>
+          </p:sp>
+        </p:grpSp>
+        <p:grpSp>
+          <p:nvGrpSpPr>
+            <p:cNvPr id="54" name="Group 53">
+              <a:extLst>
+                <a:ext uri="{FF2B5EF4-FFF2-40B4-BE49-F238E27FC236}">
+                  <a16:creationId xmlns:a16="http://schemas.microsoft.com/office/drawing/2014/main" id="{1C4F4067-1F0B-BBD6-1805-B08F04C974AD}"/>
+                </a:ext>
+              </a:extLst>
+            </p:cNvPr>
+            <p:cNvGrpSpPr/>
+            <p:nvPr/>
+          </p:nvGrpSpPr>
+          <p:grpSpPr>
+            <a:xfrm rot="9670134">
+              <a:off x="1578352" y="2759016"/>
+              <a:ext cx="277076" cy="515135"/>
+              <a:chOff x="3612641" y="1639616"/>
+              <a:chExt cx="1872343" cy="3481024"/>
+            </a:xfrm>
+          </p:grpSpPr>
+          <p:grpSp>
+            <p:nvGrpSpPr>
+              <p:cNvPr id="55" name="Group 54">
+                <a:extLst>
+                  <a:ext uri="{FF2B5EF4-FFF2-40B4-BE49-F238E27FC236}">
+                    <a16:creationId xmlns:a16="http://schemas.microsoft.com/office/drawing/2014/main" id="{7A65B809-D9E6-EE31-3B76-A5F13371C947}"/>
+                  </a:ext>
+                </a:extLst>
+              </p:cNvPr>
+              <p:cNvGrpSpPr/>
+              <p:nvPr/>
+            </p:nvGrpSpPr>
+            <p:grpSpPr>
+              <a:xfrm>
+                <a:off x="3612641" y="1690096"/>
+                <a:ext cx="1872343" cy="2620647"/>
+                <a:chOff x="3612641" y="1690096"/>
+                <a:chExt cx="1872343" cy="2620647"/>
+              </a:xfrm>
+            </p:grpSpPr>
+            <p:sp>
+              <p:nvSpPr>
+                <p:cNvPr id="59" name="Isosceles Triangle 58">
+                  <a:extLst>
+                    <a:ext uri="{FF2B5EF4-FFF2-40B4-BE49-F238E27FC236}">
+                      <a16:creationId xmlns:a16="http://schemas.microsoft.com/office/drawing/2014/main" id="{4D177CD4-75C9-3D40-E2BA-E2046FABD201}"/>
+                    </a:ext>
+                  </a:extLst>
+                </p:cNvPr>
+                <p:cNvSpPr/>
+                <p:nvPr/>
+              </p:nvSpPr>
+              <p:spPr>
+                <a:xfrm>
+                  <a:off x="3631474" y="1690096"/>
+                  <a:ext cx="1853510" cy="2424704"/>
+                </a:xfrm>
+                <a:prstGeom prst="triangle">
+                  <a:avLst/>
+                </a:prstGeom>
+                <a:solidFill>
+                  <a:schemeClr val="accent1">
+                    <a:alpha val="50000"/>
+                  </a:schemeClr>
+                </a:solidFill>
+                <a:ln>
+                  <a:noFill/>
+                </a:ln>
+              </p:spPr>
+              <p:style>
+                <a:lnRef idx="2">
+                  <a:schemeClr val="accent1">
+                    <a:shade val="50000"/>
+                  </a:schemeClr>
+                </a:lnRef>
+                <a:fillRef idx="1">
+                  <a:schemeClr val="accent1"/>
+                </a:fillRef>
+                <a:effectRef idx="0">
+                  <a:schemeClr val="accent1"/>
+                </a:effectRef>
+                <a:fontRef idx="minor">
+                  <a:schemeClr val="lt1"/>
+                </a:fontRef>
+              </p:style>
+              <p:txBody>
+                <a:bodyPr rtlCol="0" anchor="ctr"/>
+                <a:lstStyle/>
+                <a:p>
+                  <a:pPr algn="ctr"/>
+                  <a:endParaRPr lang="id-ID" dirty="0"/>
+                </a:p>
+              </p:txBody>
+            </p:sp>
+            <p:cxnSp>
+              <p:nvCxnSpPr>
+                <p:cNvPr id="60" name="Straight Connector 59">
+                  <a:extLst>
+                    <a:ext uri="{FF2B5EF4-FFF2-40B4-BE49-F238E27FC236}">
+                      <a16:creationId xmlns:a16="http://schemas.microsoft.com/office/drawing/2014/main" id="{5399ED7A-74D5-0265-2941-BBBE338FA5C2}"/>
+                    </a:ext>
+                  </a:extLst>
+                </p:cNvPr>
+                <p:cNvCxnSpPr>
+                  <a:stCxn id="59" idx="2"/>
+                  <a:endCxn id="59" idx="4"/>
+                </p:cNvCxnSpPr>
+                <p:nvPr/>
+              </p:nvCxnSpPr>
+              <p:spPr>
+                <a:xfrm>
+                  <a:off x="3631474" y="4114800"/>
+                  <a:ext cx="1853510" cy="0"/>
+                </a:xfrm>
+                <a:prstGeom prst="line">
+                  <a:avLst/>
+                </a:prstGeom>
+                <a:ln w="38100"/>
+              </p:spPr>
+              <p:style>
+                <a:lnRef idx="1">
+                  <a:schemeClr val="accent1"/>
+                </a:lnRef>
+                <a:fillRef idx="0">
+                  <a:schemeClr val="accent1"/>
+                </a:fillRef>
+                <a:effectRef idx="0">
+                  <a:schemeClr val="accent1"/>
+                </a:effectRef>
+                <a:fontRef idx="minor">
+                  <a:schemeClr val="tx1"/>
+                </a:fontRef>
+              </p:style>
+            </p:cxnSp>
+            <p:cxnSp>
+              <p:nvCxnSpPr>
+                <p:cNvPr id="61" name="Straight Connector 60">
+                  <a:extLst>
+                    <a:ext uri="{FF2B5EF4-FFF2-40B4-BE49-F238E27FC236}">
+                      <a16:creationId xmlns:a16="http://schemas.microsoft.com/office/drawing/2014/main" id="{311D6193-2CF3-2FDF-1EFC-D42507E7BE82}"/>
+                    </a:ext>
+                  </a:extLst>
+                </p:cNvPr>
+                <p:cNvCxnSpPr>
+                  <a:cxnSpLocks/>
+                  <a:stCxn id="59" idx="3"/>
+                  <a:endCxn id="59" idx="0"/>
+                </p:cNvCxnSpPr>
+                <p:nvPr/>
+              </p:nvCxnSpPr>
+              <p:spPr>
+                <a:xfrm flipV="1">
+                  <a:off x="4558229" y="1690096"/>
+                  <a:ext cx="0" cy="2424704"/>
+                </a:xfrm>
+                <a:prstGeom prst="line">
+                  <a:avLst/>
+                </a:prstGeom>
+                <a:ln w="38100"/>
+              </p:spPr>
+              <p:style>
+                <a:lnRef idx="1">
+                  <a:schemeClr val="accent1"/>
+                </a:lnRef>
+                <a:fillRef idx="0">
+                  <a:schemeClr val="accent1"/>
+                </a:fillRef>
+                <a:effectRef idx="0">
+                  <a:schemeClr val="accent1"/>
+                </a:effectRef>
+                <a:fontRef idx="minor">
+                  <a:schemeClr val="tx1"/>
+                </a:fontRef>
+              </p:style>
+            </p:cxnSp>
+            <p:cxnSp>
+              <p:nvCxnSpPr>
+                <p:cNvPr id="62" name="Straight Connector 61">
+                  <a:extLst>
+                    <a:ext uri="{FF2B5EF4-FFF2-40B4-BE49-F238E27FC236}">
+                      <a16:creationId xmlns:a16="http://schemas.microsoft.com/office/drawing/2014/main" id="{A4C3CDDA-EADD-23A3-F668-F31D1C3F8DF3}"/>
+                    </a:ext>
+                  </a:extLst>
+                </p:cNvPr>
+                <p:cNvCxnSpPr>
+                  <a:cxnSpLocks/>
+                </p:cNvCxnSpPr>
+                <p:nvPr/>
+              </p:nvCxnSpPr>
+              <p:spPr>
+                <a:xfrm flipV="1">
+                  <a:off x="5484984" y="3840480"/>
+                  <a:ext cx="0" cy="470263"/>
+                </a:xfrm>
+                <a:prstGeom prst="line">
+                  <a:avLst/>
+                </a:prstGeom>
+                <a:ln w="38100"/>
+              </p:spPr>
+              <p:style>
+                <a:lnRef idx="1">
+                  <a:schemeClr val="accent1"/>
+                </a:lnRef>
+                <a:fillRef idx="0">
+                  <a:schemeClr val="accent1"/>
+                </a:fillRef>
+                <a:effectRef idx="0">
+                  <a:schemeClr val="accent1"/>
+                </a:effectRef>
+                <a:fontRef idx="minor">
+                  <a:schemeClr val="tx1"/>
+                </a:fontRef>
+              </p:style>
+            </p:cxnSp>
+            <p:cxnSp>
+              <p:nvCxnSpPr>
+                <p:cNvPr id="63" name="Straight Connector 62">
+                  <a:extLst>
+                    <a:ext uri="{FF2B5EF4-FFF2-40B4-BE49-F238E27FC236}">
+                      <a16:creationId xmlns:a16="http://schemas.microsoft.com/office/drawing/2014/main" id="{9E56A0EE-844A-DE0B-A400-D335811C3070}"/>
+                    </a:ext>
+                  </a:extLst>
+                </p:cNvPr>
+                <p:cNvCxnSpPr>
+                  <a:cxnSpLocks/>
+                </p:cNvCxnSpPr>
+                <p:nvPr/>
+              </p:nvCxnSpPr>
+              <p:spPr>
+                <a:xfrm flipV="1">
+                  <a:off x="3612641" y="3840480"/>
+                  <a:ext cx="0" cy="470263"/>
+                </a:xfrm>
+                <a:prstGeom prst="line">
+                  <a:avLst/>
+                </a:prstGeom>
+                <a:ln w="38100"/>
+              </p:spPr>
+              <p:style>
+                <a:lnRef idx="1">
+                  <a:schemeClr val="accent1"/>
+                </a:lnRef>
+                <a:fillRef idx="0">
+                  <a:schemeClr val="accent1"/>
+                </a:fillRef>
+                <a:effectRef idx="0">
+                  <a:schemeClr val="accent1"/>
+                </a:effectRef>
+                <a:fontRef idx="minor">
+                  <a:schemeClr val="tx1"/>
+                </a:fontRef>
+              </p:style>
+            </p:cxnSp>
+          </p:grpSp>
+          <p:sp>
+            <p:nvSpPr>
+              <p:cNvPr id="56" name="Oval 55">
+                <a:extLst>
+                  <a:ext uri="{FF2B5EF4-FFF2-40B4-BE49-F238E27FC236}">
+                    <a16:creationId xmlns:a16="http://schemas.microsoft.com/office/drawing/2014/main" id="{B04D7F5B-0184-4408-D205-3E400C762843}"/>
+                  </a:ext>
+                </a:extLst>
+              </p:cNvPr>
+              <p:cNvSpPr/>
+              <p:nvPr/>
+            </p:nvSpPr>
+            <p:spPr>
+              <a:xfrm>
+                <a:off x="4507750" y="1639616"/>
+                <a:ext cx="100958" cy="100958"/>
+              </a:xfrm>
+              <a:prstGeom prst="ellipse">
+                <a:avLst/>
+              </a:prstGeom>
+            </p:spPr>
+            <p:style>
+              <a:lnRef idx="2">
+                <a:schemeClr val="dk1">
+                  <a:shade val="50000"/>
+                </a:schemeClr>
+              </a:lnRef>
+              <a:fillRef idx="1">
+                <a:schemeClr val="dk1"/>
+              </a:fillRef>
+              <a:effectRef idx="0">
+                <a:schemeClr val="dk1"/>
+              </a:effectRef>
+              <a:fontRef idx="minor">
+                <a:schemeClr val="lt1"/>
+              </a:fontRef>
+            </p:style>
+            <p:txBody>
+              <a:bodyPr rtlCol="0" anchor="ctr"/>
+              <a:lstStyle/>
+              <a:p>
+                <a:pPr algn="ctr"/>
+                <a:endParaRPr lang="id-ID"/>
+              </a:p>
+            </p:txBody>
+          </p:sp>
+          <p:cxnSp>
+            <p:nvCxnSpPr>
+              <p:cNvPr id="57" name="Straight Arrow Connector 56">
+                <a:extLst>
+                  <a:ext uri="{FF2B5EF4-FFF2-40B4-BE49-F238E27FC236}">
+                    <a16:creationId xmlns:a16="http://schemas.microsoft.com/office/drawing/2014/main" id="{D6894FE2-59EF-9AB2-78D8-06C8647BA494}"/>
+                  </a:ext>
+                </a:extLst>
+              </p:cNvPr>
+              <p:cNvCxnSpPr>
+                <a:cxnSpLocks/>
+                <a:stCxn id="59" idx="3"/>
+              </p:cNvCxnSpPr>
+              <p:nvPr/>
+            </p:nvCxnSpPr>
+            <p:spPr>
+              <a:xfrm>
+                <a:off x="4558229" y="4114800"/>
+                <a:ext cx="0" cy="1005840"/>
+              </a:xfrm>
+              <a:prstGeom prst="straightConnector1">
+                <a:avLst/>
+              </a:prstGeom>
+              <a:ln w="38100">
+                <a:solidFill>
+                  <a:srgbClr val="00B050"/>
+                </a:solidFill>
+                <a:tailEnd type="triangle"/>
+              </a:ln>
+            </p:spPr>
+            <p:style>
+              <a:lnRef idx="1">
+                <a:schemeClr val="accent1"/>
+              </a:lnRef>
+              <a:fillRef idx="0">
+                <a:schemeClr val="accent1"/>
+              </a:fillRef>
+              <a:effectRef idx="0">
+                <a:schemeClr val="accent1"/>
+              </a:effectRef>
+              <a:fontRef idx="minor">
+                <a:schemeClr val="tx1"/>
+              </a:fontRef>
+            </p:style>
+          </p:cxnSp>
+          <p:sp>
+            <p:nvSpPr>
+              <p:cNvPr id="58" name="Oval 57">
+                <a:extLst>
+                  <a:ext uri="{FF2B5EF4-FFF2-40B4-BE49-F238E27FC236}">
+                    <a16:creationId xmlns:a16="http://schemas.microsoft.com/office/drawing/2014/main" id="{984DA5EA-B50F-E3A6-29DA-D0535DA160BC}"/>
+                  </a:ext>
+                </a:extLst>
+              </p:cNvPr>
+              <p:cNvSpPr/>
+              <p:nvPr/>
+            </p:nvSpPr>
+            <p:spPr>
+              <a:xfrm>
+                <a:off x="4503853" y="4075611"/>
+                <a:ext cx="100958" cy="100958"/>
+              </a:xfrm>
+              <a:prstGeom prst="ellipse">
+                <a:avLst/>
+              </a:prstGeom>
+            </p:spPr>
+            <p:style>
+              <a:lnRef idx="2">
+                <a:schemeClr val="dk1">
+                  <a:shade val="50000"/>
+                </a:schemeClr>
+              </a:lnRef>
+              <a:fillRef idx="1">
+                <a:schemeClr val="dk1"/>
+              </a:fillRef>
+              <a:effectRef idx="0">
+                <a:schemeClr val="dk1"/>
+              </a:effectRef>
+              <a:fontRef idx="minor">
+                <a:schemeClr val="lt1"/>
+              </a:fontRef>
+            </p:style>
+            <p:txBody>
+              <a:bodyPr rtlCol="0" anchor="ctr"/>
+              <a:lstStyle/>
+              <a:p>
+                <a:pPr algn="ctr"/>
+                <a:endParaRPr lang="id-ID"/>
+              </a:p>
+            </p:txBody>
+          </p:sp>
+        </p:grpSp>
+        <p:cxnSp>
+          <p:nvCxnSpPr>
+            <p:cNvPr id="67" name="Straight Connector 66">
+              <a:extLst>
+                <a:ext uri="{FF2B5EF4-FFF2-40B4-BE49-F238E27FC236}">
+                  <a16:creationId xmlns:a16="http://schemas.microsoft.com/office/drawing/2014/main" id="{3D848590-A661-56CD-5B8F-9999315AE98A}"/>
+                </a:ext>
+              </a:extLst>
+            </p:cNvPr>
+            <p:cNvCxnSpPr>
+              <a:stCxn id="59" idx="3"/>
+              <a:endCxn id="49" idx="3"/>
+            </p:cNvCxnSpPr>
+            <p:nvPr/>
+          </p:nvCxnSpPr>
+          <p:spPr>
+            <a:xfrm>
+              <a:off x="1680478" y="2914133"/>
+              <a:ext cx="2089557" cy="2520316"/>
+            </a:xfrm>
+            <a:prstGeom prst="line">
+              <a:avLst/>
+            </a:prstGeom>
+            <a:ln w="19050">
+              <a:solidFill>
+                <a:srgbClr val="FF0000"/>
+              </a:solidFill>
+            </a:ln>
+          </p:spPr>
+          <p:style>
+            <a:lnRef idx="1">
+              <a:schemeClr val="accent1"/>
+            </a:lnRef>
+            <a:fillRef idx="0">
+              <a:schemeClr val="accent1"/>
+            </a:fillRef>
+            <a:effectRef idx="0">
+              <a:schemeClr val="accent1"/>
+            </a:effectRef>
+            <a:fontRef idx="minor">
+              <a:schemeClr val="tx1"/>
+            </a:fontRef>
+          </p:style>
+        </p:cxnSp>
+        <p:cxnSp>
+          <p:nvCxnSpPr>
+            <p:cNvPr id="68" name="Straight Connector 67">
+              <a:extLst>
+                <a:ext uri="{FF2B5EF4-FFF2-40B4-BE49-F238E27FC236}">
+                  <a16:creationId xmlns:a16="http://schemas.microsoft.com/office/drawing/2014/main" id="{02FBAE9A-A4E7-3291-31C5-DAB386734A9B}"/>
+                </a:ext>
+              </a:extLst>
+            </p:cNvPr>
+            <p:cNvCxnSpPr>
+              <a:cxnSpLocks/>
+            </p:cNvCxnSpPr>
+            <p:nvPr/>
+          </p:nvCxnSpPr>
+          <p:spPr>
+            <a:xfrm>
+              <a:off x="3192611" y="5145706"/>
+              <a:ext cx="1291992" cy="684616"/>
+            </a:xfrm>
+            <a:prstGeom prst="line">
+              <a:avLst/>
+            </a:prstGeom>
+            <a:ln w="19050"/>
+          </p:spPr>
+          <p:style>
+            <a:lnRef idx="1">
+              <a:schemeClr val="accent1"/>
+            </a:lnRef>
+            <a:fillRef idx="0">
+              <a:schemeClr val="accent1"/>
+            </a:fillRef>
+            <a:effectRef idx="0">
+              <a:schemeClr val="accent1"/>
+            </a:effectRef>
+            <a:fontRef idx="minor">
+              <a:schemeClr val="tx1"/>
+            </a:fontRef>
+          </p:style>
+        </p:cxnSp>
+        <p:cxnSp>
+          <p:nvCxnSpPr>
+            <p:cNvPr id="73" name="Straight Connector 72">
+              <a:extLst>
+                <a:ext uri="{FF2B5EF4-FFF2-40B4-BE49-F238E27FC236}">
+                  <a16:creationId xmlns:a16="http://schemas.microsoft.com/office/drawing/2014/main" id="{C758C172-DE8E-5540-1B04-37D5DE7976C0}"/>
+                </a:ext>
+              </a:extLst>
+            </p:cNvPr>
+            <p:cNvCxnSpPr>
+              <a:cxnSpLocks/>
+            </p:cNvCxnSpPr>
+            <p:nvPr/>
+          </p:nvCxnSpPr>
+          <p:spPr>
+            <a:xfrm>
+              <a:off x="1525398" y="2449277"/>
+              <a:ext cx="377484" cy="1135844"/>
+            </a:xfrm>
+            <a:prstGeom prst="line">
+              <a:avLst/>
+            </a:prstGeom>
+            <a:ln w="19050">
+              <a:solidFill>
+                <a:srgbClr val="00B050"/>
+              </a:solidFill>
+            </a:ln>
+          </p:spPr>
+          <p:style>
+            <a:lnRef idx="1">
+              <a:schemeClr val="accent1"/>
+            </a:lnRef>
+            <a:fillRef idx="0">
+              <a:schemeClr val="accent1"/>
+            </a:fillRef>
+            <a:effectRef idx="0">
+              <a:schemeClr val="accent1"/>
+            </a:effectRef>
+            <a:fontRef idx="minor">
+              <a:schemeClr val="tx1"/>
+            </a:fontRef>
+          </p:style>
+        </p:cxnSp>
+      </p:grpSp>
+      <p:sp>
+        <p:nvSpPr>
+          <p:cNvPr id="78" name="TextBox 77">
+            <a:extLst>
+              <a:ext uri="{FF2B5EF4-FFF2-40B4-BE49-F238E27FC236}">
+                <a16:creationId xmlns:a16="http://schemas.microsoft.com/office/drawing/2014/main" id="{1B44C775-8571-1D5D-9A76-7D91A9F9E018}"/>
+              </a:ext>
+            </a:extLst>
+          </p:cNvPr>
+          <p:cNvSpPr txBox="1"/>
+          <p:nvPr/>
+        </p:nvSpPr>
+        <p:spPr>
+          <a:xfrm>
+            <a:off x="1895093" y="5233165"/>
+            <a:ext cx="847619" cy="369332"/>
+          </a:xfrm>
+          <a:prstGeom prst="rect">
+            <a:avLst/>
+          </a:prstGeom>
+          <a:noFill/>
+        </p:spPr>
+        <p:txBody>
+          <a:bodyPr wrap="square" rtlCol="0">
+            <a:spAutoFit/>
+          </a:bodyPr>
+          <a:lstStyle/>
+          <a:p>
+            <a:r>
+              <a:rPr lang="en-US" dirty="0"/>
+              <a:t>(A</a:t>
+            </a:r>
+            <a:r>
+              <a:rPr lang="en-US" baseline="-25000" dirty="0"/>
+              <a:t>X</a:t>
+            </a:r>
+            <a:r>
+              <a:rPr lang="en-US" dirty="0"/>
+              <a:t>, A</a:t>
+            </a:r>
+            <a:r>
+              <a:rPr lang="en-US" baseline="-25000" dirty="0"/>
+              <a:t>Y</a:t>
+            </a:r>
+            <a:r>
+              <a:rPr lang="en-US" dirty="0"/>
+              <a:t>)</a:t>
+            </a:r>
+            <a:endParaRPr lang="id-ID" dirty="0"/>
+          </a:p>
+        </p:txBody>
+      </p:sp>
+      <p:sp>
+        <p:nvSpPr>
+          <p:cNvPr id="79" name="TextBox 78">
+            <a:extLst>
+              <a:ext uri="{FF2B5EF4-FFF2-40B4-BE49-F238E27FC236}">
+                <a16:creationId xmlns:a16="http://schemas.microsoft.com/office/drawing/2014/main" id="{BF3FD6BE-D7A5-FE40-78C2-B7A8D2D20A9B}"/>
+              </a:ext>
+            </a:extLst>
+          </p:cNvPr>
+          <p:cNvSpPr txBox="1"/>
+          <p:nvPr/>
+        </p:nvSpPr>
+        <p:spPr>
+          <a:xfrm>
+            <a:off x="2830266" y="2134650"/>
+            <a:ext cx="847619" cy="369332"/>
+          </a:xfrm>
+          <a:prstGeom prst="rect">
+            <a:avLst/>
+          </a:prstGeom>
+          <a:noFill/>
+        </p:spPr>
+        <p:txBody>
+          <a:bodyPr wrap="square" rtlCol="0">
+            <a:spAutoFit/>
+          </a:bodyPr>
+          <a:lstStyle/>
+          <a:p>
+            <a:r>
+              <a:rPr lang="en-US" dirty="0"/>
+              <a:t>(B</a:t>
+            </a:r>
+            <a:r>
+              <a:rPr lang="en-US" baseline="-25000" dirty="0"/>
+              <a:t>X</a:t>
+            </a:r>
+            <a:r>
+              <a:rPr lang="en-US" dirty="0"/>
+              <a:t>, B</a:t>
+            </a:r>
+            <a:r>
+              <a:rPr lang="en-US" baseline="-25000" dirty="0"/>
+              <a:t>Y</a:t>
+            </a:r>
+            <a:r>
+              <a:rPr lang="en-US" dirty="0"/>
+              <a:t>)</a:t>
+            </a:r>
+            <a:endParaRPr lang="id-ID" dirty="0"/>
+          </a:p>
+        </p:txBody>
+      </p:sp>
+      <p:grpSp>
+        <p:nvGrpSpPr>
+          <p:cNvPr id="84" name="Group 83">
+            <a:extLst>
+              <a:ext uri="{FF2B5EF4-FFF2-40B4-BE49-F238E27FC236}">
+                <a16:creationId xmlns:a16="http://schemas.microsoft.com/office/drawing/2014/main" id="{CC6C5ED3-6762-19BA-01FB-10BAD982DA10}"/>
+              </a:ext>
+            </a:extLst>
+          </p:cNvPr>
+          <p:cNvGrpSpPr/>
+          <p:nvPr/>
+        </p:nvGrpSpPr>
+        <p:grpSpPr>
+          <a:xfrm>
+            <a:off x="3255670" y="3012416"/>
+            <a:ext cx="820726" cy="786651"/>
+            <a:chOff x="3231344" y="1427879"/>
+            <a:chExt cx="820726" cy="786651"/>
+          </a:xfrm>
+        </p:grpSpPr>
+        <p:cxnSp>
+          <p:nvCxnSpPr>
+            <p:cNvPr id="80" name="Straight Arrow Connector 79">
+              <a:extLst>
+                <a:ext uri="{FF2B5EF4-FFF2-40B4-BE49-F238E27FC236}">
+                  <a16:creationId xmlns:a16="http://schemas.microsoft.com/office/drawing/2014/main" id="{97720C07-ED27-6F91-50F0-DA6B999C9C24}"/>
+                </a:ext>
+              </a:extLst>
+            </p:cNvPr>
+            <p:cNvCxnSpPr>
+              <a:cxnSpLocks/>
+            </p:cNvCxnSpPr>
+            <p:nvPr/>
+          </p:nvCxnSpPr>
+          <p:spPr>
+            <a:xfrm>
+              <a:off x="3231344" y="2214530"/>
+              <a:ext cx="820726" cy="0"/>
+            </a:xfrm>
+            <a:prstGeom prst="straightConnector1">
+              <a:avLst/>
+            </a:prstGeom>
+            <a:ln w="38100">
+              <a:solidFill>
+                <a:schemeClr val="tx1"/>
+              </a:solidFill>
+              <a:prstDash val="sysDash"/>
+              <a:tailEnd type="triangle"/>
+            </a:ln>
+          </p:spPr>
+          <p:style>
+            <a:lnRef idx="1">
+              <a:schemeClr val="accent1"/>
+            </a:lnRef>
+            <a:fillRef idx="0">
+              <a:schemeClr val="accent1"/>
+            </a:fillRef>
+            <a:effectRef idx="0">
+              <a:schemeClr val="accent1"/>
+            </a:effectRef>
+            <a:fontRef idx="minor">
+              <a:schemeClr val="tx1"/>
+            </a:fontRef>
+          </p:style>
+        </p:cxnSp>
+        <p:cxnSp>
+          <p:nvCxnSpPr>
+            <p:cNvPr id="81" name="Straight Arrow Connector 80">
+              <a:extLst>
+                <a:ext uri="{FF2B5EF4-FFF2-40B4-BE49-F238E27FC236}">
+                  <a16:creationId xmlns:a16="http://schemas.microsoft.com/office/drawing/2014/main" id="{2FE1B339-954E-3B5D-7A43-F9B5DAACEDED}"/>
+                </a:ext>
+              </a:extLst>
+            </p:cNvPr>
+            <p:cNvCxnSpPr>
+              <a:cxnSpLocks/>
+            </p:cNvCxnSpPr>
+            <p:nvPr/>
+          </p:nvCxnSpPr>
+          <p:spPr>
+            <a:xfrm flipV="1">
+              <a:off x="3248789" y="1427879"/>
+              <a:ext cx="0" cy="774187"/>
+            </a:xfrm>
+            <a:prstGeom prst="straightConnector1">
+              <a:avLst/>
+            </a:prstGeom>
+            <a:ln w="38100">
+              <a:solidFill>
+                <a:schemeClr val="tx1"/>
+              </a:solidFill>
+              <a:prstDash val="sysDash"/>
+              <a:tailEnd type="triangle"/>
+            </a:ln>
+          </p:spPr>
+          <p:style>
+            <a:lnRef idx="1">
+              <a:schemeClr val="accent1"/>
+            </a:lnRef>
+            <a:fillRef idx="0">
+              <a:schemeClr val="accent1"/>
+            </a:fillRef>
+            <a:effectRef idx="0">
+              <a:schemeClr val="accent1"/>
+            </a:effectRef>
+            <a:fontRef idx="minor">
+              <a:schemeClr val="tx1"/>
+            </a:fontRef>
+          </p:style>
+        </p:cxnSp>
+      </p:grpSp>
+      <p:grpSp>
+        <p:nvGrpSpPr>
+          <p:cNvPr id="96" name="Group 95">
+            <a:extLst>
+              <a:ext uri="{FF2B5EF4-FFF2-40B4-BE49-F238E27FC236}">
+                <a16:creationId xmlns:a16="http://schemas.microsoft.com/office/drawing/2014/main" id="{4E4F7B12-B83B-DFB5-08D3-A96EF120EE14}"/>
+              </a:ext>
+            </a:extLst>
+          </p:cNvPr>
+          <p:cNvGrpSpPr/>
+          <p:nvPr/>
+        </p:nvGrpSpPr>
+        <p:grpSpPr>
+          <a:xfrm>
+            <a:off x="3720809" y="1355557"/>
+            <a:ext cx="820726" cy="786651"/>
+            <a:chOff x="3231344" y="1427879"/>
+            <a:chExt cx="820726" cy="786651"/>
+          </a:xfrm>
+        </p:grpSpPr>
+        <p:cxnSp>
+          <p:nvCxnSpPr>
+            <p:cNvPr id="97" name="Straight Arrow Connector 96">
+              <a:extLst>
+                <a:ext uri="{FF2B5EF4-FFF2-40B4-BE49-F238E27FC236}">
+                  <a16:creationId xmlns:a16="http://schemas.microsoft.com/office/drawing/2014/main" id="{411B675B-09C9-EFC1-0D12-D2B30E09BE1D}"/>
+                </a:ext>
+              </a:extLst>
+            </p:cNvPr>
+            <p:cNvCxnSpPr>
+              <a:cxnSpLocks/>
+            </p:cNvCxnSpPr>
+            <p:nvPr/>
+          </p:nvCxnSpPr>
+          <p:spPr>
+            <a:xfrm>
+              <a:off x="3231344" y="2214530"/>
+              <a:ext cx="820726" cy="0"/>
+            </a:xfrm>
+            <a:prstGeom prst="straightConnector1">
+              <a:avLst/>
+            </a:prstGeom>
+            <a:ln w="38100">
+              <a:solidFill>
+                <a:schemeClr val="tx1"/>
+              </a:solidFill>
+              <a:prstDash val="sysDash"/>
+              <a:tailEnd type="triangle"/>
+            </a:ln>
+          </p:spPr>
+          <p:style>
+            <a:lnRef idx="1">
+              <a:schemeClr val="accent1"/>
+            </a:lnRef>
+            <a:fillRef idx="0">
+              <a:schemeClr val="accent1"/>
+            </a:fillRef>
+            <a:effectRef idx="0">
+              <a:schemeClr val="accent1"/>
+            </a:effectRef>
+            <a:fontRef idx="minor">
+              <a:schemeClr val="tx1"/>
+            </a:fontRef>
+          </p:style>
+        </p:cxnSp>
+        <p:cxnSp>
+          <p:nvCxnSpPr>
+            <p:cNvPr id="98" name="Straight Arrow Connector 97">
+              <a:extLst>
+                <a:ext uri="{FF2B5EF4-FFF2-40B4-BE49-F238E27FC236}">
+                  <a16:creationId xmlns:a16="http://schemas.microsoft.com/office/drawing/2014/main" id="{8EFC50EA-1109-74DB-2E21-617C5EA1A047}"/>
+                </a:ext>
+              </a:extLst>
+            </p:cNvPr>
+            <p:cNvCxnSpPr>
+              <a:cxnSpLocks/>
+            </p:cNvCxnSpPr>
+            <p:nvPr/>
+          </p:nvCxnSpPr>
+          <p:spPr>
+            <a:xfrm flipV="1">
+              <a:off x="3248789" y="1427879"/>
+              <a:ext cx="0" cy="774187"/>
+            </a:xfrm>
+            <a:prstGeom prst="straightConnector1">
+              <a:avLst/>
+            </a:prstGeom>
+            <a:ln w="38100">
+              <a:solidFill>
+                <a:schemeClr val="tx1"/>
+              </a:solidFill>
+              <a:prstDash val="sysDash"/>
+              <a:tailEnd type="triangle"/>
+            </a:ln>
+          </p:spPr>
+          <p:style>
+            <a:lnRef idx="1">
+              <a:schemeClr val="accent1"/>
+            </a:lnRef>
+            <a:fillRef idx="0">
+              <a:schemeClr val="accent1"/>
+            </a:fillRef>
+            <a:effectRef idx="0">
+              <a:schemeClr val="accent1"/>
+            </a:effectRef>
+            <a:fontRef idx="minor">
+              <a:schemeClr val="tx1"/>
+            </a:fontRef>
+          </p:style>
+        </p:cxnSp>
+      </p:grpSp>
+      <p:grpSp>
+        <p:nvGrpSpPr>
+          <p:cNvPr id="99" name="Group 98">
+            <a:extLst>
+              <a:ext uri="{FF2B5EF4-FFF2-40B4-BE49-F238E27FC236}">
+                <a16:creationId xmlns:a16="http://schemas.microsoft.com/office/drawing/2014/main" id="{6C967B8B-B8BE-4C9F-5CD8-D3574A3EE388}"/>
+              </a:ext>
+            </a:extLst>
+          </p:cNvPr>
+          <p:cNvGrpSpPr/>
+          <p:nvPr/>
+        </p:nvGrpSpPr>
+        <p:grpSpPr>
+          <a:xfrm>
+            <a:off x="2831268" y="4544569"/>
+            <a:ext cx="820726" cy="786651"/>
+            <a:chOff x="3231344" y="1427879"/>
+            <a:chExt cx="820726" cy="786651"/>
+          </a:xfrm>
+        </p:grpSpPr>
+        <p:cxnSp>
+          <p:nvCxnSpPr>
+            <p:cNvPr id="100" name="Straight Arrow Connector 99">
+              <a:extLst>
+                <a:ext uri="{FF2B5EF4-FFF2-40B4-BE49-F238E27FC236}">
+                  <a16:creationId xmlns:a16="http://schemas.microsoft.com/office/drawing/2014/main" id="{1B581E68-397F-AC58-FD17-E16634C6439D}"/>
+                </a:ext>
+              </a:extLst>
+            </p:cNvPr>
+            <p:cNvCxnSpPr>
+              <a:cxnSpLocks/>
+            </p:cNvCxnSpPr>
+            <p:nvPr/>
+          </p:nvCxnSpPr>
+          <p:spPr>
+            <a:xfrm>
+              <a:off x="3231344" y="2214530"/>
+              <a:ext cx="820726" cy="0"/>
+            </a:xfrm>
+            <a:prstGeom prst="straightConnector1">
+              <a:avLst/>
+            </a:prstGeom>
+            <a:ln w="38100">
+              <a:solidFill>
+                <a:schemeClr val="tx1"/>
+              </a:solidFill>
+              <a:prstDash val="sysDash"/>
+              <a:tailEnd type="triangle"/>
+            </a:ln>
+          </p:spPr>
+          <p:style>
+            <a:lnRef idx="1">
+              <a:schemeClr val="accent1"/>
+            </a:lnRef>
+            <a:fillRef idx="0">
+              <a:schemeClr val="accent1"/>
+            </a:fillRef>
+            <a:effectRef idx="0">
+              <a:schemeClr val="accent1"/>
+            </a:effectRef>
+            <a:fontRef idx="minor">
+              <a:schemeClr val="tx1"/>
+            </a:fontRef>
+          </p:style>
+        </p:cxnSp>
+        <p:cxnSp>
+          <p:nvCxnSpPr>
+            <p:cNvPr id="101" name="Straight Arrow Connector 100">
+              <a:extLst>
+                <a:ext uri="{FF2B5EF4-FFF2-40B4-BE49-F238E27FC236}">
+                  <a16:creationId xmlns:a16="http://schemas.microsoft.com/office/drawing/2014/main" id="{C9948DF6-9113-5406-9E10-32215F4451CD}"/>
+                </a:ext>
+              </a:extLst>
+            </p:cNvPr>
+            <p:cNvCxnSpPr>
+              <a:cxnSpLocks/>
+            </p:cNvCxnSpPr>
+            <p:nvPr/>
+          </p:nvCxnSpPr>
+          <p:spPr>
+            <a:xfrm flipV="1">
+              <a:off x="3248789" y="1427879"/>
+              <a:ext cx="0" cy="774187"/>
+            </a:xfrm>
+            <a:prstGeom prst="straightConnector1">
+              <a:avLst/>
+            </a:prstGeom>
+            <a:ln w="38100">
+              <a:solidFill>
+                <a:schemeClr val="tx1"/>
+              </a:solidFill>
+              <a:prstDash val="sysDash"/>
+              <a:tailEnd type="triangle"/>
+            </a:ln>
+          </p:spPr>
+          <p:style>
+            <a:lnRef idx="1">
+              <a:schemeClr val="accent1"/>
+            </a:lnRef>
+            <a:fillRef idx="0">
+              <a:schemeClr val="accent1"/>
+            </a:fillRef>
+            <a:effectRef idx="0">
+              <a:schemeClr val="accent1"/>
+            </a:effectRef>
+            <a:fontRef idx="minor">
+              <a:schemeClr val="tx1"/>
+            </a:fontRef>
+          </p:style>
+        </p:cxnSp>
+      </p:grpSp>
+      <p:pic>
+        <p:nvPicPr>
+          <p:cNvPr id="107" name="Picture 106">
+            <a:extLst>
+              <a:ext uri="{FF2B5EF4-FFF2-40B4-BE49-F238E27FC236}">
+                <a16:creationId xmlns:a16="http://schemas.microsoft.com/office/drawing/2014/main" id="{87086AF7-BE6F-79E5-7E03-EC66735FE476}"/>
+              </a:ext>
+            </a:extLst>
+          </p:cNvPr>
+          <p:cNvPicPr>
+            <a:picLocks noChangeAspect="1"/>
+          </p:cNvPicPr>
+          <p:nvPr/>
+        </p:nvPicPr>
+        <p:blipFill rotWithShape="1">
+          <a:blip r:embed="rId3"/>
+          <a:srcRect b="44496"/>
+          <a:stretch/>
+        </p:blipFill>
+        <p:spPr>
+          <a:xfrm>
+            <a:off x="3679971" y="1798401"/>
+            <a:ext cx="384081" cy="345148"/>
+          </a:xfrm>
+          <a:prstGeom prst="rect">
+            <a:avLst/>
+          </a:prstGeom>
+        </p:spPr>
+      </p:pic>
+      <p:pic>
+        <p:nvPicPr>
+          <p:cNvPr id="110" name="Picture 109">
+            <a:extLst>
+              <a:ext uri="{FF2B5EF4-FFF2-40B4-BE49-F238E27FC236}">
+                <a16:creationId xmlns:a16="http://schemas.microsoft.com/office/drawing/2014/main" id="{3D7C97E9-B789-897F-3965-31F08E423D54}"/>
+              </a:ext>
+            </a:extLst>
+          </p:cNvPr>
+          <p:cNvPicPr>
+            <a:picLocks noChangeAspect="1"/>
+          </p:cNvPicPr>
+          <p:nvPr/>
+        </p:nvPicPr>
+        <p:blipFill rotWithShape="1">
+          <a:blip r:embed="rId4"/>
+          <a:srcRect b="47870"/>
+          <a:stretch/>
+        </p:blipFill>
+        <p:spPr>
+          <a:xfrm>
+            <a:off x="3199331" y="3493970"/>
+            <a:ext cx="414564" cy="305097"/>
+          </a:xfrm>
+          <a:prstGeom prst="rect">
+            <a:avLst/>
+          </a:prstGeom>
+        </p:spPr>
+      </p:pic>
+      <p:pic>
+        <p:nvPicPr>
+          <p:cNvPr id="111" name="Picture 110">
+            <a:extLst>
+              <a:ext uri="{FF2B5EF4-FFF2-40B4-BE49-F238E27FC236}">
+                <a16:creationId xmlns:a16="http://schemas.microsoft.com/office/drawing/2014/main" id="{838B7956-F15E-D353-4B53-9C81608C1851}"/>
+              </a:ext>
+            </a:extLst>
+          </p:cNvPr>
+          <p:cNvPicPr>
+            <a:picLocks noChangeAspect="1"/>
+          </p:cNvPicPr>
+          <p:nvPr/>
+        </p:nvPicPr>
+        <p:blipFill rotWithShape="1">
+          <a:blip r:embed="rId5"/>
+          <a:srcRect l="1038" t="1726" r="-1038" b="51175"/>
+          <a:stretch/>
+        </p:blipFill>
+        <p:spPr>
+          <a:xfrm>
+            <a:off x="2681417" y="5081057"/>
+            <a:ext cx="518205" cy="249811"/>
+          </a:xfrm>
+          <a:prstGeom prst="rect">
+            <a:avLst/>
+          </a:prstGeom>
+        </p:spPr>
+      </p:pic>
+      <mc:AlternateContent xmlns:mc="http://schemas.openxmlformats.org/markup-compatibility/2006">
+        <mc:Choice xmlns:a14="http://schemas.microsoft.com/office/drawing/2010/main" Requires="a14">
+          <p:sp>
+            <p:nvSpPr>
+              <p:cNvPr id="113" name="TextBox 112">
+                <a:extLst>
+                  <a:ext uri="{FF2B5EF4-FFF2-40B4-BE49-F238E27FC236}">
+                    <a16:creationId xmlns:a16="http://schemas.microsoft.com/office/drawing/2014/main" id="{77B04CD7-949F-EC27-4C42-8DF71FC28D4C}"/>
+                  </a:ext>
+                </a:extLst>
+              </p:cNvPr>
+              <p:cNvSpPr txBox="1"/>
+              <p:nvPr/>
+            </p:nvSpPr>
+            <p:spPr>
+              <a:xfrm>
+                <a:off x="3940254" y="1646978"/>
+                <a:ext cx="513217" cy="369332"/>
+              </a:xfrm>
+              <a:prstGeom prst="rect">
+                <a:avLst/>
+              </a:prstGeom>
+              <a:noFill/>
+            </p:spPr>
+            <p:txBody>
+              <a:bodyPr wrap="none" rtlCol="0">
+                <a:spAutoFit/>
+              </a:bodyPr>
+              <a:lstStyle/>
+              <a:p>
+                <a:pPr/>
+                <a14:m>
+                  <m:oMathPara xmlns:m="http://schemas.openxmlformats.org/officeDocument/2006/math">
+                    <m:oMathParaPr>
+                      <m:jc m:val="centerGroup"/>
+                    </m:oMathParaPr>
+                    <m:oMath xmlns:m="http://schemas.openxmlformats.org/officeDocument/2006/math">
+                      <m:sSub>
+                        <m:sSubPr>
+                          <m:ctrlPr>
+                            <a:rPr lang="en-US" b="1" i="1" smtClean="0">
+                              <a:solidFill>
+                                <a:srgbClr val="00B050"/>
+                              </a:solidFill>
+                              <a:latin typeface="Cambria Math" panose="02040503050406030204" pitchFamily="18" charset="0"/>
+                              <a:ea typeface="Cambria Math" panose="02040503050406030204" pitchFamily="18" charset="0"/>
+                            </a:rPr>
+                          </m:ctrlPr>
+                        </m:sSubPr>
+                        <m:e>
+                          <m:r>
+                            <a:rPr lang="id-ID" b="1" i="1" smtClean="0">
+                              <a:solidFill>
+                                <a:srgbClr val="00B050"/>
+                              </a:solidFill>
+                              <a:latin typeface="Cambria Math" panose="02040503050406030204" pitchFamily="18" charset="0"/>
+                              <a:ea typeface="Cambria Math" panose="02040503050406030204" pitchFamily="18" charset="0"/>
+                            </a:rPr>
+                            <m:t>𝜽</m:t>
+                          </m:r>
+                        </m:e>
+                        <m:sub>
+                          <m:r>
+                            <a:rPr lang="en-US" b="1" i="1" smtClean="0">
+                              <a:solidFill>
+                                <a:srgbClr val="00B050"/>
+                              </a:solidFill>
+                              <a:latin typeface="Cambria Math" panose="02040503050406030204" pitchFamily="18" charset="0"/>
+                              <a:ea typeface="Cambria Math" panose="02040503050406030204" pitchFamily="18" charset="0"/>
+                            </a:rPr>
+                            <m:t>𝑩</m:t>
+                          </m:r>
+                        </m:sub>
+                      </m:sSub>
+                    </m:oMath>
+                  </m:oMathPara>
+                </a14:m>
+                <a:endParaRPr lang="id-ID" b="1" dirty="0">
+                  <a:solidFill>
+                    <a:srgbClr val="00B050"/>
+                  </a:solidFill>
+                </a:endParaRPr>
+              </a:p>
+            </p:txBody>
+          </p:sp>
+        </mc:Choice>
+        <mc:Fallback>
+          <p:sp>
+            <p:nvSpPr>
+              <p:cNvPr id="113" name="TextBox 112">
+                <a:extLst>
+                  <a:ext uri="{FF2B5EF4-FFF2-40B4-BE49-F238E27FC236}">
+                    <a16:creationId xmlns:a16="http://schemas.microsoft.com/office/drawing/2014/main" id="{77B04CD7-949F-EC27-4C42-8DF71FC28D4C}"/>
+                  </a:ext>
+                </a:extLst>
+              </p:cNvPr>
+              <p:cNvSpPr txBox="1">
+                <a:spLocks noRot="1" noChangeAspect="1" noMove="1" noResize="1" noEditPoints="1" noAdjustHandles="1" noChangeArrowheads="1" noChangeShapeType="1" noTextEdit="1"/>
+              </p:cNvSpPr>
+              <p:nvPr/>
+            </p:nvSpPr>
+            <p:spPr>
+              <a:xfrm>
+                <a:off x="3940254" y="1646978"/>
+                <a:ext cx="513217" cy="369332"/>
+              </a:xfrm>
+              <a:prstGeom prst="rect">
+                <a:avLst/>
+              </a:prstGeom>
+              <a:blipFill>
+                <a:blip r:embed="rId6"/>
+                <a:stretch>
+                  <a:fillRect/>
+                </a:stretch>
+              </a:blipFill>
+            </p:spPr>
+            <p:txBody>
+              <a:bodyPr/>
+              <a:lstStyle/>
+              <a:p>
+                <a:r>
+                  <a:rPr lang="id-ID">
+                    <a:noFill/>
+                  </a:rPr>
+                  <a:t> </a:t>
+                </a:r>
+              </a:p>
+            </p:txBody>
+          </p:sp>
+        </mc:Fallback>
+      </mc:AlternateContent>
+      <mc:AlternateContent xmlns:mc="http://schemas.openxmlformats.org/markup-compatibility/2006">
+        <mc:Choice xmlns:a14="http://schemas.microsoft.com/office/drawing/2010/main" Requires="a14">
+          <p:sp>
+            <p:nvSpPr>
+              <p:cNvPr id="114" name="TextBox 113">
+                <a:extLst>
+                  <a:ext uri="{FF2B5EF4-FFF2-40B4-BE49-F238E27FC236}">
+                    <a16:creationId xmlns:a16="http://schemas.microsoft.com/office/drawing/2014/main" id="{A24DA941-8422-CCBC-B046-6F6AFD1FF91F}"/>
+                  </a:ext>
+                </a:extLst>
+              </p:cNvPr>
+              <p:cNvSpPr txBox="1"/>
+              <p:nvPr/>
+            </p:nvSpPr>
+            <p:spPr>
+              <a:xfrm>
+                <a:off x="3045413" y="4922452"/>
+                <a:ext cx="503599" cy="369332"/>
+              </a:xfrm>
+              <a:prstGeom prst="rect">
+                <a:avLst/>
+              </a:prstGeom>
+              <a:noFill/>
+            </p:spPr>
+            <p:txBody>
+              <a:bodyPr wrap="none" rtlCol="0">
+                <a:spAutoFit/>
+              </a:bodyPr>
+              <a:lstStyle/>
+              <a:p>
+                <a:pPr/>
+                <a14:m>
+                  <m:oMathPara xmlns:m="http://schemas.openxmlformats.org/officeDocument/2006/math">
+                    <m:oMathParaPr>
+                      <m:jc m:val="centerGroup"/>
+                    </m:oMathParaPr>
+                    <m:oMath xmlns:m="http://schemas.openxmlformats.org/officeDocument/2006/math">
+                      <m:sSub>
+                        <m:sSubPr>
+                          <m:ctrlPr>
+                            <a:rPr lang="en-US" b="1" i="1" smtClean="0">
+                              <a:solidFill>
+                                <a:schemeClr val="accent1"/>
+                              </a:solidFill>
+                              <a:latin typeface="Cambria Math" panose="02040503050406030204" pitchFamily="18" charset="0"/>
+                              <a:ea typeface="Cambria Math" panose="02040503050406030204" pitchFamily="18" charset="0"/>
+                            </a:rPr>
+                          </m:ctrlPr>
+                        </m:sSubPr>
+                        <m:e>
+                          <m:r>
+                            <a:rPr lang="id-ID" b="1" i="1" smtClean="0">
+                              <a:solidFill>
+                                <a:schemeClr val="accent1"/>
+                              </a:solidFill>
+                              <a:latin typeface="Cambria Math" panose="02040503050406030204" pitchFamily="18" charset="0"/>
+                              <a:ea typeface="Cambria Math" panose="02040503050406030204" pitchFamily="18" charset="0"/>
+                            </a:rPr>
+                            <m:t>𝜽</m:t>
+                          </m:r>
+                        </m:e>
+                        <m:sub>
+                          <m:r>
+                            <a:rPr lang="en-US" b="1" i="1" smtClean="0">
+                              <a:solidFill>
+                                <a:schemeClr val="accent1"/>
+                              </a:solidFill>
+                              <a:latin typeface="Cambria Math" panose="02040503050406030204" pitchFamily="18" charset="0"/>
+                              <a:ea typeface="Cambria Math" panose="02040503050406030204" pitchFamily="18" charset="0"/>
+                            </a:rPr>
+                            <m:t>𝑨</m:t>
+                          </m:r>
+                        </m:sub>
+                      </m:sSub>
+                    </m:oMath>
+                  </m:oMathPara>
+                </a14:m>
+                <a:endParaRPr lang="id-ID" b="1" dirty="0">
+                  <a:solidFill>
+                    <a:schemeClr val="accent1"/>
+                  </a:solidFill>
+                </a:endParaRPr>
+              </a:p>
+            </p:txBody>
+          </p:sp>
+        </mc:Choice>
+        <mc:Fallback>
+          <p:sp>
+            <p:nvSpPr>
+              <p:cNvPr id="114" name="TextBox 113">
+                <a:extLst>
+                  <a:ext uri="{FF2B5EF4-FFF2-40B4-BE49-F238E27FC236}">
+                    <a16:creationId xmlns:a16="http://schemas.microsoft.com/office/drawing/2014/main" id="{A24DA941-8422-CCBC-B046-6F6AFD1FF91F}"/>
+                  </a:ext>
+                </a:extLst>
+              </p:cNvPr>
+              <p:cNvSpPr txBox="1">
+                <a:spLocks noRot="1" noChangeAspect="1" noMove="1" noResize="1" noEditPoints="1" noAdjustHandles="1" noChangeArrowheads="1" noChangeShapeType="1" noTextEdit="1"/>
+              </p:cNvSpPr>
+              <p:nvPr/>
+            </p:nvSpPr>
+            <p:spPr>
+              <a:xfrm>
+                <a:off x="3045413" y="4922452"/>
+                <a:ext cx="503599" cy="369332"/>
+              </a:xfrm>
+              <a:prstGeom prst="rect">
+                <a:avLst/>
+              </a:prstGeom>
+              <a:blipFill>
+                <a:blip r:embed="rId7"/>
+                <a:stretch>
+                  <a:fillRect/>
+                </a:stretch>
+              </a:blipFill>
+            </p:spPr>
+            <p:txBody>
+              <a:bodyPr/>
+              <a:lstStyle/>
+              <a:p>
+                <a:r>
+                  <a:rPr lang="id-ID">
+                    <a:noFill/>
+                  </a:rPr>
+                  <a:t> </a:t>
+                </a:r>
+              </a:p>
+            </p:txBody>
+          </p:sp>
+        </mc:Fallback>
+      </mc:AlternateContent>
+      <mc:AlternateContent xmlns:mc="http://schemas.openxmlformats.org/markup-compatibility/2006">
+        <mc:Choice xmlns:a14="http://schemas.microsoft.com/office/drawing/2010/main" Requires="a14">
+          <p:sp>
+            <p:nvSpPr>
+              <p:cNvPr id="115" name="TextBox 114">
+                <a:extLst>
+                  <a:ext uri="{FF2B5EF4-FFF2-40B4-BE49-F238E27FC236}">
+                    <a16:creationId xmlns:a16="http://schemas.microsoft.com/office/drawing/2014/main" id="{7625218E-0664-5581-C345-D61D6941988C}"/>
+                  </a:ext>
+                </a:extLst>
+              </p:cNvPr>
+              <p:cNvSpPr txBox="1"/>
+              <p:nvPr/>
+            </p:nvSpPr>
+            <p:spPr>
+              <a:xfrm>
+                <a:off x="3431070" y="3317878"/>
+                <a:ext cx="546881" cy="369332"/>
+              </a:xfrm>
+              <a:prstGeom prst="rect">
+                <a:avLst/>
+              </a:prstGeom>
+              <a:noFill/>
+            </p:spPr>
+            <p:txBody>
+              <a:bodyPr wrap="none" rtlCol="0">
+                <a:spAutoFit/>
+              </a:bodyPr>
+              <a:lstStyle/>
+              <a:p>
+                <a:pPr/>
+                <a14:m>
+                  <m:oMathPara xmlns:m="http://schemas.openxmlformats.org/officeDocument/2006/math">
+                    <m:oMathParaPr>
+                      <m:jc m:val="centerGroup"/>
+                    </m:oMathParaPr>
+                    <m:oMath xmlns:m="http://schemas.openxmlformats.org/officeDocument/2006/math">
+                      <m:sSub>
+                        <m:sSubPr>
+                          <m:ctrlPr>
+                            <a:rPr lang="en-US" b="1" i="1" smtClean="0">
+                              <a:solidFill>
+                                <a:srgbClr val="FF0000"/>
+                              </a:solidFill>
+                              <a:latin typeface="Cambria Math" panose="02040503050406030204" pitchFamily="18" charset="0"/>
+                              <a:ea typeface="Cambria Math" panose="02040503050406030204" pitchFamily="18" charset="0"/>
+                            </a:rPr>
+                          </m:ctrlPr>
+                        </m:sSubPr>
+                        <m:e>
+                          <m:r>
+                            <a:rPr lang="id-ID" b="1" i="1" smtClean="0">
+                              <a:solidFill>
+                                <a:srgbClr val="FF0000"/>
+                              </a:solidFill>
+                              <a:latin typeface="Cambria Math" panose="02040503050406030204" pitchFamily="18" charset="0"/>
+                              <a:ea typeface="Cambria Math" panose="02040503050406030204" pitchFamily="18" charset="0"/>
+                            </a:rPr>
+                            <m:t>𝜽</m:t>
+                          </m:r>
+                        </m:e>
+                        <m:sub>
+                          <m:r>
+                            <a:rPr lang="en-US" b="1" i="1" smtClean="0">
+                              <a:solidFill>
+                                <a:srgbClr val="FF0000"/>
+                              </a:solidFill>
+                              <a:latin typeface="Cambria Math" panose="02040503050406030204" pitchFamily="18" charset="0"/>
+                              <a:ea typeface="Cambria Math" panose="02040503050406030204" pitchFamily="18" charset="0"/>
+                            </a:rPr>
+                            <m:t>𝒎</m:t>
+                          </m:r>
+                        </m:sub>
+                      </m:sSub>
+                    </m:oMath>
+                  </m:oMathPara>
+                </a14:m>
+                <a:endParaRPr lang="id-ID" b="1" dirty="0">
+                  <a:solidFill>
+                    <a:srgbClr val="FF0000"/>
+                  </a:solidFill>
+                </a:endParaRPr>
+              </a:p>
+            </p:txBody>
+          </p:sp>
+        </mc:Choice>
+        <mc:Fallback>
+          <p:sp>
+            <p:nvSpPr>
+              <p:cNvPr id="115" name="TextBox 114">
+                <a:extLst>
+                  <a:ext uri="{FF2B5EF4-FFF2-40B4-BE49-F238E27FC236}">
+                    <a16:creationId xmlns:a16="http://schemas.microsoft.com/office/drawing/2014/main" id="{7625218E-0664-5581-C345-D61D6941988C}"/>
+                  </a:ext>
+                </a:extLst>
+              </p:cNvPr>
+              <p:cNvSpPr txBox="1">
+                <a:spLocks noRot="1" noChangeAspect="1" noMove="1" noResize="1" noEditPoints="1" noAdjustHandles="1" noChangeArrowheads="1" noChangeShapeType="1" noTextEdit="1"/>
+              </p:cNvSpPr>
+              <p:nvPr/>
+            </p:nvSpPr>
+            <p:spPr>
+              <a:xfrm>
+                <a:off x="3431070" y="3317878"/>
+                <a:ext cx="546881" cy="369332"/>
+              </a:xfrm>
+              <a:prstGeom prst="rect">
+                <a:avLst/>
+              </a:prstGeom>
+              <a:blipFill>
+                <a:blip r:embed="rId8"/>
+                <a:stretch>
+                  <a:fillRect/>
+                </a:stretch>
+              </a:blipFill>
+            </p:spPr>
+            <p:txBody>
+              <a:bodyPr/>
+              <a:lstStyle/>
+              <a:p>
+                <a:r>
+                  <a:rPr lang="id-ID">
+                    <a:noFill/>
+                  </a:rPr>
+                  <a:t> </a:t>
+                </a:r>
+              </a:p>
+            </p:txBody>
+          </p:sp>
+        </mc:Fallback>
+      </mc:AlternateContent>
+      <p:cxnSp>
+        <p:nvCxnSpPr>
+          <p:cNvPr id="116" name="Straight Arrow Connector 115">
+            <a:extLst>
+              <a:ext uri="{FF2B5EF4-FFF2-40B4-BE49-F238E27FC236}">
+                <a16:creationId xmlns:a16="http://schemas.microsoft.com/office/drawing/2014/main" id="{595EE28A-77E0-3508-9571-2DE58323A672}"/>
+              </a:ext>
+            </a:extLst>
+          </p:cNvPr>
+          <p:cNvCxnSpPr>
+            <a:cxnSpLocks/>
+          </p:cNvCxnSpPr>
+          <p:nvPr/>
+        </p:nvCxnSpPr>
+        <p:spPr>
+          <a:xfrm flipH="1">
+            <a:off x="1872471" y="1863448"/>
+            <a:ext cx="841619" cy="3207856"/>
+          </a:xfrm>
+          <a:prstGeom prst="straightConnector1">
+            <a:avLst/>
+          </a:prstGeom>
+          <a:ln w="19050">
+            <a:solidFill>
+              <a:schemeClr val="tx1"/>
+            </a:solidFill>
+            <a:headEnd type="arrow" w="med" len="med"/>
+            <a:tailEnd type="arrow" w="med" len="med"/>
+          </a:ln>
+        </p:spPr>
+        <p:style>
+          <a:lnRef idx="1">
+            <a:schemeClr val="accent1"/>
+          </a:lnRef>
+          <a:fillRef idx="0">
+            <a:schemeClr val="accent1"/>
+          </a:fillRef>
+          <a:effectRef idx="0">
+            <a:schemeClr val="accent1"/>
+          </a:effectRef>
+          <a:fontRef idx="minor">
+            <a:schemeClr val="tx1"/>
+          </a:fontRef>
+        </p:style>
+      </p:cxnSp>
+      <p:cxnSp>
+        <p:nvCxnSpPr>
+          <p:cNvPr id="118" name="Straight Arrow Connector 117">
+            <a:extLst>
+              <a:ext uri="{FF2B5EF4-FFF2-40B4-BE49-F238E27FC236}">
+                <a16:creationId xmlns:a16="http://schemas.microsoft.com/office/drawing/2014/main" id="{F7789F0E-46FC-49B2-AF5F-8846D05DC9A0}"/>
+              </a:ext>
+            </a:extLst>
+          </p:cNvPr>
+          <p:cNvCxnSpPr>
+            <a:cxnSpLocks/>
+          </p:cNvCxnSpPr>
+          <p:nvPr/>
+        </p:nvCxnSpPr>
+        <p:spPr>
+          <a:xfrm flipH="1" flipV="1">
+            <a:off x="2611852" y="1835276"/>
+            <a:ext cx="1100772" cy="288801"/>
+          </a:xfrm>
+          <a:prstGeom prst="straightConnector1">
+            <a:avLst/>
+          </a:prstGeom>
+          <a:ln w="19050">
+            <a:solidFill>
+              <a:schemeClr val="tx1"/>
+            </a:solidFill>
+            <a:headEnd type="none" w="med" len="med"/>
+            <a:tailEnd type="none" w="med" len="med"/>
+          </a:ln>
+        </p:spPr>
+        <p:style>
+          <a:lnRef idx="1">
+            <a:schemeClr val="accent1"/>
+          </a:lnRef>
+          <a:fillRef idx="0">
+            <a:schemeClr val="accent1"/>
+          </a:fillRef>
+          <a:effectRef idx="0">
+            <a:schemeClr val="accent1"/>
+          </a:effectRef>
+          <a:fontRef idx="minor">
+            <a:schemeClr val="tx1"/>
+          </a:fontRef>
+        </p:style>
+      </p:cxnSp>
+      <p:cxnSp>
+        <p:nvCxnSpPr>
+          <p:cNvPr id="124" name="Straight Arrow Connector 123">
+            <a:extLst>
+              <a:ext uri="{FF2B5EF4-FFF2-40B4-BE49-F238E27FC236}">
+                <a16:creationId xmlns:a16="http://schemas.microsoft.com/office/drawing/2014/main" id="{8CF1C537-9967-133D-ED92-85B1906B487D}"/>
+              </a:ext>
+            </a:extLst>
+          </p:cNvPr>
+          <p:cNvCxnSpPr>
+            <a:cxnSpLocks/>
+          </p:cNvCxnSpPr>
+          <p:nvPr/>
+        </p:nvCxnSpPr>
+        <p:spPr>
+          <a:xfrm flipH="1" flipV="1">
+            <a:off x="1777196" y="5040436"/>
+            <a:ext cx="1100772" cy="288801"/>
+          </a:xfrm>
+          <a:prstGeom prst="straightConnector1">
+            <a:avLst/>
+          </a:prstGeom>
+          <a:ln w="19050">
+            <a:solidFill>
+              <a:schemeClr val="tx1"/>
+            </a:solidFill>
+            <a:headEnd type="none" w="med" len="med"/>
+            <a:tailEnd type="none" w="med" len="med"/>
+          </a:ln>
+        </p:spPr>
+        <p:style>
+          <a:lnRef idx="1">
+            <a:schemeClr val="accent1"/>
+          </a:lnRef>
+          <a:fillRef idx="0">
+            <a:schemeClr val="accent1"/>
+          </a:fillRef>
+          <a:effectRef idx="0">
+            <a:schemeClr val="accent1"/>
+          </a:effectRef>
+          <a:fontRef idx="minor">
+            <a:schemeClr val="tx1"/>
+          </a:fontRef>
+        </p:style>
+      </p:cxnSp>
+      <mc:AlternateContent xmlns:mc="http://schemas.openxmlformats.org/markup-compatibility/2006">
+        <mc:Choice xmlns:a14="http://schemas.microsoft.com/office/drawing/2010/main" Requires="a14">
+          <p:sp>
+            <p:nvSpPr>
+              <p:cNvPr id="127" name="TextBox 126">
+                <a:extLst>
+                  <a:ext uri="{FF2B5EF4-FFF2-40B4-BE49-F238E27FC236}">
+                    <a16:creationId xmlns:a16="http://schemas.microsoft.com/office/drawing/2014/main" id="{096F504A-114B-40DA-8DF7-09F5A098B563}"/>
+                  </a:ext>
+                </a:extLst>
+              </p:cNvPr>
+              <p:cNvSpPr txBox="1"/>
+              <p:nvPr/>
+            </p:nvSpPr>
+            <p:spPr>
+              <a:xfrm>
+                <a:off x="1843414" y="3214554"/>
+                <a:ext cx="562797" cy="369909"/>
+              </a:xfrm>
+              <a:prstGeom prst="rect">
+                <a:avLst/>
+              </a:prstGeom>
+              <a:noFill/>
+            </p:spPr>
+            <p:txBody>
+              <a:bodyPr wrap="square" rtlCol="0">
+                <a:spAutoFit/>
+              </a:bodyPr>
+              <a:lstStyle/>
+              <a:p>
+                <a14:m>
+                  <m:oMathPara xmlns:m="http://schemas.openxmlformats.org/officeDocument/2006/math">
+                    <m:oMathParaPr>
+                      <m:jc m:val="centerGroup"/>
+                    </m:oMathParaPr>
+                    <m:oMath xmlns:m="http://schemas.openxmlformats.org/officeDocument/2006/math">
+                      <m:acc>
+                        <m:accPr>
+                          <m:chr m:val="̅"/>
+                          <m:ctrlPr>
+                            <a:rPr lang="id-ID" i="1" smtClean="0">
+                              <a:latin typeface="Cambria Math" panose="02040503050406030204" pitchFamily="18" charset="0"/>
+                            </a:rPr>
+                          </m:ctrlPr>
+                        </m:accPr>
+                        <m:e>
+                          <m:r>
+                            <m:rPr>
+                              <m:sty m:val="p"/>
+                            </m:rPr>
+                            <a:rPr lang="en-US" b="0" i="0" smtClean="0">
+                              <a:latin typeface="Cambria Math" panose="02040503050406030204" pitchFamily="18" charset="0"/>
+                            </a:rPr>
+                            <m:t>AB</m:t>
+                          </m:r>
+                        </m:e>
+                      </m:acc>
+                    </m:oMath>
+                  </m:oMathPara>
+                </a14:m>
+                <a:endParaRPr lang="id-ID" dirty="0"/>
+              </a:p>
+            </p:txBody>
+          </p:sp>
+        </mc:Choice>
+        <mc:Fallback>
+          <p:sp>
+            <p:nvSpPr>
+              <p:cNvPr id="127" name="TextBox 126">
+                <a:extLst>
+                  <a:ext uri="{FF2B5EF4-FFF2-40B4-BE49-F238E27FC236}">
+                    <a16:creationId xmlns:a16="http://schemas.microsoft.com/office/drawing/2014/main" id="{096F504A-114B-40DA-8DF7-09F5A098B563}"/>
+                  </a:ext>
+                </a:extLst>
+              </p:cNvPr>
+              <p:cNvSpPr txBox="1">
+                <a:spLocks noRot="1" noChangeAspect="1" noMove="1" noResize="1" noEditPoints="1" noAdjustHandles="1" noChangeArrowheads="1" noChangeShapeType="1" noTextEdit="1"/>
+              </p:cNvSpPr>
+              <p:nvPr/>
+            </p:nvSpPr>
+            <p:spPr>
+              <a:xfrm>
+                <a:off x="1843414" y="3214554"/>
+                <a:ext cx="562797" cy="369909"/>
+              </a:xfrm>
+              <a:prstGeom prst="rect">
+                <a:avLst/>
+              </a:prstGeom>
+              <a:blipFill>
+                <a:blip r:embed="rId9"/>
+                <a:stretch>
+                  <a:fillRect/>
+                </a:stretch>
+              </a:blipFill>
+            </p:spPr>
+            <p:txBody>
+              <a:bodyPr/>
+              <a:lstStyle/>
+              <a:p>
+                <a:r>
+                  <a:rPr lang="id-ID">
+                    <a:noFill/>
+                  </a:rPr>
+                  <a:t> </a:t>
+                </a:r>
+              </a:p>
+            </p:txBody>
+          </p:sp>
+        </mc:Fallback>
+      </mc:AlternateContent>
+    </p:spTree>
+    <p:extLst>
+      <p:ext uri="{BB962C8B-B14F-4D97-AF65-F5344CB8AC3E}">
+        <p14:creationId xmlns:p14="http://schemas.microsoft.com/office/powerpoint/2010/main" val="2382070810"/>
       </p:ext>
     </p:extLst>
   </p:cSld>
